--- a/topics/Data/bd/hadoop_cassandra/Hadoop_Cassandra.pptx
+++ b/topics/Data/bd/hadoop_cassandra/Hadoop_Cassandra.pptx
@@ -4,14 +4,27 @@
   <p:sldMasterIdLst>
     <p:sldMasterId id="2147483648" r:id="rId4"/>
   </p:sldMasterIdLst>
+  <p:notesMasterIdLst>
+    <p:notesMasterId r:id="rId22"/>
+  </p:notesMasterIdLst>
   <p:sldIdLst>
     <p:sldId id="256" r:id="rId5"/>
-    <p:sldId id="260" r:id="rId6"/>
-    <p:sldId id="257" r:id="rId7"/>
-    <p:sldId id="261" r:id="rId8"/>
-    <p:sldId id="258" r:id="rId9"/>
-    <p:sldId id="259" r:id="rId10"/>
-    <p:sldId id="262" r:id="rId11"/>
+    <p:sldId id="271" r:id="rId6"/>
+    <p:sldId id="260" r:id="rId7"/>
+    <p:sldId id="257" r:id="rId8"/>
+    <p:sldId id="270" r:id="rId9"/>
+    <p:sldId id="273" r:id="rId10"/>
+    <p:sldId id="261" r:id="rId11"/>
+    <p:sldId id="274" r:id="rId12"/>
+    <p:sldId id="272" r:id="rId13"/>
+    <p:sldId id="258" r:id="rId14"/>
+    <p:sldId id="259" r:id="rId15"/>
+    <p:sldId id="265" r:id="rId16"/>
+    <p:sldId id="266" r:id="rId17"/>
+    <p:sldId id="264" r:id="rId18"/>
+    <p:sldId id="275" r:id="rId19"/>
+    <p:sldId id="267" r:id="rId20"/>
+    <p:sldId id="269" r:id="rId21"/>
   </p:sldIdLst>
   <p:sldSz cx="12192000" cy="6858000"/>
   <p:notesSz cx="6858000" cy="9144000"/>
@@ -121,10 +134,843 @@
 <file path=ppt/revisionInfo.xml><?xml version="1.0" encoding="utf-8"?>
 <p1510:revInfo xmlns:a="http://schemas.openxmlformats.org/drawingml/2006/main" xmlns:r="http://schemas.openxmlformats.org/officeDocument/2006/relationships" xmlns:p1510="http://schemas.microsoft.com/office/powerpoint/2015/10/main">
   <p1510:revLst>
-    <p1510:client id="{C3209770-47E6-4FE3-A576-3B4966693B07}" v="165" dt="2022-02-28T10:40:56.469"/>
+    <p1510:client id="{8A4AD455-91BA-4D21-A830-FC450CFB4A18}" v="1516" dt="2022-02-28T21:07:08.751"/>
+    <p1510:client id="{C3209770-47E6-4FE3-A576-3B4966693B07}" v="193" dt="2022-02-28T22:12:13.699"/>
     <p1510:client id="{D8AAE7B5-4A76-1BFE-E02B-2F552E5FC225}" v="63" dt="2022-02-28T10:38:53.750"/>
   </p1510:revLst>
 </p1510:revInfo>
+</file>
+
+<file path=ppt/notesMasters/notesMaster1.xml><?xml version="1.0" encoding="utf-8"?>
+<p:notesMaster xmlns:a="http://schemas.openxmlformats.org/drawingml/2006/main" xmlns:r="http://schemas.openxmlformats.org/officeDocument/2006/relationships" xmlns:p="http://schemas.openxmlformats.org/presentationml/2006/main">
+  <p:cSld>
+    <p:bg>
+      <p:bgRef idx="1001">
+        <a:schemeClr val="bg1"/>
+      </p:bgRef>
+    </p:bg>
+    <p:spTree>
+      <p:nvGrpSpPr>
+        <p:cNvPr id="1" name=""/>
+        <p:cNvGrpSpPr/>
+        <p:nvPr/>
+      </p:nvGrpSpPr>
+      <p:grpSpPr>
+        <a:xfrm>
+          <a:off x="0" y="0"/>
+          <a:ext cx="0" cy="0"/>
+          <a:chOff x="0" y="0"/>
+          <a:chExt cx="0" cy="0"/>
+        </a:xfrm>
+      </p:grpSpPr>
+      <p:sp>
+        <p:nvSpPr>
+          <p:cNvPr id="2" name="Espace réservé de l'en-tête 1"/>
+          <p:cNvSpPr>
+            <a:spLocks noGrp="1"/>
+          </p:cNvSpPr>
+          <p:nvPr>
+            <p:ph type="hdr" sz="quarter"/>
+          </p:nvPr>
+        </p:nvSpPr>
+        <p:spPr>
+          <a:xfrm>
+            <a:off x="0" y="0"/>
+            <a:ext cx="2971800" cy="458788"/>
+          </a:xfrm>
+          <a:prstGeom prst="rect">
+            <a:avLst/>
+          </a:prstGeom>
+        </p:spPr>
+        <p:txBody>
+          <a:bodyPr vert="horz" lIns="91440" tIns="45720" rIns="91440" bIns="45720" rtlCol="0"/>
+          <a:lstStyle>
+            <a:lvl1pPr algn="l">
+              <a:defRPr sz="1200"/>
+            </a:lvl1pPr>
+          </a:lstStyle>
+          <a:p>
+            <a:endParaRPr lang="fr-FR"/>
+          </a:p>
+        </p:txBody>
+      </p:sp>
+      <p:sp>
+        <p:nvSpPr>
+          <p:cNvPr id="3" name="Espace réservé de la date 2"/>
+          <p:cNvSpPr>
+            <a:spLocks noGrp="1"/>
+          </p:cNvSpPr>
+          <p:nvPr>
+            <p:ph type="dt" idx="1"/>
+          </p:nvPr>
+        </p:nvSpPr>
+        <p:spPr>
+          <a:xfrm>
+            <a:off x="3884613" y="0"/>
+            <a:ext cx="2971800" cy="458788"/>
+          </a:xfrm>
+          <a:prstGeom prst="rect">
+            <a:avLst/>
+          </a:prstGeom>
+        </p:spPr>
+        <p:txBody>
+          <a:bodyPr vert="horz" lIns="91440" tIns="45720" rIns="91440" bIns="45720" rtlCol="0"/>
+          <a:lstStyle>
+            <a:lvl1pPr algn="r">
+              <a:defRPr sz="1200"/>
+            </a:lvl1pPr>
+          </a:lstStyle>
+          <a:p>
+            <a:fld id="{9766FAA0-1539-4E67-A5EA-7D80B1233381}" type="datetimeFigureOut">
+              <a:rPr lang="fr-FR" smtClean="0"/>
+              <a:t>01/03/2022</a:t>
+            </a:fld>
+            <a:endParaRPr lang="fr-FR"/>
+          </a:p>
+        </p:txBody>
+      </p:sp>
+      <p:sp>
+        <p:nvSpPr>
+          <p:cNvPr id="4" name="Espace réservé de l'image des diapositives 3"/>
+          <p:cNvSpPr>
+            <a:spLocks noGrp="1" noRot="1" noChangeAspect="1"/>
+          </p:cNvSpPr>
+          <p:nvPr>
+            <p:ph type="sldImg" idx="2"/>
+          </p:nvPr>
+        </p:nvSpPr>
+        <p:spPr>
+          <a:xfrm>
+            <a:off x="685800" y="1143000"/>
+            <a:ext cx="5486400" cy="3086100"/>
+          </a:xfrm>
+          <a:prstGeom prst="rect">
+            <a:avLst/>
+          </a:prstGeom>
+          <a:noFill/>
+          <a:ln w="12700">
+            <a:solidFill>
+              <a:prstClr val="black"/>
+            </a:solidFill>
+          </a:ln>
+        </p:spPr>
+        <p:txBody>
+          <a:bodyPr vert="horz" lIns="91440" tIns="45720" rIns="91440" bIns="45720" rtlCol="0" anchor="ctr"/>
+          <a:lstStyle/>
+          <a:p>
+            <a:endParaRPr lang="fr-FR"/>
+          </a:p>
+        </p:txBody>
+      </p:sp>
+      <p:sp>
+        <p:nvSpPr>
+          <p:cNvPr id="5" name="Espace réservé des notes 4"/>
+          <p:cNvSpPr>
+            <a:spLocks noGrp="1"/>
+          </p:cNvSpPr>
+          <p:nvPr>
+            <p:ph type="body" sz="quarter" idx="3"/>
+          </p:nvPr>
+        </p:nvSpPr>
+        <p:spPr>
+          <a:xfrm>
+            <a:off x="685800" y="4400550"/>
+            <a:ext cx="5486400" cy="3600450"/>
+          </a:xfrm>
+          <a:prstGeom prst="rect">
+            <a:avLst/>
+          </a:prstGeom>
+        </p:spPr>
+        <p:txBody>
+          <a:bodyPr vert="horz" lIns="91440" tIns="45720" rIns="91440" bIns="45720" rtlCol="0"/>
+          <a:lstStyle/>
+          <a:p>
+            <a:pPr lvl="0"/>
+            <a:r>
+              <a:rPr lang="fr-FR"/>
+              <a:t>Cliquez pour modifier les styles du texte du masque</a:t>
+            </a:r>
+          </a:p>
+          <a:p>
+            <a:pPr lvl="1"/>
+            <a:r>
+              <a:rPr lang="fr-FR"/>
+              <a:t>Deuxième niveau</a:t>
+            </a:r>
+          </a:p>
+          <a:p>
+            <a:pPr lvl="2"/>
+            <a:r>
+              <a:rPr lang="fr-FR"/>
+              <a:t>Troisième niveau</a:t>
+            </a:r>
+          </a:p>
+          <a:p>
+            <a:pPr lvl="3"/>
+            <a:r>
+              <a:rPr lang="fr-FR"/>
+              <a:t>Quatrième niveau</a:t>
+            </a:r>
+          </a:p>
+          <a:p>
+            <a:pPr lvl="4"/>
+            <a:r>
+              <a:rPr lang="fr-FR"/>
+              <a:t>Cinquième niveau</a:t>
+            </a:r>
+          </a:p>
+        </p:txBody>
+      </p:sp>
+      <p:sp>
+        <p:nvSpPr>
+          <p:cNvPr id="6" name="Espace réservé du pied de page 5"/>
+          <p:cNvSpPr>
+            <a:spLocks noGrp="1"/>
+          </p:cNvSpPr>
+          <p:nvPr>
+            <p:ph type="ftr" sz="quarter" idx="4"/>
+          </p:nvPr>
+        </p:nvSpPr>
+        <p:spPr>
+          <a:xfrm>
+            <a:off x="0" y="8685213"/>
+            <a:ext cx="2971800" cy="458787"/>
+          </a:xfrm>
+          <a:prstGeom prst="rect">
+            <a:avLst/>
+          </a:prstGeom>
+        </p:spPr>
+        <p:txBody>
+          <a:bodyPr vert="horz" lIns="91440" tIns="45720" rIns="91440" bIns="45720" rtlCol="0" anchor="b"/>
+          <a:lstStyle>
+            <a:lvl1pPr algn="l">
+              <a:defRPr sz="1200"/>
+            </a:lvl1pPr>
+          </a:lstStyle>
+          <a:p>
+            <a:endParaRPr lang="fr-FR"/>
+          </a:p>
+        </p:txBody>
+      </p:sp>
+      <p:sp>
+        <p:nvSpPr>
+          <p:cNvPr id="7" name="Espace réservé du numéro de diapositive 6"/>
+          <p:cNvSpPr>
+            <a:spLocks noGrp="1"/>
+          </p:cNvSpPr>
+          <p:nvPr>
+            <p:ph type="sldNum" sz="quarter" idx="5"/>
+          </p:nvPr>
+        </p:nvSpPr>
+        <p:spPr>
+          <a:xfrm>
+            <a:off x="3884613" y="8685213"/>
+            <a:ext cx="2971800" cy="458787"/>
+          </a:xfrm>
+          <a:prstGeom prst="rect">
+            <a:avLst/>
+          </a:prstGeom>
+        </p:spPr>
+        <p:txBody>
+          <a:bodyPr vert="horz" lIns="91440" tIns="45720" rIns="91440" bIns="45720" rtlCol="0" anchor="b"/>
+          <a:lstStyle>
+            <a:lvl1pPr algn="r">
+              <a:defRPr sz="1200"/>
+            </a:lvl1pPr>
+          </a:lstStyle>
+          <a:p>
+            <a:fld id="{D283BB67-2648-424E-BC9C-2DF236CE6E67}" type="slidenum">
+              <a:rPr lang="fr-FR" smtClean="0"/>
+              <a:t>‹N°›</a:t>
+            </a:fld>
+            <a:endParaRPr lang="fr-FR"/>
+          </a:p>
+        </p:txBody>
+      </p:sp>
+    </p:spTree>
+    <p:extLst>
+      <p:ext uri="{BB962C8B-B14F-4D97-AF65-F5344CB8AC3E}">
+        <p14:creationId xmlns:p14="http://schemas.microsoft.com/office/powerpoint/2010/main" val="2787653972"/>
+      </p:ext>
+    </p:extLst>
+  </p:cSld>
+  <p:clrMap bg1="lt1" tx1="dk1" bg2="lt2" tx2="dk2" accent1="accent1" accent2="accent2" accent3="accent3" accent4="accent4" accent5="accent5" accent6="accent6" hlink="hlink" folHlink="folHlink"/>
+  <p:notesStyle>
+    <a:lvl1pPr marL="0" algn="l" defTabSz="914400" rtl="0" eaLnBrk="1" latinLnBrk="0" hangingPunct="1">
+      <a:defRPr sz="1200" kern="1200">
+        <a:solidFill>
+          <a:schemeClr val="tx1"/>
+        </a:solidFill>
+        <a:latin typeface="+mn-lt"/>
+        <a:ea typeface="+mn-ea"/>
+        <a:cs typeface="+mn-cs"/>
+      </a:defRPr>
+    </a:lvl1pPr>
+    <a:lvl2pPr marL="457200" algn="l" defTabSz="914400" rtl="0" eaLnBrk="1" latinLnBrk="0" hangingPunct="1">
+      <a:defRPr sz="1200" kern="1200">
+        <a:solidFill>
+          <a:schemeClr val="tx1"/>
+        </a:solidFill>
+        <a:latin typeface="+mn-lt"/>
+        <a:ea typeface="+mn-ea"/>
+        <a:cs typeface="+mn-cs"/>
+      </a:defRPr>
+    </a:lvl2pPr>
+    <a:lvl3pPr marL="914400" algn="l" defTabSz="914400" rtl="0" eaLnBrk="1" latinLnBrk="0" hangingPunct="1">
+      <a:defRPr sz="1200" kern="1200">
+        <a:solidFill>
+          <a:schemeClr val="tx1"/>
+        </a:solidFill>
+        <a:latin typeface="+mn-lt"/>
+        <a:ea typeface="+mn-ea"/>
+        <a:cs typeface="+mn-cs"/>
+      </a:defRPr>
+    </a:lvl3pPr>
+    <a:lvl4pPr marL="1371600" algn="l" defTabSz="914400" rtl="0" eaLnBrk="1" latinLnBrk="0" hangingPunct="1">
+      <a:defRPr sz="1200" kern="1200">
+        <a:solidFill>
+          <a:schemeClr val="tx1"/>
+        </a:solidFill>
+        <a:latin typeface="+mn-lt"/>
+        <a:ea typeface="+mn-ea"/>
+        <a:cs typeface="+mn-cs"/>
+      </a:defRPr>
+    </a:lvl4pPr>
+    <a:lvl5pPr marL="1828800" algn="l" defTabSz="914400" rtl="0" eaLnBrk="1" latinLnBrk="0" hangingPunct="1">
+      <a:defRPr sz="1200" kern="1200">
+        <a:solidFill>
+          <a:schemeClr val="tx1"/>
+        </a:solidFill>
+        <a:latin typeface="+mn-lt"/>
+        <a:ea typeface="+mn-ea"/>
+        <a:cs typeface="+mn-cs"/>
+      </a:defRPr>
+    </a:lvl5pPr>
+    <a:lvl6pPr marL="2286000" algn="l" defTabSz="914400" rtl="0" eaLnBrk="1" latinLnBrk="0" hangingPunct="1">
+      <a:defRPr sz="1200" kern="1200">
+        <a:solidFill>
+          <a:schemeClr val="tx1"/>
+        </a:solidFill>
+        <a:latin typeface="+mn-lt"/>
+        <a:ea typeface="+mn-ea"/>
+        <a:cs typeface="+mn-cs"/>
+      </a:defRPr>
+    </a:lvl6pPr>
+    <a:lvl7pPr marL="2743200" algn="l" defTabSz="914400" rtl="0" eaLnBrk="1" latinLnBrk="0" hangingPunct="1">
+      <a:defRPr sz="1200" kern="1200">
+        <a:solidFill>
+          <a:schemeClr val="tx1"/>
+        </a:solidFill>
+        <a:latin typeface="+mn-lt"/>
+        <a:ea typeface="+mn-ea"/>
+        <a:cs typeface="+mn-cs"/>
+      </a:defRPr>
+    </a:lvl7pPr>
+    <a:lvl8pPr marL="3200400" algn="l" defTabSz="914400" rtl="0" eaLnBrk="1" latinLnBrk="0" hangingPunct="1">
+      <a:defRPr sz="1200" kern="1200">
+        <a:solidFill>
+          <a:schemeClr val="tx1"/>
+        </a:solidFill>
+        <a:latin typeface="+mn-lt"/>
+        <a:ea typeface="+mn-ea"/>
+        <a:cs typeface="+mn-cs"/>
+      </a:defRPr>
+    </a:lvl8pPr>
+    <a:lvl9pPr marL="3657600" algn="l" defTabSz="914400" rtl="0" eaLnBrk="1" latinLnBrk="0" hangingPunct="1">
+      <a:defRPr sz="1200" kern="1200">
+        <a:solidFill>
+          <a:schemeClr val="tx1"/>
+        </a:solidFill>
+        <a:latin typeface="+mn-lt"/>
+        <a:ea typeface="+mn-ea"/>
+        <a:cs typeface="+mn-cs"/>
+      </a:defRPr>
+    </a:lvl9pPr>
+  </p:notesStyle>
+</p:notesMaster>
+</file>
+
+<file path=ppt/notesSlides/notesSlide1.xml><?xml version="1.0" encoding="utf-8"?>
+<p:notes xmlns:a="http://schemas.openxmlformats.org/drawingml/2006/main" xmlns:r="http://schemas.openxmlformats.org/officeDocument/2006/relationships" xmlns:p="http://schemas.openxmlformats.org/presentationml/2006/main">
+  <p:cSld>
+    <p:spTree>
+      <p:nvGrpSpPr>
+        <p:cNvPr id="1" name=""/>
+        <p:cNvGrpSpPr/>
+        <p:nvPr/>
+      </p:nvGrpSpPr>
+      <p:grpSpPr>
+        <a:xfrm>
+          <a:off x="0" y="0"/>
+          <a:ext cx="0" cy="0"/>
+          <a:chOff x="0" y="0"/>
+          <a:chExt cx="0" cy="0"/>
+        </a:xfrm>
+      </p:grpSpPr>
+      <p:sp>
+        <p:nvSpPr>
+          <p:cNvPr id="2" name="Espace réservé de l'image des diapositives 1"/>
+          <p:cNvSpPr>
+            <a:spLocks noGrp="1" noRot="1" noChangeAspect="1"/>
+          </p:cNvSpPr>
+          <p:nvPr>
+            <p:ph type="sldImg"/>
+          </p:nvPr>
+        </p:nvSpPr>
+        <p:spPr/>
+      </p:sp>
+      <p:sp>
+        <p:nvSpPr>
+          <p:cNvPr id="3" name="Espace réservé des notes 2"/>
+          <p:cNvSpPr>
+            <a:spLocks noGrp="1"/>
+          </p:cNvSpPr>
+          <p:nvPr>
+            <p:ph type="body" idx="1"/>
+          </p:nvPr>
+        </p:nvSpPr>
+        <p:spPr/>
+        <p:txBody>
+          <a:bodyPr/>
+          <a:lstStyle/>
+          <a:p>
+            <a:r>
+              <a:rPr lang="fr-FR"/>
+              <a:t>Facteur de répartition qui dépend du nombre de nœuds</a:t>
+            </a:r>
+          </a:p>
+          <a:p>
+            <a:r>
+              <a:rPr lang="fr-FR" err="1"/>
+              <a:t>Perr</a:t>
+            </a:r>
+            <a:r>
+              <a:rPr lang="fr-FR"/>
+              <a:t> to </a:t>
+            </a:r>
+            <a:r>
+              <a:rPr lang="fr-FR" err="1"/>
+              <a:t>peer</a:t>
+            </a:r>
+            <a:endParaRPr lang="fr-FR"/>
+          </a:p>
+          <a:p>
+            <a:r>
+              <a:rPr lang="fr-FR"/>
+              <a:t>Pas de nœud maitre</a:t>
+            </a:r>
+          </a:p>
+          <a:p>
+            <a:r>
+              <a:rPr lang="fr-FR"/>
+              <a:t>Design de distribution = Dynamo DB</a:t>
+            </a:r>
+          </a:p>
+          <a:p>
+            <a:r>
+              <a:rPr lang="fr-FR"/>
+              <a:t>Modèle de donnée = google big table</a:t>
+            </a:r>
+          </a:p>
+          <a:p>
+            <a:endParaRPr lang="fr-FR"/>
+          </a:p>
+        </p:txBody>
+      </p:sp>
+      <p:sp>
+        <p:nvSpPr>
+          <p:cNvPr id="4" name="Espace réservé du numéro de diapositive 3"/>
+          <p:cNvSpPr>
+            <a:spLocks noGrp="1"/>
+          </p:cNvSpPr>
+          <p:nvPr>
+            <p:ph type="sldNum" sz="quarter" idx="5"/>
+          </p:nvPr>
+        </p:nvSpPr>
+        <p:spPr/>
+        <p:txBody>
+          <a:bodyPr/>
+          <a:lstStyle/>
+          <a:p>
+            <a:fld id="{D283BB67-2648-424E-BC9C-2DF236CE6E67}" type="slidenum">
+              <a:rPr lang="fr-FR" smtClean="0"/>
+              <a:t>11</a:t>
+            </a:fld>
+            <a:endParaRPr lang="fr-FR"/>
+          </a:p>
+        </p:txBody>
+      </p:sp>
+    </p:spTree>
+    <p:extLst>
+      <p:ext uri="{BB962C8B-B14F-4D97-AF65-F5344CB8AC3E}">
+        <p14:creationId xmlns:p14="http://schemas.microsoft.com/office/powerpoint/2010/main" val="180290286"/>
+      </p:ext>
+    </p:extLst>
+  </p:cSld>
+  <p:clrMapOvr>
+    <a:masterClrMapping/>
+  </p:clrMapOvr>
+</p:notes>
+</file>
+
+<file path=ppt/notesSlides/notesSlide2.xml><?xml version="1.0" encoding="utf-8"?>
+<p:notes xmlns:a="http://schemas.openxmlformats.org/drawingml/2006/main" xmlns:r="http://schemas.openxmlformats.org/officeDocument/2006/relationships" xmlns:p="http://schemas.openxmlformats.org/presentationml/2006/main">
+  <p:cSld>
+    <p:spTree>
+      <p:nvGrpSpPr>
+        <p:cNvPr id="1" name=""/>
+        <p:cNvGrpSpPr/>
+        <p:nvPr/>
+      </p:nvGrpSpPr>
+      <p:grpSpPr>
+        <a:xfrm>
+          <a:off x="0" y="0"/>
+          <a:ext cx="0" cy="0"/>
+          <a:chOff x="0" y="0"/>
+          <a:chExt cx="0" cy="0"/>
+        </a:xfrm>
+      </p:grpSpPr>
+      <p:sp>
+        <p:nvSpPr>
+          <p:cNvPr id="2" name="Espace réservé de l'image des diapositives 1"/>
+          <p:cNvSpPr>
+            <a:spLocks noGrp="1" noRot="1" noChangeAspect="1"/>
+          </p:cNvSpPr>
+          <p:nvPr>
+            <p:ph type="sldImg"/>
+          </p:nvPr>
+        </p:nvSpPr>
+        <p:spPr/>
+      </p:sp>
+      <p:sp>
+        <p:nvSpPr>
+          <p:cNvPr id="3" name="Espace réservé des notes 2"/>
+          <p:cNvSpPr>
+            <a:spLocks noGrp="1"/>
+          </p:cNvSpPr>
+          <p:nvPr>
+            <p:ph type="body" idx="1"/>
+          </p:nvPr>
+        </p:nvSpPr>
+        <p:spPr/>
+        <p:txBody>
+          <a:bodyPr/>
+          <a:lstStyle/>
+          <a:p>
+            <a:r>
+              <a:rPr lang="fr-FR"/>
+              <a:t>Tolérant au panne grâce à la réplication / pas de défaillance unique</a:t>
+            </a:r>
+          </a:p>
+          <a:p>
+            <a:r>
+              <a:rPr lang="fr-FR"/>
+              <a:t>Système orienté colonne</a:t>
+            </a:r>
+          </a:p>
+          <a:p>
+            <a:r>
+              <a:rPr lang="fr-FR"/>
+              <a:t>Chaque nœud peut effectuer une </a:t>
+            </a:r>
+            <a:r>
+              <a:rPr lang="fr-FR" err="1"/>
+              <a:t>requêtye</a:t>
+            </a:r>
+            <a:endParaRPr lang="fr-FR"/>
+          </a:p>
+          <a:p>
+            <a:r>
+              <a:rPr lang="fr-FR"/>
+              <a:t>La puissance augmente dès qu’on rajoute un hardware au système</a:t>
+            </a:r>
+          </a:p>
+          <a:p>
+            <a:r>
+              <a:rPr lang="fr-FR"/>
+              <a:t>Cluster = ensemble de serveurs dans un data center</a:t>
+            </a:r>
+          </a:p>
+          <a:p>
+            <a:r>
+              <a:rPr lang="fr-FR"/>
+              <a:t>Protection des données =&lt; commit log (backup)</a:t>
+            </a:r>
+          </a:p>
+          <a:p>
+            <a:r>
+              <a:rPr lang="fr-FR"/>
+              <a:t>Supporte les changements dynamiques de structure</a:t>
+            </a:r>
+          </a:p>
+          <a:p>
+            <a:r>
+              <a:rPr lang="fr-FR"/>
+              <a:t>Repose pas sur ACID (Atomicité, Consistance, Isolation,; Durabilité) / pas de transaction</a:t>
+            </a:r>
+          </a:p>
+        </p:txBody>
+      </p:sp>
+      <p:sp>
+        <p:nvSpPr>
+          <p:cNvPr id="4" name="Espace réservé du numéro de diapositive 3"/>
+          <p:cNvSpPr>
+            <a:spLocks noGrp="1"/>
+          </p:cNvSpPr>
+          <p:nvPr>
+            <p:ph type="sldNum" sz="quarter" idx="5"/>
+          </p:nvPr>
+        </p:nvSpPr>
+        <p:spPr/>
+        <p:txBody>
+          <a:bodyPr/>
+          <a:lstStyle/>
+          <a:p>
+            <a:fld id="{D283BB67-2648-424E-BC9C-2DF236CE6E67}" type="slidenum">
+              <a:rPr lang="fr-FR" smtClean="0"/>
+              <a:t>12</a:t>
+            </a:fld>
+            <a:endParaRPr lang="fr-FR"/>
+          </a:p>
+        </p:txBody>
+      </p:sp>
+    </p:spTree>
+    <p:extLst>
+      <p:ext uri="{BB962C8B-B14F-4D97-AF65-F5344CB8AC3E}">
+        <p14:creationId xmlns:p14="http://schemas.microsoft.com/office/powerpoint/2010/main" val="4207847557"/>
+      </p:ext>
+    </p:extLst>
+  </p:cSld>
+  <p:clrMapOvr>
+    <a:masterClrMapping/>
+  </p:clrMapOvr>
+</p:notes>
+</file>
+
+<file path=ppt/notesSlides/notesSlide3.xml><?xml version="1.0" encoding="utf-8"?>
+<p:notes xmlns:a="http://schemas.openxmlformats.org/drawingml/2006/main" xmlns:r="http://schemas.openxmlformats.org/officeDocument/2006/relationships" xmlns:p="http://schemas.openxmlformats.org/presentationml/2006/main">
+  <p:cSld>
+    <p:spTree>
+      <p:nvGrpSpPr>
+        <p:cNvPr id="1" name=""/>
+        <p:cNvGrpSpPr/>
+        <p:nvPr/>
+      </p:nvGrpSpPr>
+      <p:grpSpPr>
+        <a:xfrm>
+          <a:off x="0" y="0"/>
+          <a:ext cx="0" cy="0"/>
+          <a:chOff x="0" y="0"/>
+          <a:chExt cx="0" cy="0"/>
+        </a:xfrm>
+      </p:grpSpPr>
+      <p:sp>
+        <p:nvSpPr>
+          <p:cNvPr id="2" name="Espace réservé de l'image des diapositives 1"/>
+          <p:cNvSpPr>
+            <a:spLocks noGrp="1" noRot="1" noChangeAspect="1"/>
+          </p:cNvSpPr>
+          <p:nvPr>
+            <p:ph type="sldImg"/>
+          </p:nvPr>
+        </p:nvSpPr>
+        <p:spPr/>
+      </p:sp>
+      <p:sp>
+        <p:nvSpPr>
+          <p:cNvPr id="3" name="Espace réservé des notes 2"/>
+          <p:cNvSpPr>
+            <a:spLocks noGrp="1"/>
+          </p:cNvSpPr>
+          <p:nvPr>
+            <p:ph type="body" idx="1"/>
+          </p:nvPr>
+        </p:nvSpPr>
+        <p:spPr/>
+        <p:txBody>
+          <a:bodyPr/>
+          <a:lstStyle/>
+          <a:p>
+            <a:r>
+              <a:rPr lang="fr-FR"/>
+              <a:t>Utilisée dans les services de messagerie</a:t>
+            </a:r>
+          </a:p>
+          <a:p>
+            <a:r>
+              <a:rPr lang="fr-FR"/>
+              <a:t>Internet des objets</a:t>
+            </a:r>
+          </a:p>
+          <a:p>
+            <a:r>
+              <a:rPr lang="fr-FR"/>
+              <a:t>Catalogue de produits</a:t>
+            </a:r>
+          </a:p>
+          <a:p>
+            <a:r>
+              <a:rPr lang="fr-FR"/>
+              <a:t>Shopping en ligne</a:t>
+            </a:r>
+          </a:p>
+          <a:p>
+            <a:r>
+              <a:rPr lang="fr-FR"/>
+              <a:t>Réseaux sociaux </a:t>
+            </a:r>
+          </a:p>
+          <a:p>
+            <a:r>
+              <a:rPr lang="fr-FR" err="1"/>
+              <a:t>Website</a:t>
+            </a:r>
+            <a:endParaRPr lang="fr-FR"/>
+          </a:p>
+          <a:p>
+            <a:r>
+              <a:rPr lang="fr-FR"/>
+              <a:t>2019 AWS annonce l’arrivée de Cassandra</a:t>
+            </a:r>
+          </a:p>
+          <a:p>
+            <a:r>
+              <a:rPr lang="fr-FR" err="1"/>
+              <a:t>DataSax</a:t>
+            </a:r>
+            <a:r>
+              <a:rPr lang="fr-FR"/>
+              <a:t> autre service de mise à disposition de </a:t>
+            </a:r>
+            <a:r>
+              <a:rPr lang="fr-FR" err="1"/>
+              <a:t>cassandra</a:t>
+            </a:r>
+            <a:endParaRPr lang="fr-FR"/>
+          </a:p>
+        </p:txBody>
+      </p:sp>
+      <p:sp>
+        <p:nvSpPr>
+          <p:cNvPr id="4" name="Espace réservé du numéro de diapositive 3"/>
+          <p:cNvSpPr>
+            <a:spLocks noGrp="1"/>
+          </p:cNvSpPr>
+          <p:nvPr>
+            <p:ph type="sldNum" sz="quarter" idx="5"/>
+          </p:nvPr>
+        </p:nvSpPr>
+        <p:spPr/>
+        <p:txBody>
+          <a:bodyPr/>
+          <a:lstStyle/>
+          <a:p>
+            <a:fld id="{D283BB67-2648-424E-BC9C-2DF236CE6E67}" type="slidenum">
+              <a:rPr lang="fr-FR" smtClean="0"/>
+              <a:t>13</a:t>
+            </a:fld>
+            <a:endParaRPr lang="fr-FR"/>
+          </a:p>
+        </p:txBody>
+      </p:sp>
+    </p:spTree>
+    <p:extLst>
+      <p:ext uri="{BB962C8B-B14F-4D97-AF65-F5344CB8AC3E}">
+        <p14:creationId xmlns:p14="http://schemas.microsoft.com/office/powerpoint/2010/main" val="1061069125"/>
+      </p:ext>
+    </p:extLst>
+  </p:cSld>
+  <p:clrMapOvr>
+    <a:masterClrMapping/>
+  </p:clrMapOvr>
+</p:notes>
+</file>
+
+<file path=ppt/notesSlides/notesSlide4.xml><?xml version="1.0" encoding="utf-8"?>
+<p:notes xmlns:a="http://schemas.openxmlformats.org/drawingml/2006/main" xmlns:r="http://schemas.openxmlformats.org/officeDocument/2006/relationships" xmlns:p="http://schemas.openxmlformats.org/presentationml/2006/main">
+  <p:cSld>
+    <p:spTree>
+      <p:nvGrpSpPr>
+        <p:cNvPr id="1" name=""/>
+        <p:cNvGrpSpPr/>
+        <p:nvPr/>
+      </p:nvGrpSpPr>
+      <p:grpSpPr>
+        <a:xfrm>
+          <a:off x="0" y="0"/>
+          <a:ext cx="0" cy="0"/>
+          <a:chOff x="0" y="0"/>
+          <a:chExt cx="0" cy="0"/>
+        </a:xfrm>
+      </p:grpSpPr>
+      <p:sp>
+        <p:nvSpPr>
+          <p:cNvPr id="2" name="Espace réservé de l'image des diapositives 1"/>
+          <p:cNvSpPr>
+            <a:spLocks noGrp="1" noRot="1" noChangeAspect="1"/>
+          </p:cNvSpPr>
+          <p:nvPr>
+            <p:ph type="sldImg"/>
+          </p:nvPr>
+        </p:nvSpPr>
+        <p:spPr/>
+      </p:sp>
+      <p:sp>
+        <p:nvSpPr>
+          <p:cNvPr id="3" name="Espace réservé des notes 2"/>
+          <p:cNvSpPr>
+            <a:spLocks noGrp="1"/>
+          </p:cNvSpPr>
+          <p:nvPr>
+            <p:ph type="body" idx="1"/>
+          </p:nvPr>
+        </p:nvSpPr>
+        <p:spPr/>
+        <p:txBody>
+          <a:bodyPr/>
+          <a:lstStyle/>
+          <a:p>
+            <a:r>
+              <a:rPr lang="fr-FR"/>
+              <a:t>40% des 100 plus grandes fortunes</a:t>
+            </a:r>
+          </a:p>
+        </p:txBody>
+      </p:sp>
+      <p:sp>
+        <p:nvSpPr>
+          <p:cNvPr id="4" name="Espace réservé du numéro de diapositive 3"/>
+          <p:cNvSpPr>
+            <a:spLocks noGrp="1"/>
+          </p:cNvSpPr>
+          <p:nvPr>
+            <p:ph type="sldNum" sz="quarter" idx="5"/>
+          </p:nvPr>
+        </p:nvSpPr>
+        <p:spPr/>
+        <p:txBody>
+          <a:bodyPr/>
+          <a:lstStyle/>
+          <a:p>
+            <a:fld id="{D283BB67-2648-424E-BC9C-2DF236CE6E67}" type="slidenum">
+              <a:rPr lang="fr-FR" smtClean="0"/>
+              <a:t>14</a:t>
+            </a:fld>
+            <a:endParaRPr lang="fr-FR"/>
+          </a:p>
+        </p:txBody>
+      </p:sp>
+    </p:spTree>
+    <p:extLst>
+      <p:ext uri="{BB962C8B-B14F-4D97-AF65-F5344CB8AC3E}">
+        <p14:creationId xmlns:p14="http://schemas.microsoft.com/office/powerpoint/2010/main" val="846029935"/>
+      </p:ext>
+    </p:extLst>
+  </p:cSld>
+  <p:clrMapOvr>
+    <a:masterClrMapping/>
+  </p:clrMapOvr>
+</p:notes>
 </file>
 
 <file path=ppt/slideLayouts/slideLayout1.xml><?xml version="1.0" encoding="utf-8"?>
@@ -274,7 +1120,7 @@
           <a:p>
             <a:fld id="{792A05E8-71DB-4523-88EF-38CFE0731EEA}" type="datetimeFigureOut">
               <a:rPr lang="fr-FR" smtClean="0"/>
-              <a:t>28/02/2022</a:t>
+              <a:t>01/03/2022</a:t>
             </a:fld>
             <a:endParaRPr lang="fr-FR"/>
           </a:p>
@@ -472,7 +1318,7 @@
           <a:p>
             <a:fld id="{792A05E8-71DB-4523-88EF-38CFE0731EEA}" type="datetimeFigureOut">
               <a:rPr lang="fr-FR" smtClean="0"/>
-              <a:t>28/02/2022</a:t>
+              <a:t>01/03/2022</a:t>
             </a:fld>
             <a:endParaRPr lang="fr-FR"/>
           </a:p>
@@ -680,7 +1526,7 @@
           <a:p>
             <a:fld id="{792A05E8-71DB-4523-88EF-38CFE0731EEA}" type="datetimeFigureOut">
               <a:rPr lang="fr-FR" smtClean="0"/>
-              <a:t>28/02/2022</a:t>
+              <a:t>01/03/2022</a:t>
             </a:fld>
             <a:endParaRPr lang="fr-FR"/>
           </a:p>
@@ -878,7 +1724,7 @@
           <a:p>
             <a:fld id="{792A05E8-71DB-4523-88EF-38CFE0731EEA}" type="datetimeFigureOut">
               <a:rPr lang="fr-FR" smtClean="0"/>
-              <a:t>28/02/2022</a:t>
+              <a:t>01/03/2022</a:t>
             </a:fld>
             <a:endParaRPr lang="fr-FR"/>
           </a:p>
@@ -1153,7 +1999,7 @@
           <a:p>
             <a:fld id="{792A05E8-71DB-4523-88EF-38CFE0731EEA}" type="datetimeFigureOut">
               <a:rPr lang="fr-FR" smtClean="0"/>
-              <a:t>28/02/2022</a:t>
+              <a:t>01/03/2022</a:t>
             </a:fld>
             <a:endParaRPr lang="fr-FR"/>
           </a:p>
@@ -1418,7 +2264,7 @@
           <a:p>
             <a:fld id="{792A05E8-71DB-4523-88EF-38CFE0731EEA}" type="datetimeFigureOut">
               <a:rPr lang="fr-FR" smtClean="0"/>
-              <a:t>28/02/2022</a:t>
+              <a:t>01/03/2022</a:t>
             </a:fld>
             <a:endParaRPr lang="fr-FR"/>
           </a:p>
@@ -1830,7 +2676,7 @@
           <a:p>
             <a:fld id="{792A05E8-71DB-4523-88EF-38CFE0731EEA}" type="datetimeFigureOut">
               <a:rPr lang="fr-FR" smtClean="0"/>
-              <a:t>28/02/2022</a:t>
+              <a:t>01/03/2022</a:t>
             </a:fld>
             <a:endParaRPr lang="fr-FR"/>
           </a:p>
@@ -1971,7 +2817,7 @@
           <a:p>
             <a:fld id="{792A05E8-71DB-4523-88EF-38CFE0731EEA}" type="datetimeFigureOut">
               <a:rPr lang="fr-FR" smtClean="0"/>
-              <a:t>28/02/2022</a:t>
+              <a:t>01/03/2022</a:t>
             </a:fld>
             <a:endParaRPr lang="fr-FR"/>
           </a:p>
@@ -2084,7 +2930,7 @@
           <a:p>
             <a:fld id="{792A05E8-71DB-4523-88EF-38CFE0731EEA}" type="datetimeFigureOut">
               <a:rPr lang="fr-FR" smtClean="0"/>
-              <a:t>28/02/2022</a:t>
+              <a:t>01/03/2022</a:t>
             </a:fld>
             <a:endParaRPr lang="fr-FR"/>
           </a:p>
@@ -2395,7 +3241,7 @@
           <a:p>
             <a:fld id="{792A05E8-71DB-4523-88EF-38CFE0731EEA}" type="datetimeFigureOut">
               <a:rPr lang="fr-FR" smtClean="0"/>
-              <a:t>28/02/2022</a:t>
+              <a:t>01/03/2022</a:t>
             </a:fld>
             <a:endParaRPr lang="fr-FR"/>
           </a:p>
@@ -2683,7 +3529,7 @@
           <a:p>
             <a:fld id="{792A05E8-71DB-4523-88EF-38CFE0731EEA}" type="datetimeFigureOut">
               <a:rPr lang="fr-FR" smtClean="0"/>
-              <a:t>28/02/2022</a:t>
+              <a:t>01/03/2022</a:t>
             </a:fld>
             <a:endParaRPr lang="fr-FR"/>
           </a:p>
@@ -2924,7 +3770,7 @@
           <a:p>
             <a:fld id="{792A05E8-71DB-4523-88EF-38CFE0731EEA}" type="datetimeFigureOut">
               <a:rPr lang="fr-FR" smtClean="0"/>
-              <a:t>28/02/2022</a:t>
+              <a:t>01/03/2022</a:t>
             </a:fld>
             <a:endParaRPr lang="fr-FR"/>
           </a:p>
@@ -3653,6 +4499,2671 @@
 </p:sld>
 </file>
 
+<file path=ppt/slides/slide10.xml><?xml version="1.0" encoding="utf-8"?>
+<p:sld xmlns:a="http://schemas.openxmlformats.org/drawingml/2006/main" xmlns:r="http://schemas.openxmlformats.org/officeDocument/2006/relationships" xmlns:p="http://schemas.openxmlformats.org/presentationml/2006/main">
+  <p:cSld>
+    <p:bg>
+      <p:bgPr>
+        <a:solidFill>
+          <a:schemeClr val="bg1"/>
+        </a:solidFill>
+        <a:effectLst/>
+      </p:bgPr>
+    </p:bg>
+    <p:spTree>
+      <p:nvGrpSpPr>
+        <p:cNvPr id="1" name=""/>
+        <p:cNvGrpSpPr/>
+        <p:nvPr/>
+      </p:nvGrpSpPr>
+      <p:grpSpPr>
+        <a:xfrm>
+          <a:off x="0" y="0"/>
+          <a:ext cx="0" cy="0"/>
+          <a:chOff x="0" y="0"/>
+          <a:chExt cx="0" cy="0"/>
+        </a:xfrm>
+      </p:grpSpPr>
+      <p:pic>
+        <p:nvPicPr>
+          <p:cNvPr id="4" name="Image 4" descr="Une image contenant objet d’extérieur, toile&#10;&#10;Description générée automatiquement">
+            <a:extLst>
+              <a:ext uri="{FF2B5EF4-FFF2-40B4-BE49-F238E27FC236}">
+                <a16:creationId xmlns:a16="http://schemas.microsoft.com/office/drawing/2014/main" id="{A311D790-5329-4CF7-8839-869A143415D9}"/>
+              </a:ext>
+            </a:extLst>
+          </p:cNvPr>
+          <p:cNvPicPr>
+            <a:picLocks noGrp="1" noChangeAspect="1"/>
+          </p:cNvPicPr>
+          <p:nvPr>
+            <p:ph idx="1"/>
+          </p:nvPr>
+        </p:nvPicPr>
+        <p:blipFill rotWithShape="1">
+          <a:blip r:embed="rId2"/>
+          <a:srcRect b="10000"/>
+          <a:stretch/>
+        </p:blipFill>
+        <p:spPr>
+          <a:xfrm>
+            <a:off x="20" y="10"/>
+            <a:ext cx="12191980" cy="6857990"/>
+          </a:xfrm>
+          <a:prstGeom prst="rect">
+            <a:avLst/>
+          </a:prstGeom>
+        </p:spPr>
+      </p:pic>
+      <p:sp>
+        <p:nvSpPr>
+          <p:cNvPr id="15" name="Freeform 5">
+            <a:extLst>
+              <a:ext uri="{FF2B5EF4-FFF2-40B4-BE49-F238E27FC236}">
+                <a16:creationId xmlns:a16="http://schemas.microsoft.com/office/drawing/2014/main" id="{87CC2527-562A-4F69-B487-4371E5B243E7}"/>
+              </a:ext>
+              <a:ext uri="{C183D7F6-B498-43B3-948B-1728B52AA6E4}">
+                <adec:decorative xmlns:adec="http://schemas.microsoft.com/office/drawing/2017/decorative" val="1"/>
+              </a:ext>
+            </a:extLst>
+          </p:cNvPr>
+          <p:cNvSpPr>
+            <a:spLocks noGrp="1" noRot="1" noChangeAspect="1" noMove="1" noResize="1" noEditPoints="1" noAdjustHandles="1" noChangeArrowheads="1" noChangeShapeType="1" noTextEdit="1"/>
+          </p:cNvSpPr>
+          <p:nvPr>
+            <p:extLst>
+              <p:ext uri="{386F3935-93C4-4BCD-93E2-E3B085C9AB24}">
+                <p16:designElem xmlns:p16="http://schemas.microsoft.com/office/powerpoint/2015/main" val="1"/>
+              </p:ext>
+            </p:extLst>
+          </p:nvPr>
+        </p:nvSpPr>
+        <p:spPr bwMode="grayWhite">
+          <a:xfrm>
+            <a:off x="7488621" y="2277613"/>
+            <a:ext cx="4703379" cy="4580387"/>
+          </a:xfrm>
+          <a:custGeom>
+            <a:avLst/>
+            <a:gdLst>
+              <a:gd name="T0" fmla="*/ 1333 w 1333"/>
+              <a:gd name="T1" fmla="*/ 1031 h 1298"/>
+              <a:gd name="T2" fmla="*/ 1333 w 1333"/>
+              <a:gd name="T3" fmla="*/ 380 h 1298"/>
+              <a:gd name="T4" fmla="*/ 706 w 1333"/>
+              <a:gd name="T5" fmla="*/ 0 h 1298"/>
+              <a:gd name="T6" fmla="*/ 0 w 1333"/>
+              <a:gd name="T7" fmla="*/ 706 h 1298"/>
+              <a:gd name="T8" fmla="*/ 323 w 1333"/>
+              <a:gd name="T9" fmla="*/ 1298 h 1298"/>
+              <a:gd name="T10" fmla="*/ 1090 w 1333"/>
+              <a:gd name="T11" fmla="*/ 1298 h 1298"/>
+              <a:gd name="T12" fmla="*/ 1333 w 1333"/>
+              <a:gd name="T13" fmla="*/ 1031 h 1298"/>
+            </a:gdLst>
+            <a:ahLst/>
+            <a:cxnLst>
+              <a:cxn ang="0">
+                <a:pos x="T0" y="T1"/>
+              </a:cxn>
+              <a:cxn ang="0">
+                <a:pos x="T2" y="T3"/>
+              </a:cxn>
+              <a:cxn ang="0">
+                <a:pos x="T4" y="T5"/>
+              </a:cxn>
+              <a:cxn ang="0">
+                <a:pos x="T6" y="T7"/>
+              </a:cxn>
+              <a:cxn ang="0">
+                <a:pos x="T8" y="T9"/>
+              </a:cxn>
+              <a:cxn ang="0">
+                <a:pos x="T10" y="T11"/>
+              </a:cxn>
+              <a:cxn ang="0">
+                <a:pos x="T12" y="T13"/>
+              </a:cxn>
+            </a:cxnLst>
+            <a:rect l="0" t="0" r="r" b="b"/>
+            <a:pathLst>
+              <a:path w="1333" h="1298">
+                <a:moveTo>
+                  <a:pt x="1333" y="1031"/>
+                </a:moveTo>
+                <a:cubicBezTo>
+                  <a:pt x="1333" y="380"/>
+                  <a:pt x="1333" y="380"/>
+                  <a:pt x="1333" y="380"/>
+                </a:cubicBezTo>
+                <a:cubicBezTo>
+                  <a:pt x="1215" y="154"/>
+                  <a:pt x="979" y="0"/>
+                  <a:pt x="706" y="0"/>
+                </a:cubicBezTo>
+                <a:cubicBezTo>
+                  <a:pt x="317" y="0"/>
+                  <a:pt x="0" y="316"/>
+                  <a:pt x="0" y="706"/>
+                </a:cubicBezTo>
+                <a:cubicBezTo>
+                  <a:pt x="0" y="954"/>
+                  <a:pt x="129" y="1172"/>
+                  <a:pt x="323" y="1298"/>
+                </a:cubicBezTo>
+                <a:cubicBezTo>
+                  <a:pt x="1090" y="1298"/>
+                  <a:pt x="1090" y="1298"/>
+                  <a:pt x="1090" y="1298"/>
+                </a:cubicBezTo>
+                <a:cubicBezTo>
+                  <a:pt x="1193" y="1232"/>
+                  <a:pt x="1276" y="1140"/>
+                  <a:pt x="1333" y="1031"/>
+                </a:cubicBezTo>
+                <a:close/>
+              </a:path>
+            </a:pathLst>
+          </a:custGeom>
+          <a:solidFill>
+            <a:schemeClr val="bg1">
+              <a:alpha val="70000"/>
+            </a:schemeClr>
+          </a:solidFill>
+          <a:ln w="50800" cap="sq" cmpd="dbl">
+            <a:noFill/>
+            <a:miter lim="800000"/>
+          </a:ln>
+          <a:effectLst/>
+        </p:spPr>
+        <p:txBody>
+          <a:bodyPr vert="horz" lIns="91440" tIns="45720" rIns="91440" bIns="45720" rtlCol="0" anchor="t">
+            <a:normAutofit/>
+          </a:bodyPr>
+          <a:lstStyle/>
+          <a:p>
+            <a:pPr algn="ctr">
+              <a:spcAft>
+                <a:spcPts val="1000"/>
+              </a:spcAft>
+              <a:buClr>
+                <a:schemeClr val="tx1"/>
+              </a:buClr>
+              <a:buSzPct val="100000"/>
+              <a:buFont typeface="Arial"/>
+              <a:buNone/>
+            </a:pPr>
+            <a:endParaRPr lang="en-US" sz="1600" cap="all"/>
+          </a:p>
+        </p:txBody>
+      </p:sp>
+      <p:sp>
+        <p:nvSpPr>
+          <p:cNvPr id="2" name="Titre 1">
+            <a:extLst>
+              <a:ext uri="{FF2B5EF4-FFF2-40B4-BE49-F238E27FC236}">
+                <a16:creationId xmlns:a16="http://schemas.microsoft.com/office/drawing/2014/main" id="{6705B72D-40AE-481D-A571-2EDA853E73B8}"/>
+              </a:ext>
+            </a:extLst>
+          </p:cNvPr>
+          <p:cNvSpPr>
+            <a:spLocks noGrp="1"/>
+          </p:cNvSpPr>
+          <p:nvPr>
+            <p:ph type="title"/>
+          </p:nvPr>
+        </p:nvSpPr>
+        <p:spPr>
+          <a:xfrm>
+            <a:off x="8022021" y="3231931"/>
+            <a:ext cx="3852041" cy="1834056"/>
+          </a:xfrm>
+        </p:spPr>
+        <p:txBody>
+          <a:bodyPr vert="horz" lIns="91440" tIns="45720" rIns="91440" bIns="45720" rtlCol="0" anchor="b">
+            <a:normAutofit/>
+          </a:bodyPr>
+          <a:lstStyle/>
+          <a:p>
+            <a:pPr algn="ctr"/>
+            <a:r>
+              <a:rPr lang="en-US" sz="4000"/>
+              <a:t>Cassandra</a:t>
+            </a:r>
+          </a:p>
+        </p:txBody>
+      </p:sp>
+      <p:cxnSp>
+        <p:nvCxnSpPr>
+          <p:cNvPr id="16" name="Straight Connector 10">
+            <a:extLst>
+              <a:ext uri="{FF2B5EF4-FFF2-40B4-BE49-F238E27FC236}">
+                <a16:creationId xmlns:a16="http://schemas.microsoft.com/office/drawing/2014/main" id="{BCDAEC91-5BCE-4B55-9CC0-43EF94CB734B}"/>
+              </a:ext>
+              <a:ext uri="{C183D7F6-B498-43B3-948B-1728B52AA6E4}">
+                <adec:decorative xmlns:adec="http://schemas.microsoft.com/office/drawing/2017/decorative" val="1"/>
+              </a:ext>
+            </a:extLst>
+          </p:cNvPr>
+          <p:cNvCxnSpPr>
+            <a:cxnSpLocks noGrp="1" noRot="1" noChangeAspect="1" noMove="1" noResize="1" noEditPoints="1" noAdjustHandles="1" noChangeArrowheads="1" noChangeShapeType="1"/>
+          </p:cNvCxnSpPr>
+          <p:nvPr>
+            <p:extLst>
+              <p:ext uri="{386F3935-93C4-4BCD-93E2-E3B085C9AB24}">
+                <p16:designElem xmlns:p16="http://schemas.microsoft.com/office/powerpoint/2015/main" val="1"/>
+              </p:ext>
+            </p:extLst>
+          </p:nvPr>
+        </p:nvCxnSpPr>
+        <p:spPr>
+          <a:xfrm>
+            <a:off x="9480331" y="5123793"/>
+            <a:ext cx="935420" cy="0"/>
+          </a:xfrm>
+          <a:prstGeom prst="line">
+            <a:avLst/>
+          </a:prstGeom>
+          <a:ln w="25400" cap="sq">
+            <a:solidFill>
+              <a:schemeClr val="tx1">
+                <a:lumMod val="85000"/>
+                <a:lumOff val="15000"/>
+              </a:schemeClr>
+            </a:solidFill>
+            <a:bevel/>
+          </a:ln>
+        </p:spPr>
+        <p:style>
+          <a:lnRef idx="1">
+            <a:schemeClr val="accent1"/>
+          </a:lnRef>
+          <a:fillRef idx="0">
+            <a:schemeClr val="accent1"/>
+          </a:fillRef>
+          <a:effectRef idx="0">
+            <a:schemeClr val="accent1"/>
+          </a:effectRef>
+          <a:fontRef idx="minor">
+            <a:schemeClr val="tx1"/>
+          </a:fontRef>
+        </p:style>
+      </p:cxnSp>
+      <p:pic>
+        <p:nvPicPr>
+          <p:cNvPr id="1026" name="Picture 2" descr="upload.wikimedia.org/wikipedia/commons/thumb/5/...">
+            <a:extLst>
+              <a:ext uri="{FF2B5EF4-FFF2-40B4-BE49-F238E27FC236}">
+                <a16:creationId xmlns:a16="http://schemas.microsoft.com/office/drawing/2014/main" id="{8F4C1485-CCD1-4C6A-AD49-F3066A8BAEAF}"/>
+              </a:ext>
+            </a:extLst>
+          </p:cNvPr>
+          <p:cNvPicPr>
+            <a:picLocks noChangeAspect="1" noChangeArrowheads="1"/>
+          </p:cNvPicPr>
+          <p:nvPr/>
+        </p:nvPicPr>
+        <p:blipFill>
+          <a:blip r:embed="rId3">
+            <a:extLst>
+              <a:ext uri="{28A0092B-C50C-407E-A947-70E740481C1C}">
+                <a14:useLocalDpi xmlns:a14="http://schemas.microsoft.com/office/drawing/2010/main" val="0"/>
+              </a:ext>
+            </a:extLst>
+          </a:blip>
+          <a:srcRect/>
+          <a:stretch>
+            <a:fillRect/>
+          </a:stretch>
+        </p:blipFill>
+        <p:spPr bwMode="auto">
+          <a:xfrm>
+            <a:off x="9129246" y="5241126"/>
+            <a:ext cx="1637589" cy="1097185"/>
+          </a:xfrm>
+          <a:prstGeom prst="rect">
+            <a:avLst/>
+          </a:prstGeom>
+          <a:noFill/>
+          <a:extLst>
+            <a:ext uri="{909E8E84-426E-40DD-AFC4-6F175D3DCCD1}">
+              <a14:hiddenFill xmlns:a14="http://schemas.microsoft.com/office/drawing/2010/main">
+                <a:solidFill>
+                  <a:srgbClr val="FFFFFF"/>
+                </a:solidFill>
+              </a14:hiddenFill>
+            </a:ext>
+          </a:extLst>
+        </p:spPr>
+      </p:pic>
+    </p:spTree>
+    <p:extLst>
+      <p:ext uri="{BB962C8B-B14F-4D97-AF65-F5344CB8AC3E}">
+        <p14:creationId xmlns:p14="http://schemas.microsoft.com/office/powerpoint/2010/main" val="2351652036"/>
+      </p:ext>
+    </p:extLst>
+  </p:cSld>
+  <p:clrMapOvr>
+    <a:masterClrMapping/>
+  </p:clrMapOvr>
+</p:sld>
+</file>
+
+<file path=ppt/slides/slide11.xml><?xml version="1.0" encoding="utf-8"?>
+<p:sld xmlns:a="http://schemas.openxmlformats.org/drawingml/2006/main" xmlns:r="http://schemas.openxmlformats.org/officeDocument/2006/relationships" xmlns:p="http://schemas.openxmlformats.org/presentationml/2006/main">
+  <p:cSld>
+    <p:bg>
+      <p:bgPr>
+        <a:solidFill>
+          <a:schemeClr val="bg1"/>
+        </a:solidFill>
+        <a:effectLst/>
+      </p:bgPr>
+    </p:bg>
+    <p:spTree>
+      <p:nvGrpSpPr>
+        <p:cNvPr id="1" name=""/>
+        <p:cNvGrpSpPr/>
+        <p:nvPr/>
+      </p:nvGrpSpPr>
+      <p:grpSpPr>
+        <a:xfrm>
+          <a:off x="0" y="0"/>
+          <a:ext cx="0" cy="0"/>
+          <a:chOff x="0" y="0"/>
+          <a:chExt cx="0" cy="0"/>
+        </a:xfrm>
+      </p:grpSpPr>
+      <p:sp>
+        <p:nvSpPr>
+          <p:cNvPr id="11" name="Down Arrow 7">
+            <a:extLst>
+              <a:ext uri="{FF2B5EF4-FFF2-40B4-BE49-F238E27FC236}">
+                <a16:creationId xmlns:a16="http://schemas.microsoft.com/office/drawing/2014/main" id="{73DE2CFE-42F2-48F0-8706-5264E012B10C}"/>
+              </a:ext>
+              <a:ext uri="{C183D7F6-B498-43B3-948B-1728B52AA6E4}">
+                <adec:decorative xmlns:adec="http://schemas.microsoft.com/office/drawing/2017/decorative" val="1"/>
+              </a:ext>
+            </a:extLst>
+          </p:cNvPr>
+          <p:cNvSpPr>
+            <a:spLocks noGrp="1" noRot="1" noChangeAspect="1" noMove="1" noResize="1" noEditPoints="1" noAdjustHandles="1" noChangeArrowheads="1" noChangeShapeType="1" noTextEdit="1"/>
+          </p:cNvSpPr>
+          <p:nvPr>
+            <p:extLst>
+              <p:ext uri="{386F3935-93C4-4BCD-93E2-E3B085C9AB24}">
+                <p16:designElem xmlns:p16="http://schemas.microsoft.com/office/powerpoint/2015/main" val="1"/>
+              </p:ext>
+            </p:extLst>
+          </p:nvPr>
+        </p:nvSpPr>
+        <p:spPr>
+          <a:xfrm rot="16200000">
+            <a:off x="1288521" y="381403"/>
+            <a:ext cx="2200313" cy="3342508"/>
+          </a:xfrm>
+          <a:prstGeom prst="downArrow">
+            <a:avLst>
+              <a:gd name="adj1" fmla="val 100000"/>
+              <a:gd name="adj2" fmla="val 15788"/>
+            </a:avLst>
+          </a:prstGeom>
+          <a:solidFill>
+            <a:srgbClr val="404040"/>
+          </a:solidFill>
+          <a:ln w="53975">
+            <a:noFill/>
+          </a:ln>
+        </p:spPr>
+        <p:style>
+          <a:lnRef idx="2">
+            <a:schemeClr val="accent1">
+              <a:shade val="50000"/>
+            </a:schemeClr>
+          </a:lnRef>
+          <a:fillRef idx="1">
+            <a:schemeClr val="accent1"/>
+          </a:fillRef>
+          <a:effectRef idx="0">
+            <a:schemeClr val="accent1"/>
+          </a:effectRef>
+          <a:fontRef idx="minor">
+            <a:schemeClr val="lt1"/>
+          </a:fontRef>
+        </p:style>
+        <p:txBody>
+          <a:bodyPr rtlCol="0" anchor="ctr"/>
+          <a:lstStyle/>
+          <a:p>
+            <a:pPr marL="0" marR="0" lvl="0" indent="0" algn="ctr" defTabSz="914400" rtl="0" eaLnBrk="1" fontAlgn="auto" latinLnBrk="0" hangingPunct="1">
+              <a:lnSpc>
+                <a:spcPct val="100000"/>
+              </a:lnSpc>
+              <a:spcBef>
+                <a:spcPts val="0"/>
+              </a:spcBef>
+              <a:spcAft>
+                <a:spcPts val="0"/>
+              </a:spcAft>
+              <a:buClrTx/>
+              <a:buSzTx/>
+              <a:buFontTx/>
+              <a:buNone/>
+              <a:tabLst/>
+              <a:defRPr/>
+            </a:pPr>
+            <a:endParaRPr kumimoji="0" lang="en-US" sz="1800" b="0" i="0" u="none" strike="noStrike" kern="1200" cap="none" spc="0" normalizeH="0" baseline="0" noProof="0">
+              <a:ln>
+                <a:noFill/>
+              </a:ln>
+              <a:solidFill>
+                <a:prstClr val="white"/>
+              </a:solidFill>
+              <a:effectLst/>
+              <a:uLnTx/>
+              <a:uFillTx/>
+              <a:latin typeface="Calibri" panose="020F0502020204030204"/>
+              <a:ea typeface="+mn-ea"/>
+              <a:cs typeface="+mn-cs"/>
+            </a:endParaRPr>
+          </a:p>
+        </p:txBody>
+      </p:sp>
+      <p:sp>
+        <p:nvSpPr>
+          <p:cNvPr id="2" name="Titre 1">
+            <a:extLst>
+              <a:ext uri="{FF2B5EF4-FFF2-40B4-BE49-F238E27FC236}">
+                <a16:creationId xmlns:a16="http://schemas.microsoft.com/office/drawing/2014/main" id="{833D933A-55E0-4D93-95EF-B7F94E2BC1FD}"/>
+              </a:ext>
+            </a:extLst>
+          </p:cNvPr>
+          <p:cNvSpPr>
+            <a:spLocks noGrp="1"/>
+          </p:cNvSpPr>
+          <p:nvPr>
+            <p:ph type="title"/>
+          </p:nvPr>
+        </p:nvSpPr>
+        <p:spPr>
+          <a:xfrm>
+            <a:off x="966952" y="1204108"/>
+            <a:ext cx="2669406" cy="1781175"/>
+          </a:xfrm>
+        </p:spPr>
+        <p:txBody>
+          <a:bodyPr>
+            <a:normAutofit/>
+          </a:bodyPr>
+          <a:lstStyle/>
+          <a:p>
+            <a:r>
+              <a:rPr lang="fr-FR" sz="3200">
+                <a:solidFill>
+                  <a:srgbClr val="FFFFFF"/>
+                </a:solidFill>
+                <a:cs typeface="Calibri Light"/>
+              </a:rPr>
+              <a:t>Architecture</a:t>
+            </a:r>
+          </a:p>
+        </p:txBody>
+      </p:sp>
+      <p:pic>
+        <p:nvPicPr>
+          <p:cNvPr id="2054" name="Picture 6" descr="About Apache Cassandra | Apache Cassandra 3.x">
+            <a:extLst>
+              <a:ext uri="{FF2B5EF4-FFF2-40B4-BE49-F238E27FC236}">
+                <a16:creationId xmlns:a16="http://schemas.microsoft.com/office/drawing/2014/main" id="{621020BF-D83E-4BDC-8F0C-8AB7C4E8AE15}"/>
+              </a:ext>
+            </a:extLst>
+          </p:cNvPr>
+          <p:cNvPicPr>
+            <a:picLocks noChangeAspect="1" noChangeArrowheads="1"/>
+          </p:cNvPicPr>
+          <p:nvPr/>
+        </p:nvPicPr>
+        <p:blipFill>
+          <a:blip r:embed="rId3">
+            <a:extLst>
+              <a:ext uri="{28A0092B-C50C-407E-A947-70E740481C1C}">
+                <a14:useLocalDpi xmlns:a14="http://schemas.microsoft.com/office/drawing/2010/main" val="0"/>
+              </a:ext>
+            </a:extLst>
+          </a:blip>
+          <a:srcRect/>
+          <a:stretch>
+            <a:fillRect/>
+          </a:stretch>
+        </p:blipFill>
+        <p:spPr bwMode="auto">
+          <a:xfrm>
+            <a:off x="6174766" y="4461638"/>
+            <a:ext cx="5410050" cy="1496813"/>
+          </a:xfrm>
+          <a:prstGeom prst="rect">
+            <a:avLst/>
+          </a:prstGeom>
+          <a:noFill/>
+          <a:extLst>
+            <a:ext uri="{909E8E84-426E-40DD-AFC4-6F175D3DCCD1}">
+              <a14:hiddenFill xmlns:a14="http://schemas.microsoft.com/office/drawing/2010/main">
+                <a:solidFill>
+                  <a:srgbClr val="FFFFFF"/>
+                </a:solidFill>
+              </a14:hiddenFill>
+            </a:ext>
+          </a:extLst>
+        </p:spPr>
+      </p:pic>
+      <p:pic>
+        <p:nvPicPr>
+          <p:cNvPr id="2056" name="Picture 8">
+            <a:extLst>
+              <a:ext uri="{FF2B5EF4-FFF2-40B4-BE49-F238E27FC236}">
+                <a16:creationId xmlns:a16="http://schemas.microsoft.com/office/drawing/2014/main" id="{E7BA3D82-E6E1-4733-8283-8AD117D647A6}"/>
+              </a:ext>
+            </a:extLst>
+          </p:cNvPr>
+          <p:cNvPicPr>
+            <a:picLocks noChangeAspect="1" noChangeArrowheads="1"/>
+          </p:cNvPicPr>
+          <p:nvPr/>
+        </p:nvPicPr>
+        <p:blipFill>
+          <a:blip r:embed="rId4">
+            <a:extLst>
+              <a:ext uri="{28A0092B-C50C-407E-A947-70E740481C1C}">
+                <a14:useLocalDpi xmlns:a14="http://schemas.microsoft.com/office/drawing/2010/main" val="0"/>
+              </a:ext>
+            </a:extLst>
+          </a:blip>
+          <a:srcRect/>
+          <a:stretch>
+            <a:fillRect/>
+          </a:stretch>
+        </p:blipFill>
+        <p:spPr bwMode="auto">
+          <a:xfrm>
+            <a:off x="5921442" y="853814"/>
+            <a:ext cx="4421256" cy="3144005"/>
+          </a:xfrm>
+          <a:prstGeom prst="rect">
+            <a:avLst/>
+          </a:prstGeom>
+          <a:noFill/>
+          <a:extLst>
+            <a:ext uri="{909E8E84-426E-40DD-AFC4-6F175D3DCCD1}">
+              <a14:hiddenFill xmlns:a14="http://schemas.microsoft.com/office/drawing/2010/main">
+                <a:solidFill>
+                  <a:srgbClr val="FFFFFF"/>
+                </a:solidFill>
+              </a14:hiddenFill>
+            </a:ext>
+          </a:extLst>
+        </p:spPr>
+      </p:pic>
+      <p:sp>
+        <p:nvSpPr>
+          <p:cNvPr id="3" name="AutoShape 10" descr="Google Cloud Bigtable Avis Tarif &amp;amp;amp; Fonctionnalités | Comparatif-Logiciels.fr">
+            <a:extLst>
+              <a:ext uri="{FF2B5EF4-FFF2-40B4-BE49-F238E27FC236}">
+                <a16:creationId xmlns:a16="http://schemas.microsoft.com/office/drawing/2014/main" id="{B78477B8-28D3-4337-9C08-95B5462ED6AB}"/>
+              </a:ext>
+            </a:extLst>
+          </p:cNvPr>
+          <p:cNvSpPr>
+            <a:spLocks noChangeAspect="1" noChangeArrowheads="1"/>
+          </p:cNvSpPr>
+          <p:nvPr/>
+        </p:nvSpPr>
+        <p:spPr bwMode="auto">
+          <a:xfrm>
+            <a:off x="5943600" y="3276600"/>
+            <a:ext cx="304800" cy="304800"/>
+          </a:xfrm>
+          <a:prstGeom prst="rect">
+            <a:avLst/>
+          </a:prstGeom>
+          <a:noFill/>
+          <a:extLst>
+            <a:ext uri="{909E8E84-426E-40DD-AFC4-6F175D3DCCD1}">
+              <a14:hiddenFill xmlns:a14="http://schemas.microsoft.com/office/drawing/2010/main">
+                <a:solidFill>
+                  <a:srgbClr val="FFFFFF"/>
+                </a:solidFill>
+              </a14:hiddenFill>
+            </a:ext>
+          </a:extLst>
+        </p:spPr>
+        <p:txBody>
+          <a:bodyPr vert="horz" wrap="square" lIns="91440" tIns="45720" rIns="91440" bIns="45720" numCol="1" anchor="t" anchorCtr="0" compatLnSpc="1">
+            <a:prstTxWarp prst="textNoShape">
+              <a:avLst/>
+            </a:prstTxWarp>
+          </a:bodyPr>
+          <a:lstStyle/>
+          <a:p>
+            <a:endParaRPr lang="fr-FR"/>
+          </a:p>
+        </p:txBody>
+      </p:sp>
+      <p:pic>
+        <p:nvPicPr>
+          <p:cNvPr id="2062" name="Picture 14" descr="Database of Databases - Cloud BigTable">
+            <a:extLst>
+              <a:ext uri="{FF2B5EF4-FFF2-40B4-BE49-F238E27FC236}">
+                <a16:creationId xmlns:a16="http://schemas.microsoft.com/office/drawing/2014/main" id="{DABC71DE-EC4C-4D6A-A542-BE6F1C866E16}"/>
+              </a:ext>
+            </a:extLst>
+          </p:cNvPr>
+          <p:cNvPicPr>
+            <a:picLocks noChangeAspect="1" noChangeArrowheads="1"/>
+          </p:cNvPicPr>
+          <p:nvPr/>
+        </p:nvPicPr>
+        <p:blipFill>
+          <a:blip r:embed="rId5">
+            <a:extLst>
+              <a:ext uri="{28A0092B-C50C-407E-A947-70E740481C1C}">
+                <a14:useLocalDpi xmlns:a14="http://schemas.microsoft.com/office/drawing/2010/main" val="0"/>
+              </a:ext>
+            </a:extLst>
+          </a:blip>
+          <a:srcRect/>
+          <a:stretch>
+            <a:fillRect/>
+          </a:stretch>
+        </p:blipFill>
+        <p:spPr bwMode="auto">
+          <a:xfrm>
+            <a:off x="2104200" y="2420654"/>
+            <a:ext cx="620639" cy="557530"/>
+          </a:xfrm>
+          <a:prstGeom prst="rect">
+            <a:avLst/>
+          </a:prstGeom>
+          <a:noFill/>
+          <a:extLst>
+            <a:ext uri="{909E8E84-426E-40DD-AFC4-6F175D3DCCD1}">
+              <a14:hiddenFill xmlns:a14="http://schemas.microsoft.com/office/drawing/2010/main">
+                <a:solidFill>
+                  <a:srgbClr val="FFFFFF"/>
+                </a:solidFill>
+              </a14:hiddenFill>
+            </a:ext>
+          </a:extLst>
+        </p:spPr>
+      </p:pic>
+      <p:pic>
+        <p:nvPicPr>
+          <p:cNvPr id="2064" name="Picture 16" descr="Amazon DynamoDB - Wikipedia">
+            <a:extLst>
+              <a:ext uri="{FF2B5EF4-FFF2-40B4-BE49-F238E27FC236}">
+                <a16:creationId xmlns:a16="http://schemas.microsoft.com/office/drawing/2014/main" id="{86FE128B-FC69-4FD8-A40E-18305C5C1836}"/>
+              </a:ext>
+            </a:extLst>
+          </p:cNvPr>
+          <p:cNvPicPr>
+            <a:picLocks noChangeAspect="1" noChangeArrowheads="1"/>
+          </p:cNvPicPr>
+          <p:nvPr/>
+        </p:nvPicPr>
+        <p:blipFill>
+          <a:blip r:embed="rId6">
+            <a:extLst>
+              <a:ext uri="{28A0092B-C50C-407E-A947-70E740481C1C}">
+                <a14:useLocalDpi xmlns:a14="http://schemas.microsoft.com/office/drawing/2010/main" val="0"/>
+              </a:ext>
+            </a:extLst>
+          </a:blip>
+          <a:srcRect/>
+          <a:stretch>
+            <a:fillRect/>
+          </a:stretch>
+        </p:blipFill>
+        <p:spPr bwMode="auto">
+          <a:xfrm>
+            <a:off x="1275041" y="2373361"/>
+            <a:ext cx="735345" cy="666313"/>
+          </a:xfrm>
+          <a:prstGeom prst="rect">
+            <a:avLst/>
+          </a:prstGeom>
+          <a:noFill/>
+          <a:extLst>
+            <a:ext uri="{909E8E84-426E-40DD-AFC4-6F175D3DCCD1}">
+              <a14:hiddenFill xmlns:a14="http://schemas.microsoft.com/office/drawing/2010/main">
+                <a:solidFill>
+                  <a:srgbClr val="FFFFFF"/>
+                </a:solidFill>
+              </a14:hiddenFill>
+            </a:ext>
+          </a:extLst>
+        </p:spPr>
+      </p:pic>
+      <p:pic>
+        <p:nvPicPr>
+          <p:cNvPr id="2066" name="Picture 18" descr="Azure Cosmos DB - key-value database in the cloud - Michał Białecki Blog">
+            <a:extLst>
+              <a:ext uri="{FF2B5EF4-FFF2-40B4-BE49-F238E27FC236}">
+                <a16:creationId xmlns:a16="http://schemas.microsoft.com/office/drawing/2014/main" id="{93278518-25B1-4ED3-810E-424318F71C12}"/>
+              </a:ext>
+            </a:extLst>
+          </p:cNvPr>
+          <p:cNvPicPr>
+            <a:picLocks noChangeAspect="1" noChangeArrowheads="1"/>
+          </p:cNvPicPr>
+          <p:nvPr/>
+        </p:nvPicPr>
+        <p:blipFill>
+          <a:blip r:embed="rId7">
+            <a:extLst>
+              <a:ext uri="{28A0092B-C50C-407E-A947-70E740481C1C}">
+                <a14:useLocalDpi xmlns:a14="http://schemas.microsoft.com/office/drawing/2010/main" val="0"/>
+              </a:ext>
+            </a:extLst>
+          </a:blip>
+          <a:srcRect/>
+          <a:stretch>
+            <a:fillRect/>
+          </a:stretch>
+        </p:blipFill>
+        <p:spPr bwMode="auto">
+          <a:xfrm>
+            <a:off x="94436" y="3705187"/>
+            <a:ext cx="5260806" cy="2879123"/>
+          </a:xfrm>
+          <a:prstGeom prst="rect">
+            <a:avLst/>
+          </a:prstGeom>
+          <a:noFill/>
+          <a:extLst>
+            <a:ext uri="{909E8E84-426E-40DD-AFC4-6F175D3DCCD1}">
+              <a14:hiddenFill xmlns:a14="http://schemas.microsoft.com/office/drawing/2010/main">
+                <a:solidFill>
+                  <a:srgbClr val="FFFFFF"/>
+                </a:solidFill>
+              </a14:hiddenFill>
+            </a:ext>
+          </a:extLst>
+        </p:spPr>
+      </p:pic>
+    </p:spTree>
+    <p:extLst>
+      <p:ext uri="{BB962C8B-B14F-4D97-AF65-F5344CB8AC3E}">
+        <p14:creationId xmlns:p14="http://schemas.microsoft.com/office/powerpoint/2010/main" val="1310415595"/>
+      </p:ext>
+    </p:extLst>
+  </p:cSld>
+  <p:clrMapOvr>
+    <a:masterClrMapping/>
+  </p:clrMapOvr>
+</p:sld>
+</file>
+
+<file path=ppt/slides/slide12.xml><?xml version="1.0" encoding="utf-8"?>
+<p:sld xmlns:a="http://schemas.openxmlformats.org/drawingml/2006/main" xmlns:r="http://schemas.openxmlformats.org/officeDocument/2006/relationships" xmlns:p="http://schemas.openxmlformats.org/presentationml/2006/main">
+  <p:cSld>
+    <p:spTree>
+      <p:nvGrpSpPr>
+        <p:cNvPr id="1" name=""/>
+        <p:cNvGrpSpPr/>
+        <p:nvPr/>
+      </p:nvGrpSpPr>
+      <p:grpSpPr>
+        <a:xfrm>
+          <a:off x="0" y="0"/>
+          <a:ext cx="0" cy="0"/>
+          <a:chOff x="0" y="0"/>
+          <a:chExt cx="0" cy="0"/>
+        </a:xfrm>
+      </p:grpSpPr>
+      <p:sp>
+        <p:nvSpPr>
+          <p:cNvPr id="2" name="Titre 1">
+            <a:extLst>
+              <a:ext uri="{FF2B5EF4-FFF2-40B4-BE49-F238E27FC236}">
+                <a16:creationId xmlns:a16="http://schemas.microsoft.com/office/drawing/2014/main" id="{B918FE4C-E681-4A19-9A07-DEE6DE923C7B}"/>
+              </a:ext>
+            </a:extLst>
+          </p:cNvPr>
+          <p:cNvSpPr>
+            <a:spLocks noGrp="1"/>
+          </p:cNvSpPr>
+          <p:nvPr>
+            <p:ph type="title"/>
+          </p:nvPr>
+        </p:nvSpPr>
+        <p:spPr/>
+        <p:txBody>
+          <a:bodyPr/>
+          <a:lstStyle/>
+          <a:p>
+            <a:r>
+              <a:rPr lang="fr-FR" dirty="0"/>
+              <a:t>Pourquoi choisir Cassandra ? </a:t>
+            </a:r>
+          </a:p>
+        </p:txBody>
+      </p:sp>
+      <p:pic>
+        <p:nvPicPr>
+          <p:cNvPr id="5122" name="Picture 2" descr="hybride">
+            <a:extLst>
+              <a:ext uri="{FF2B5EF4-FFF2-40B4-BE49-F238E27FC236}">
+                <a16:creationId xmlns:a16="http://schemas.microsoft.com/office/drawing/2014/main" id="{E7192735-01BA-4098-855C-50632EAD62EC}"/>
+              </a:ext>
+            </a:extLst>
+          </p:cNvPr>
+          <p:cNvPicPr>
+            <a:picLocks noChangeAspect="1" noChangeArrowheads="1"/>
+          </p:cNvPicPr>
+          <p:nvPr/>
+        </p:nvPicPr>
+        <p:blipFill>
+          <a:blip r:embed="rId3">
+            <a:duotone>
+              <a:prstClr val="black"/>
+              <a:schemeClr val="accent1">
+                <a:tint val="45000"/>
+                <a:satMod val="400000"/>
+              </a:schemeClr>
+            </a:duotone>
+            <a:extLst>
+              <a:ext uri="{28A0092B-C50C-407E-A947-70E740481C1C}">
+                <a14:useLocalDpi xmlns:a14="http://schemas.microsoft.com/office/drawing/2010/main" val="0"/>
+              </a:ext>
+            </a:extLst>
+          </a:blip>
+          <a:srcRect/>
+          <a:stretch>
+            <a:fillRect/>
+          </a:stretch>
+        </p:blipFill>
+        <p:spPr bwMode="auto">
+          <a:xfrm>
+            <a:off x="710905" y="4079010"/>
+            <a:ext cx="1209675" cy="1000125"/>
+          </a:xfrm>
+          <a:prstGeom prst="rect">
+            <a:avLst/>
+          </a:prstGeom>
+          <a:noFill/>
+          <a:extLst>
+            <a:ext uri="{909E8E84-426E-40DD-AFC4-6F175D3DCCD1}">
+              <a14:hiddenFill xmlns:a14="http://schemas.microsoft.com/office/drawing/2010/main">
+                <a:solidFill>
+                  <a:srgbClr val="FFFFFF"/>
+                </a:solidFill>
+              </a14:hiddenFill>
+            </a:ext>
+          </a:extLst>
+        </p:spPr>
+      </p:pic>
+      <p:pic>
+        <p:nvPicPr>
+          <p:cNvPr id="5124" name="Picture 4" descr="faute">
+            <a:extLst>
+              <a:ext uri="{FF2B5EF4-FFF2-40B4-BE49-F238E27FC236}">
+                <a16:creationId xmlns:a16="http://schemas.microsoft.com/office/drawing/2014/main" id="{8C8C3162-2AE5-48A7-8D11-FF4575905BFC}"/>
+              </a:ext>
+            </a:extLst>
+          </p:cNvPr>
+          <p:cNvPicPr>
+            <a:picLocks noChangeAspect="1" noChangeArrowheads="1"/>
+          </p:cNvPicPr>
+          <p:nvPr/>
+        </p:nvPicPr>
+        <p:blipFill>
+          <a:blip r:embed="rId4">
+            <a:duotone>
+              <a:prstClr val="black"/>
+              <a:schemeClr val="accent1">
+                <a:tint val="45000"/>
+                <a:satMod val="400000"/>
+              </a:schemeClr>
+            </a:duotone>
+            <a:extLst>
+              <a:ext uri="{28A0092B-C50C-407E-A947-70E740481C1C}">
+                <a14:useLocalDpi xmlns:a14="http://schemas.microsoft.com/office/drawing/2010/main" val="0"/>
+              </a:ext>
+            </a:extLst>
+          </a:blip>
+          <a:srcRect/>
+          <a:stretch>
+            <a:fillRect/>
+          </a:stretch>
+        </p:blipFill>
+        <p:spPr bwMode="auto">
+          <a:xfrm>
+            <a:off x="3221752" y="4251109"/>
+            <a:ext cx="844262" cy="828026"/>
+          </a:xfrm>
+          <a:prstGeom prst="rect">
+            <a:avLst/>
+          </a:prstGeom>
+          <a:noFill/>
+          <a:extLst>
+            <a:ext uri="{909E8E84-426E-40DD-AFC4-6F175D3DCCD1}">
+              <a14:hiddenFill xmlns:a14="http://schemas.microsoft.com/office/drawing/2010/main">
+                <a:solidFill>
+                  <a:srgbClr val="FFFFFF"/>
+                </a:solidFill>
+              </a14:hiddenFill>
+            </a:ext>
+          </a:extLst>
+        </p:spPr>
+      </p:pic>
+      <p:pic>
+        <p:nvPicPr>
+          <p:cNvPr id="5126" name="Picture 6" descr="performant">
+            <a:extLst>
+              <a:ext uri="{FF2B5EF4-FFF2-40B4-BE49-F238E27FC236}">
+                <a16:creationId xmlns:a16="http://schemas.microsoft.com/office/drawing/2014/main" id="{EB547A0C-9DAB-4C52-BCBC-BEAE0D4D5C1F}"/>
+              </a:ext>
+            </a:extLst>
+          </p:cNvPr>
+          <p:cNvPicPr>
+            <a:picLocks noChangeAspect="1" noChangeArrowheads="1"/>
+          </p:cNvPicPr>
+          <p:nvPr/>
+        </p:nvPicPr>
+        <p:blipFill>
+          <a:blip r:embed="rId5">
+            <a:duotone>
+              <a:prstClr val="black"/>
+              <a:schemeClr val="accent1">
+                <a:tint val="45000"/>
+                <a:satMod val="400000"/>
+              </a:schemeClr>
+            </a:duotone>
+            <a:extLst>
+              <a:ext uri="{28A0092B-C50C-407E-A947-70E740481C1C}">
+                <a14:useLocalDpi xmlns:a14="http://schemas.microsoft.com/office/drawing/2010/main" val="0"/>
+              </a:ext>
+            </a:extLst>
+          </a:blip>
+          <a:srcRect/>
+          <a:stretch>
+            <a:fillRect/>
+          </a:stretch>
+        </p:blipFill>
+        <p:spPr bwMode="auto">
+          <a:xfrm>
+            <a:off x="5367186" y="4345708"/>
+            <a:ext cx="857250" cy="466725"/>
+          </a:xfrm>
+          <a:prstGeom prst="rect">
+            <a:avLst/>
+          </a:prstGeom>
+          <a:extLst>
+            <a:ext uri="{909E8E84-426E-40DD-AFC4-6F175D3DCCD1}">
+              <a14:hiddenFill xmlns:a14="http://schemas.microsoft.com/office/drawing/2010/main">
+                <a:solidFill>
+                  <a:srgbClr val="FFFFFF"/>
+                </a:solidFill>
+              </a14:hiddenFill>
+            </a:ext>
+          </a:extLst>
+        </p:spPr>
+      </p:pic>
+      <p:pic>
+        <p:nvPicPr>
+          <p:cNvPr id="5128" name="Picture 8" descr="décentralisé">
+            <a:extLst>
+              <a:ext uri="{FF2B5EF4-FFF2-40B4-BE49-F238E27FC236}">
+                <a16:creationId xmlns:a16="http://schemas.microsoft.com/office/drawing/2014/main" id="{A82FF905-025A-4381-9B4F-9038455B2C25}"/>
+              </a:ext>
+            </a:extLst>
+          </p:cNvPr>
+          <p:cNvPicPr>
+            <a:picLocks noChangeAspect="1" noChangeArrowheads="1"/>
+          </p:cNvPicPr>
+          <p:nvPr/>
+        </p:nvPicPr>
+        <p:blipFill>
+          <a:blip r:embed="rId6">
+            <a:duotone>
+              <a:prstClr val="black"/>
+              <a:schemeClr val="accent1">
+                <a:tint val="45000"/>
+                <a:satMod val="400000"/>
+              </a:schemeClr>
+            </a:duotone>
+            <a:extLst>
+              <a:ext uri="{28A0092B-C50C-407E-A947-70E740481C1C}">
+                <a14:useLocalDpi xmlns:a14="http://schemas.microsoft.com/office/drawing/2010/main" val="0"/>
+              </a:ext>
+            </a:extLst>
+          </a:blip>
+          <a:srcRect/>
+          <a:stretch>
+            <a:fillRect/>
+          </a:stretch>
+        </p:blipFill>
+        <p:spPr bwMode="auto">
+          <a:xfrm>
+            <a:off x="7871398" y="4140921"/>
+            <a:ext cx="838200" cy="876300"/>
+          </a:xfrm>
+          <a:prstGeom prst="rect">
+            <a:avLst/>
+          </a:prstGeom>
+          <a:noFill/>
+          <a:extLst>
+            <a:ext uri="{909E8E84-426E-40DD-AFC4-6F175D3DCCD1}">
+              <a14:hiddenFill xmlns:a14="http://schemas.microsoft.com/office/drawing/2010/main">
+                <a:solidFill>
+                  <a:srgbClr val="FFFFFF"/>
+                </a:solidFill>
+              </a14:hiddenFill>
+            </a:ext>
+          </a:extLst>
+        </p:spPr>
+      </p:pic>
+      <p:pic>
+        <p:nvPicPr>
+          <p:cNvPr id="5130" name="Picture 10" descr="évolutif">
+            <a:extLst>
+              <a:ext uri="{FF2B5EF4-FFF2-40B4-BE49-F238E27FC236}">
+                <a16:creationId xmlns:a16="http://schemas.microsoft.com/office/drawing/2014/main" id="{2E79FD71-7B43-4249-B689-AC2D1F72F84E}"/>
+              </a:ext>
+            </a:extLst>
+          </p:cNvPr>
+          <p:cNvPicPr>
+            <a:picLocks noChangeAspect="1" noChangeArrowheads="1"/>
+          </p:cNvPicPr>
+          <p:nvPr/>
+        </p:nvPicPr>
+        <p:blipFill>
+          <a:blip r:embed="rId7">
+            <a:duotone>
+              <a:prstClr val="black"/>
+              <a:schemeClr val="accent1">
+                <a:tint val="45000"/>
+                <a:satMod val="400000"/>
+              </a:schemeClr>
+            </a:duotone>
+            <a:extLst>
+              <a:ext uri="{28A0092B-C50C-407E-A947-70E740481C1C}">
+                <a14:useLocalDpi xmlns:a14="http://schemas.microsoft.com/office/drawing/2010/main" val="0"/>
+              </a:ext>
+            </a:extLst>
+          </a:blip>
+          <a:srcRect/>
+          <a:stretch>
+            <a:fillRect/>
+          </a:stretch>
+        </p:blipFill>
+        <p:spPr bwMode="auto">
+          <a:xfrm>
+            <a:off x="10353675" y="4140921"/>
+            <a:ext cx="1000125" cy="990600"/>
+          </a:xfrm>
+          <a:prstGeom prst="rect">
+            <a:avLst/>
+          </a:prstGeom>
+          <a:noFill/>
+          <a:extLst>
+            <a:ext uri="{909E8E84-426E-40DD-AFC4-6F175D3DCCD1}">
+              <a14:hiddenFill xmlns:a14="http://schemas.microsoft.com/office/drawing/2010/main">
+                <a:solidFill>
+                  <a:srgbClr val="FFFFFF"/>
+                </a:solidFill>
+              </a14:hiddenFill>
+            </a:ext>
+          </a:extLst>
+        </p:spPr>
+      </p:pic>
+      <p:sp>
+        <p:nvSpPr>
+          <p:cNvPr id="4" name="ZoneTexte 3">
+            <a:extLst>
+              <a:ext uri="{FF2B5EF4-FFF2-40B4-BE49-F238E27FC236}">
+                <a16:creationId xmlns:a16="http://schemas.microsoft.com/office/drawing/2014/main" id="{5DC0083D-0CE5-4F80-8EEA-E489C3ED6DD7}"/>
+              </a:ext>
+            </a:extLst>
+          </p:cNvPr>
+          <p:cNvSpPr txBox="1"/>
+          <p:nvPr/>
+        </p:nvSpPr>
+        <p:spPr>
+          <a:xfrm>
+            <a:off x="888996" y="5481783"/>
+            <a:ext cx="997527" cy="369332"/>
+          </a:xfrm>
+          <a:prstGeom prst="rect">
+            <a:avLst/>
+          </a:prstGeom>
+          <a:noFill/>
+        </p:spPr>
+        <p:txBody>
+          <a:bodyPr wrap="square" rtlCol="0">
+            <a:spAutoFit/>
+          </a:bodyPr>
+          <a:lstStyle/>
+          <a:p>
+            <a:r>
+              <a:rPr lang="fr-FR" dirty="0"/>
+              <a:t>Hybride</a:t>
+            </a:r>
+          </a:p>
+        </p:txBody>
+      </p:sp>
+      <p:sp>
+        <p:nvSpPr>
+          <p:cNvPr id="10" name="ZoneTexte 9">
+            <a:extLst>
+              <a:ext uri="{FF2B5EF4-FFF2-40B4-BE49-F238E27FC236}">
+                <a16:creationId xmlns:a16="http://schemas.microsoft.com/office/drawing/2014/main" id="{633AF5DF-ADFF-4D11-B6C3-5F6C3580C7C0}"/>
+              </a:ext>
+            </a:extLst>
+          </p:cNvPr>
+          <p:cNvSpPr txBox="1"/>
+          <p:nvPr/>
+        </p:nvSpPr>
+        <p:spPr>
+          <a:xfrm>
+            <a:off x="2789013" y="5375549"/>
+            <a:ext cx="1699490" cy="646331"/>
+          </a:xfrm>
+          <a:prstGeom prst="rect">
+            <a:avLst/>
+          </a:prstGeom>
+          <a:noFill/>
+        </p:spPr>
+        <p:txBody>
+          <a:bodyPr wrap="square" rtlCol="0">
+            <a:spAutoFit/>
+          </a:bodyPr>
+          <a:lstStyle/>
+          <a:p>
+            <a:pPr algn="ctr"/>
+            <a:r>
+              <a:rPr lang="fr-FR" dirty="0"/>
+              <a:t>Réplication des données</a:t>
+            </a:r>
+          </a:p>
+        </p:txBody>
+      </p:sp>
+      <p:sp>
+        <p:nvSpPr>
+          <p:cNvPr id="11" name="ZoneTexte 10">
+            <a:extLst>
+              <a:ext uri="{FF2B5EF4-FFF2-40B4-BE49-F238E27FC236}">
+                <a16:creationId xmlns:a16="http://schemas.microsoft.com/office/drawing/2014/main" id="{C12293FA-0FD2-4F37-9D83-EB44DC9CD769}"/>
+              </a:ext>
+            </a:extLst>
+          </p:cNvPr>
+          <p:cNvSpPr txBox="1"/>
+          <p:nvPr/>
+        </p:nvSpPr>
+        <p:spPr>
+          <a:xfrm>
+            <a:off x="7762508" y="5514049"/>
+            <a:ext cx="1055980" cy="369332"/>
+          </a:xfrm>
+          <a:prstGeom prst="rect">
+            <a:avLst/>
+          </a:prstGeom>
+          <a:noFill/>
+        </p:spPr>
+        <p:txBody>
+          <a:bodyPr wrap="square" rtlCol="0">
+            <a:spAutoFit/>
+          </a:bodyPr>
+          <a:lstStyle/>
+          <a:p>
+            <a:r>
+              <a:rPr lang="fr-FR"/>
+              <a:t>Distribué</a:t>
+            </a:r>
+            <a:endParaRPr lang="fr-FR" dirty="0"/>
+          </a:p>
+        </p:txBody>
+      </p:sp>
+      <p:sp>
+        <p:nvSpPr>
+          <p:cNvPr id="12" name="ZoneTexte 11">
+            <a:extLst>
+              <a:ext uri="{FF2B5EF4-FFF2-40B4-BE49-F238E27FC236}">
+                <a16:creationId xmlns:a16="http://schemas.microsoft.com/office/drawing/2014/main" id="{8C470A36-8716-4BD4-811C-A61CB29F1AE9}"/>
+              </a:ext>
+            </a:extLst>
+          </p:cNvPr>
+          <p:cNvSpPr txBox="1"/>
+          <p:nvPr/>
+        </p:nvSpPr>
+        <p:spPr>
+          <a:xfrm>
+            <a:off x="5179382" y="5481783"/>
+            <a:ext cx="1273759" cy="369332"/>
+          </a:xfrm>
+          <a:prstGeom prst="rect">
+            <a:avLst/>
+          </a:prstGeom>
+          <a:noFill/>
+        </p:spPr>
+        <p:txBody>
+          <a:bodyPr wrap="square" rtlCol="0">
+            <a:spAutoFit/>
+          </a:bodyPr>
+          <a:lstStyle/>
+          <a:p>
+            <a:r>
+              <a:rPr lang="fr-FR"/>
+              <a:t>Performant</a:t>
+            </a:r>
+          </a:p>
+        </p:txBody>
+      </p:sp>
+      <p:sp>
+        <p:nvSpPr>
+          <p:cNvPr id="13" name="ZoneTexte 12">
+            <a:extLst>
+              <a:ext uri="{FF2B5EF4-FFF2-40B4-BE49-F238E27FC236}">
+                <a16:creationId xmlns:a16="http://schemas.microsoft.com/office/drawing/2014/main" id="{FC4A0F9A-2BB4-4CD8-81FC-8B30590403E3}"/>
+              </a:ext>
+            </a:extLst>
+          </p:cNvPr>
+          <p:cNvSpPr txBox="1"/>
+          <p:nvPr/>
+        </p:nvSpPr>
+        <p:spPr>
+          <a:xfrm>
+            <a:off x="10163464" y="5514049"/>
+            <a:ext cx="1380545" cy="369332"/>
+          </a:xfrm>
+          <a:prstGeom prst="rect">
+            <a:avLst/>
+          </a:prstGeom>
+          <a:noFill/>
+        </p:spPr>
+        <p:txBody>
+          <a:bodyPr wrap="square" rtlCol="0">
+            <a:spAutoFit/>
+          </a:bodyPr>
+          <a:lstStyle/>
+          <a:p>
+            <a:r>
+              <a:rPr lang="fr-FR"/>
+              <a:t>Extensibilité</a:t>
+            </a:r>
+          </a:p>
+        </p:txBody>
+      </p:sp>
+      <p:pic>
+        <p:nvPicPr>
+          <p:cNvPr id="5132" name="Picture 12" descr="nuage natif">
+            <a:extLst>
+              <a:ext uri="{FF2B5EF4-FFF2-40B4-BE49-F238E27FC236}">
+                <a16:creationId xmlns:a16="http://schemas.microsoft.com/office/drawing/2014/main" id="{19DDE901-3E69-464E-99E2-9DE59680AD85}"/>
+              </a:ext>
+            </a:extLst>
+          </p:cNvPr>
+          <p:cNvPicPr>
+            <a:picLocks noChangeAspect="1" noChangeArrowheads="1"/>
+          </p:cNvPicPr>
+          <p:nvPr/>
+        </p:nvPicPr>
+        <p:blipFill>
+          <a:blip r:embed="rId8">
+            <a:duotone>
+              <a:prstClr val="black"/>
+              <a:schemeClr val="accent1">
+                <a:tint val="45000"/>
+                <a:satMod val="400000"/>
+              </a:schemeClr>
+            </a:duotone>
+            <a:extLst>
+              <a:ext uri="{28A0092B-C50C-407E-A947-70E740481C1C}">
+                <a14:useLocalDpi xmlns:a14="http://schemas.microsoft.com/office/drawing/2010/main" val="0"/>
+              </a:ext>
+            </a:extLst>
+          </a:blip>
+          <a:srcRect/>
+          <a:stretch>
+            <a:fillRect/>
+          </a:stretch>
+        </p:blipFill>
+        <p:spPr bwMode="auto">
+          <a:xfrm>
+            <a:off x="5013719" y="1866963"/>
+            <a:ext cx="1439422" cy="1373994"/>
+          </a:xfrm>
+          <a:prstGeom prst="rect">
+            <a:avLst/>
+          </a:prstGeom>
+          <a:noFill/>
+          <a:extLst>
+            <a:ext uri="{909E8E84-426E-40DD-AFC4-6F175D3DCCD1}">
+              <a14:hiddenFill xmlns:a14="http://schemas.microsoft.com/office/drawing/2010/main">
+                <a:solidFill>
+                  <a:srgbClr val="FFFFFF"/>
+                </a:solidFill>
+              </a14:hiddenFill>
+            </a:ext>
+          </a:extLst>
+        </p:spPr>
+      </p:pic>
+      <p:sp>
+        <p:nvSpPr>
+          <p:cNvPr id="15" name="ZoneTexte 14">
+            <a:extLst>
+              <a:ext uri="{FF2B5EF4-FFF2-40B4-BE49-F238E27FC236}">
+                <a16:creationId xmlns:a16="http://schemas.microsoft.com/office/drawing/2014/main" id="{7CB6A327-FC1B-4DA3-80D4-06D35E7B829C}"/>
+              </a:ext>
+            </a:extLst>
+          </p:cNvPr>
+          <p:cNvSpPr txBox="1"/>
+          <p:nvPr/>
+        </p:nvSpPr>
+        <p:spPr>
+          <a:xfrm>
+            <a:off x="4956399" y="3247712"/>
+            <a:ext cx="1554061" cy="369332"/>
+          </a:xfrm>
+          <a:prstGeom prst="rect">
+            <a:avLst/>
+          </a:prstGeom>
+          <a:noFill/>
+        </p:spPr>
+        <p:txBody>
+          <a:bodyPr wrap="square" rtlCol="0">
+            <a:spAutoFit/>
+          </a:bodyPr>
+          <a:lstStyle/>
+          <a:p>
+            <a:pPr algn="ctr"/>
+            <a:r>
+              <a:rPr lang="fr-FR"/>
+              <a:t>Adaptabilité</a:t>
+            </a:r>
+          </a:p>
+        </p:txBody>
+      </p:sp>
+    </p:spTree>
+    <p:extLst>
+      <p:ext uri="{BB962C8B-B14F-4D97-AF65-F5344CB8AC3E}">
+        <p14:creationId xmlns:p14="http://schemas.microsoft.com/office/powerpoint/2010/main" val="1963127930"/>
+      </p:ext>
+    </p:extLst>
+  </p:cSld>
+  <p:clrMapOvr>
+    <a:masterClrMapping/>
+  </p:clrMapOvr>
+</p:sld>
+</file>
+
+<file path=ppt/slides/slide13.xml><?xml version="1.0" encoding="utf-8"?>
+<p:sld xmlns:a="http://schemas.openxmlformats.org/drawingml/2006/main" xmlns:r="http://schemas.openxmlformats.org/officeDocument/2006/relationships" xmlns:p="http://schemas.openxmlformats.org/presentationml/2006/main">
+  <p:cSld>
+    <p:spTree>
+      <p:nvGrpSpPr>
+        <p:cNvPr id="1" name=""/>
+        <p:cNvGrpSpPr/>
+        <p:nvPr/>
+      </p:nvGrpSpPr>
+      <p:grpSpPr>
+        <a:xfrm>
+          <a:off x="0" y="0"/>
+          <a:ext cx="0" cy="0"/>
+          <a:chOff x="0" y="0"/>
+          <a:chExt cx="0" cy="0"/>
+        </a:xfrm>
+      </p:grpSpPr>
+      <p:sp>
+        <p:nvSpPr>
+          <p:cNvPr id="2" name="Titre 1">
+            <a:extLst>
+              <a:ext uri="{FF2B5EF4-FFF2-40B4-BE49-F238E27FC236}">
+                <a16:creationId xmlns:a16="http://schemas.microsoft.com/office/drawing/2014/main" id="{24A66304-FD8D-4C63-8968-AE180609E08C}"/>
+              </a:ext>
+            </a:extLst>
+          </p:cNvPr>
+          <p:cNvSpPr>
+            <a:spLocks noGrp="1"/>
+          </p:cNvSpPr>
+          <p:nvPr>
+            <p:ph type="title"/>
+          </p:nvPr>
+        </p:nvSpPr>
+        <p:spPr/>
+        <p:txBody>
+          <a:bodyPr/>
+          <a:lstStyle/>
+          <a:p>
+            <a:r>
+              <a:rPr lang="fr-FR" dirty="0"/>
+              <a:t>Comment l’utiliser ? </a:t>
+            </a:r>
+          </a:p>
+        </p:txBody>
+      </p:sp>
+      <p:pic>
+        <p:nvPicPr>
+          <p:cNvPr id="4098" name="Picture 2" descr="Docker Logos | Docker">
+            <a:extLst>
+              <a:ext uri="{FF2B5EF4-FFF2-40B4-BE49-F238E27FC236}">
+                <a16:creationId xmlns:a16="http://schemas.microsoft.com/office/drawing/2014/main" id="{ADCB6E87-4F38-4526-8758-AA1674585457}"/>
+              </a:ext>
+            </a:extLst>
+          </p:cNvPr>
+          <p:cNvPicPr>
+            <a:picLocks noChangeAspect="1" noChangeArrowheads="1"/>
+          </p:cNvPicPr>
+          <p:nvPr/>
+        </p:nvPicPr>
+        <p:blipFill>
+          <a:blip r:embed="rId3">
+            <a:extLst>
+              <a:ext uri="{28A0092B-C50C-407E-A947-70E740481C1C}">
+                <a14:useLocalDpi xmlns:a14="http://schemas.microsoft.com/office/drawing/2010/main" val="0"/>
+              </a:ext>
+            </a:extLst>
+          </a:blip>
+          <a:srcRect/>
+          <a:stretch>
+            <a:fillRect/>
+          </a:stretch>
+        </p:blipFill>
+        <p:spPr bwMode="auto">
+          <a:xfrm>
+            <a:off x="487188" y="3507819"/>
+            <a:ext cx="1549252" cy="1325563"/>
+          </a:xfrm>
+          <a:prstGeom prst="rect">
+            <a:avLst/>
+          </a:prstGeom>
+          <a:noFill/>
+          <a:extLst>
+            <a:ext uri="{909E8E84-426E-40DD-AFC4-6F175D3DCCD1}">
+              <a14:hiddenFill xmlns:a14="http://schemas.microsoft.com/office/drawing/2010/main">
+                <a:solidFill>
+                  <a:srgbClr val="FFFFFF"/>
+                </a:solidFill>
+              </a14:hiddenFill>
+            </a:ext>
+          </a:extLst>
+        </p:spPr>
+      </p:pic>
+      <p:pic>
+        <p:nvPicPr>
+          <p:cNvPr id="4106" name="Picture 10" descr="La sauvegarde en ligne, une solution Cloud efficace et sécuritaire">
+            <a:extLst>
+              <a:ext uri="{FF2B5EF4-FFF2-40B4-BE49-F238E27FC236}">
+                <a16:creationId xmlns:a16="http://schemas.microsoft.com/office/drawing/2014/main" id="{D9EE5B8A-B50C-4891-B4A8-D5E638B01875}"/>
+              </a:ext>
+            </a:extLst>
+          </p:cNvPr>
+          <p:cNvPicPr>
+            <a:picLocks noChangeAspect="1" noChangeArrowheads="1"/>
+          </p:cNvPicPr>
+          <p:nvPr/>
+        </p:nvPicPr>
+        <p:blipFill>
+          <a:blip r:embed="rId4">
+            <a:extLst>
+              <a:ext uri="{28A0092B-C50C-407E-A947-70E740481C1C}">
+                <a14:useLocalDpi xmlns:a14="http://schemas.microsoft.com/office/drawing/2010/main" val="0"/>
+              </a:ext>
+            </a:extLst>
+          </a:blip>
+          <a:srcRect/>
+          <a:stretch>
+            <a:fillRect/>
+          </a:stretch>
+        </p:blipFill>
+        <p:spPr bwMode="auto">
+          <a:xfrm>
+            <a:off x="3001968" y="3429000"/>
+            <a:ext cx="1549252" cy="1235600"/>
+          </a:xfrm>
+          <a:prstGeom prst="rect">
+            <a:avLst/>
+          </a:prstGeom>
+          <a:noFill/>
+          <a:extLst>
+            <a:ext uri="{909E8E84-426E-40DD-AFC4-6F175D3DCCD1}">
+              <a14:hiddenFill xmlns:a14="http://schemas.microsoft.com/office/drawing/2010/main">
+                <a:solidFill>
+                  <a:srgbClr val="FFFFFF"/>
+                </a:solidFill>
+              </a14:hiddenFill>
+            </a:ext>
+          </a:extLst>
+        </p:spPr>
+      </p:pic>
+      <p:cxnSp>
+        <p:nvCxnSpPr>
+          <p:cNvPr id="5" name="Connecteur droit 4">
+            <a:extLst>
+              <a:ext uri="{FF2B5EF4-FFF2-40B4-BE49-F238E27FC236}">
+                <a16:creationId xmlns:a16="http://schemas.microsoft.com/office/drawing/2014/main" id="{E3661604-365A-419C-8304-D90880EDEB4B}"/>
+              </a:ext>
+            </a:extLst>
+          </p:cNvPr>
+          <p:cNvCxnSpPr/>
+          <p:nvPr/>
+        </p:nvCxnSpPr>
+        <p:spPr>
+          <a:xfrm>
+            <a:off x="4933025" y="1921924"/>
+            <a:ext cx="0" cy="4497355"/>
+          </a:xfrm>
+          <a:prstGeom prst="line">
+            <a:avLst/>
+          </a:prstGeom>
+        </p:spPr>
+        <p:style>
+          <a:lnRef idx="1">
+            <a:schemeClr val="accent1"/>
+          </a:lnRef>
+          <a:fillRef idx="0">
+            <a:schemeClr val="accent1"/>
+          </a:fillRef>
+          <a:effectRef idx="0">
+            <a:schemeClr val="accent1"/>
+          </a:effectRef>
+          <a:fontRef idx="minor">
+            <a:schemeClr val="tx1"/>
+          </a:fontRef>
+        </p:style>
+      </p:cxnSp>
+      <p:sp>
+        <p:nvSpPr>
+          <p:cNvPr id="6" name="ZoneTexte 5">
+            <a:extLst>
+              <a:ext uri="{FF2B5EF4-FFF2-40B4-BE49-F238E27FC236}">
+                <a16:creationId xmlns:a16="http://schemas.microsoft.com/office/drawing/2014/main" id="{2C34E966-FBA3-4D0A-9E22-F794E0E9B8F3}"/>
+              </a:ext>
+            </a:extLst>
+          </p:cNvPr>
+          <p:cNvSpPr txBox="1"/>
+          <p:nvPr/>
+        </p:nvSpPr>
+        <p:spPr>
+          <a:xfrm>
+            <a:off x="1832254" y="1737258"/>
+            <a:ext cx="1470240" cy="523220"/>
+          </a:xfrm>
+          <a:prstGeom prst="rect">
+            <a:avLst/>
+          </a:prstGeom>
+          <a:noFill/>
+        </p:spPr>
+        <p:txBody>
+          <a:bodyPr wrap="square" rtlCol="0">
+            <a:spAutoFit/>
+          </a:bodyPr>
+          <a:lstStyle/>
+          <a:p>
+            <a:r>
+              <a:rPr lang="fr-FR" sz="2800" dirty="0"/>
+              <a:t>Backend</a:t>
+            </a:r>
+          </a:p>
+        </p:txBody>
+      </p:sp>
+      <p:sp>
+        <p:nvSpPr>
+          <p:cNvPr id="14" name="ZoneTexte 13">
+            <a:extLst>
+              <a:ext uri="{FF2B5EF4-FFF2-40B4-BE49-F238E27FC236}">
+                <a16:creationId xmlns:a16="http://schemas.microsoft.com/office/drawing/2014/main" id="{A5870165-F84B-494C-9E30-2A19BF792E11}"/>
+              </a:ext>
+            </a:extLst>
+          </p:cNvPr>
+          <p:cNvSpPr txBox="1"/>
+          <p:nvPr/>
+        </p:nvSpPr>
+        <p:spPr>
+          <a:xfrm>
+            <a:off x="8056982" y="1743370"/>
+            <a:ext cx="1655187" cy="523220"/>
+          </a:xfrm>
+          <a:prstGeom prst="rect">
+            <a:avLst/>
+          </a:prstGeom>
+          <a:noFill/>
+        </p:spPr>
+        <p:txBody>
+          <a:bodyPr wrap="square" rtlCol="0">
+            <a:spAutoFit/>
+          </a:bodyPr>
+          <a:lstStyle/>
+          <a:p>
+            <a:r>
+              <a:rPr lang="fr-FR" sz="2800" dirty="0"/>
+              <a:t>Frontend</a:t>
+            </a:r>
+          </a:p>
+        </p:txBody>
+      </p:sp>
+      <p:pic>
+        <p:nvPicPr>
+          <p:cNvPr id="4108" name="Picture 12">
+            <a:extLst>
+              <a:ext uri="{FF2B5EF4-FFF2-40B4-BE49-F238E27FC236}">
+                <a16:creationId xmlns:a16="http://schemas.microsoft.com/office/drawing/2014/main" id="{162BBAB7-C182-41AD-B4A1-4B2A300F7C09}"/>
+              </a:ext>
+            </a:extLst>
+          </p:cNvPr>
+          <p:cNvPicPr>
+            <a:picLocks noChangeAspect="1" noChangeArrowheads="1"/>
+          </p:cNvPicPr>
+          <p:nvPr/>
+        </p:nvPicPr>
+        <p:blipFill>
+          <a:blip r:embed="rId5">
+            <a:extLst>
+              <a:ext uri="{28A0092B-C50C-407E-A947-70E740481C1C}">
+                <a14:useLocalDpi xmlns:a14="http://schemas.microsoft.com/office/drawing/2010/main" val="0"/>
+              </a:ext>
+            </a:extLst>
+          </a:blip>
+          <a:srcRect/>
+          <a:stretch>
+            <a:fillRect/>
+          </a:stretch>
+        </p:blipFill>
+        <p:spPr bwMode="auto">
+          <a:xfrm>
+            <a:off x="5651946" y="2882483"/>
+            <a:ext cx="2044500" cy="1250671"/>
+          </a:xfrm>
+          <a:prstGeom prst="rect">
+            <a:avLst/>
+          </a:prstGeom>
+          <a:noFill/>
+          <a:extLst>
+            <a:ext uri="{909E8E84-426E-40DD-AFC4-6F175D3DCCD1}">
+              <a14:hiddenFill xmlns:a14="http://schemas.microsoft.com/office/drawing/2010/main">
+                <a:solidFill>
+                  <a:srgbClr val="FFFFFF"/>
+                </a:solidFill>
+              </a14:hiddenFill>
+            </a:ext>
+          </a:extLst>
+        </p:spPr>
+      </p:pic>
+      <p:pic>
+        <p:nvPicPr>
+          <p:cNvPr id="4110" name="Picture 14">
+            <a:extLst>
+              <a:ext uri="{FF2B5EF4-FFF2-40B4-BE49-F238E27FC236}">
+                <a16:creationId xmlns:a16="http://schemas.microsoft.com/office/drawing/2014/main" id="{70673240-15C0-4E49-8A14-8DF617BCACCB}"/>
+              </a:ext>
+            </a:extLst>
+          </p:cNvPr>
+          <p:cNvPicPr>
+            <a:picLocks noChangeAspect="1" noChangeArrowheads="1"/>
+          </p:cNvPicPr>
+          <p:nvPr/>
+        </p:nvPicPr>
+        <p:blipFill>
+          <a:blip r:embed="rId6">
+            <a:extLst>
+              <a:ext uri="{28A0092B-C50C-407E-A947-70E740481C1C}">
+                <a14:useLocalDpi xmlns:a14="http://schemas.microsoft.com/office/drawing/2010/main" val="0"/>
+              </a:ext>
+            </a:extLst>
+          </a:blip>
+          <a:srcRect/>
+          <a:stretch>
+            <a:fillRect/>
+          </a:stretch>
+        </p:blipFill>
+        <p:spPr bwMode="auto">
+          <a:xfrm>
+            <a:off x="9402496" y="4664600"/>
+            <a:ext cx="1707736" cy="922576"/>
+          </a:xfrm>
+          <a:prstGeom prst="rect">
+            <a:avLst/>
+          </a:prstGeom>
+          <a:noFill/>
+          <a:extLst>
+            <a:ext uri="{909E8E84-426E-40DD-AFC4-6F175D3DCCD1}">
+              <a14:hiddenFill xmlns:a14="http://schemas.microsoft.com/office/drawing/2010/main">
+                <a:solidFill>
+                  <a:srgbClr val="FFFFFF"/>
+                </a:solidFill>
+              </a14:hiddenFill>
+            </a:ext>
+          </a:extLst>
+        </p:spPr>
+      </p:pic>
+      <p:pic>
+        <p:nvPicPr>
+          <p:cNvPr id="4112" name="Picture 16">
+            <a:extLst>
+              <a:ext uri="{FF2B5EF4-FFF2-40B4-BE49-F238E27FC236}">
+                <a16:creationId xmlns:a16="http://schemas.microsoft.com/office/drawing/2014/main" id="{C6B82ED0-D1EE-4B2D-BAAB-FD73EC0FBB6F}"/>
+              </a:ext>
+            </a:extLst>
+          </p:cNvPr>
+          <p:cNvPicPr>
+            <a:picLocks noChangeAspect="1" noChangeArrowheads="1"/>
+          </p:cNvPicPr>
+          <p:nvPr/>
+        </p:nvPicPr>
+        <p:blipFill>
+          <a:blip r:embed="rId7">
+            <a:extLst>
+              <a:ext uri="{28A0092B-C50C-407E-A947-70E740481C1C}">
+                <a14:useLocalDpi xmlns:a14="http://schemas.microsoft.com/office/drawing/2010/main" val="0"/>
+              </a:ext>
+            </a:extLst>
+          </a:blip>
+          <a:srcRect/>
+          <a:stretch>
+            <a:fillRect/>
+          </a:stretch>
+        </p:blipFill>
+        <p:spPr bwMode="auto">
+          <a:xfrm>
+            <a:off x="8807917" y="3002039"/>
+            <a:ext cx="2896895" cy="858884"/>
+          </a:xfrm>
+          <a:prstGeom prst="rect">
+            <a:avLst/>
+          </a:prstGeom>
+          <a:noFill/>
+          <a:extLst>
+            <a:ext uri="{909E8E84-426E-40DD-AFC4-6F175D3DCCD1}">
+              <a14:hiddenFill xmlns:a14="http://schemas.microsoft.com/office/drawing/2010/main">
+                <a:solidFill>
+                  <a:srgbClr val="FFFFFF"/>
+                </a:solidFill>
+              </a14:hiddenFill>
+            </a:ext>
+          </a:extLst>
+        </p:spPr>
+      </p:pic>
+      <p:pic>
+        <p:nvPicPr>
+          <p:cNvPr id="4114" name="Picture 18" descr="Java Logo - Marques et logos: histoire et signification | PNG">
+            <a:extLst>
+              <a:ext uri="{FF2B5EF4-FFF2-40B4-BE49-F238E27FC236}">
+                <a16:creationId xmlns:a16="http://schemas.microsoft.com/office/drawing/2014/main" id="{F9988F37-104A-4FBE-841F-D7585723753C}"/>
+              </a:ext>
+            </a:extLst>
+          </p:cNvPr>
+          <p:cNvPicPr>
+            <a:picLocks noChangeAspect="1" noChangeArrowheads="1"/>
+          </p:cNvPicPr>
+          <p:nvPr/>
+        </p:nvPicPr>
+        <p:blipFill>
+          <a:blip r:embed="rId8">
+            <a:extLst>
+              <a:ext uri="{28A0092B-C50C-407E-A947-70E740481C1C}">
+                <a14:useLocalDpi xmlns:a14="http://schemas.microsoft.com/office/drawing/2010/main" val="0"/>
+              </a:ext>
+            </a:extLst>
+          </a:blip>
+          <a:srcRect/>
+          <a:stretch>
+            <a:fillRect/>
+          </a:stretch>
+        </p:blipFill>
+        <p:spPr bwMode="auto">
+          <a:xfrm>
+            <a:off x="5472753" y="4255507"/>
+            <a:ext cx="2044501" cy="1155750"/>
+          </a:xfrm>
+          <a:prstGeom prst="rect">
+            <a:avLst/>
+          </a:prstGeom>
+          <a:noFill/>
+          <a:extLst>
+            <a:ext uri="{909E8E84-426E-40DD-AFC4-6F175D3DCCD1}">
+              <a14:hiddenFill xmlns:a14="http://schemas.microsoft.com/office/drawing/2010/main">
+                <a:solidFill>
+                  <a:srgbClr val="FFFFFF"/>
+                </a:solidFill>
+              </a14:hiddenFill>
+            </a:ext>
+          </a:extLst>
+        </p:spPr>
+      </p:pic>
+      <p:pic>
+        <p:nvPicPr>
+          <p:cNvPr id="4116" name="Picture 20">
+            <a:extLst>
+              <a:ext uri="{FF2B5EF4-FFF2-40B4-BE49-F238E27FC236}">
+                <a16:creationId xmlns:a16="http://schemas.microsoft.com/office/drawing/2014/main" id="{E84D2ED5-4D40-49CF-A840-0FF459A19C5F}"/>
+              </a:ext>
+            </a:extLst>
+          </p:cNvPr>
+          <p:cNvPicPr>
+            <a:picLocks noChangeAspect="1" noChangeArrowheads="1"/>
+          </p:cNvPicPr>
+          <p:nvPr/>
+        </p:nvPicPr>
+        <p:blipFill>
+          <a:blip r:embed="rId9">
+            <a:extLst>
+              <a:ext uri="{28A0092B-C50C-407E-A947-70E740481C1C}">
+                <a14:useLocalDpi xmlns:a14="http://schemas.microsoft.com/office/drawing/2010/main" val="0"/>
+              </a:ext>
+            </a:extLst>
+          </a:blip>
+          <a:srcRect/>
+          <a:stretch>
+            <a:fillRect/>
+          </a:stretch>
+        </p:blipFill>
+        <p:spPr bwMode="auto">
+          <a:xfrm>
+            <a:off x="7861858" y="5518966"/>
+            <a:ext cx="1022717" cy="1149658"/>
+          </a:xfrm>
+          <a:prstGeom prst="rect">
+            <a:avLst/>
+          </a:prstGeom>
+          <a:noFill/>
+          <a:extLst>
+            <a:ext uri="{909E8E84-426E-40DD-AFC4-6F175D3DCCD1}">
+              <a14:hiddenFill xmlns:a14="http://schemas.microsoft.com/office/drawing/2010/main">
+                <a:solidFill>
+                  <a:srgbClr val="FFFFFF"/>
+                </a:solidFill>
+              </a14:hiddenFill>
+            </a:ext>
+          </a:extLst>
+        </p:spPr>
+      </p:pic>
+      <p:pic>
+        <p:nvPicPr>
+          <p:cNvPr id="4118" name="Picture 22" descr="DataStax | *um">
+            <a:extLst>
+              <a:ext uri="{FF2B5EF4-FFF2-40B4-BE49-F238E27FC236}">
+                <a16:creationId xmlns:a16="http://schemas.microsoft.com/office/drawing/2014/main" id="{D0197BBD-96D7-4040-AAC2-C5AB46057BE8}"/>
+              </a:ext>
+            </a:extLst>
+          </p:cNvPr>
+          <p:cNvPicPr>
+            <a:picLocks noChangeAspect="1" noChangeArrowheads="1"/>
+          </p:cNvPicPr>
+          <p:nvPr/>
+        </p:nvPicPr>
+        <p:blipFill>
+          <a:blip r:embed="rId10">
+            <a:extLst>
+              <a:ext uri="{28A0092B-C50C-407E-A947-70E740481C1C}">
+                <a14:useLocalDpi xmlns:a14="http://schemas.microsoft.com/office/drawing/2010/main" val="0"/>
+              </a:ext>
+            </a:extLst>
+          </a:blip>
+          <a:srcRect/>
+          <a:stretch>
+            <a:fillRect/>
+          </a:stretch>
+        </p:blipFill>
+        <p:spPr bwMode="auto">
+          <a:xfrm>
+            <a:off x="78835" y="4687059"/>
+            <a:ext cx="4850871" cy="1981565"/>
+          </a:xfrm>
+          <a:prstGeom prst="rect">
+            <a:avLst/>
+          </a:prstGeom>
+          <a:noFill/>
+          <a:extLst>
+            <a:ext uri="{909E8E84-426E-40DD-AFC4-6F175D3DCCD1}">
+              <a14:hiddenFill xmlns:a14="http://schemas.microsoft.com/office/drawing/2010/main">
+                <a:solidFill>
+                  <a:srgbClr val="FFFFFF"/>
+                </a:solidFill>
+              </a14:hiddenFill>
+            </a:ext>
+          </a:extLst>
+        </p:spPr>
+      </p:pic>
+    </p:spTree>
+    <p:extLst>
+      <p:ext uri="{BB962C8B-B14F-4D97-AF65-F5344CB8AC3E}">
+        <p14:creationId xmlns:p14="http://schemas.microsoft.com/office/powerpoint/2010/main" val="2449246157"/>
+      </p:ext>
+    </p:extLst>
+  </p:cSld>
+  <p:clrMapOvr>
+    <a:masterClrMapping/>
+  </p:clrMapOvr>
+</p:sld>
+</file>
+
+<file path=ppt/slides/slide14.xml><?xml version="1.0" encoding="utf-8"?>
+<p:sld xmlns:a="http://schemas.openxmlformats.org/drawingml/2006/main" xmlns:r="http://schemas.openxmlformats.org/officeDocument/2006/relationships" xmlns:p="http://schemas.openxmlformats.org/presentationml/2006/main">
+  <p:cSld>
+    <p:spTree>
+      <p:nvGrpSpPr>
+        <p:cNvPr id="1" name=""/>
+        <p:cNvGrpSpPr/>
+        <p:nvPr/>
+      </p:nvGrpSpPr>
+      <p:grpSpPr>
+        <a:xfrm>
+          <a:off x="0" y="0"/>
+          <a:ext cx="0" cy="0"/>
+          <a:chOff x="0" y="0"/>
+          <a:chExt cx="0" cy="0"/>
+        </a:xfrm>
+      </p:grpSpPr>
+      <p:sp>
+        <p:nvSpPr>
+          <p:cNvPr id="2" name="Titre 1">
+            <a:extLst>
+              <a:ext uri="{FF2B5EF4-FFF2-40B4-BE49-F238E27FC236}">
+                <a16:creationId xmlns:a16="http://schemas.microsoft.com/office/drawing/2014/main" id="{C631573D-5B4A-4317-8348-44D1D3FAC5A6}"/>
+              </a:ext>
+            </a:extLst>
+          </p:cNvPr>
+          <p:cNvSpPr>
+            <a:spLocks noGrp="1"/>
+          </p:cNvSpPr>
+          <p:nvPr>
+            <p:ph type="title"/>
+          </p:nvPr>
+        </p:nvSpPr>
+        <p:spPr/>
+        <p:txBody>
+          <a:bodyPr/>
+          <a:lstStyle/>
+          <a:p>
+            <a:r>
+              <a:rPr lang="fr-FR" dirty="0"/>
+              <a:t>Qui utilise Cassandra ? </a:t>
+            </a:r>
+          </a:p>
+        </p:txBody>
+      </p:sp>
+      <p:grpSp>
+        <p:nvGrpSpPr>
+          <p:cNvPr id="8" name="Groupe 7">
+            <a:extLst>
+              <a:ext uri="{FF2B5EF4-FFF2-40B4-BE49-F238E27FC236}">
+                <a16:creationId xmlns:a16="http://schemas.microsoft.com/office/drawing/2014/main" id="{3352B5EA-7C72-4809-9F5D-B23600DF728E}"/>
+              </a:ext>
+            </a:extLst>
+          </p:cNvPr>
+          <p:cNvGrpSpPr/>
+          <p:nvPr/>
+        </p:nvGrpSpPr>
+        <p:grpSpPr>
+          <a:xfrm>
+            <a:off x="366130" y="2986043"/>
+            <a:ext cx="3384776" cy="1382627"/>
+            <a:chOff x="366130" y="2986043"/>
+            <a:chExt cx="3384776" cy="1382627"/>
+          </a:xfrm>
+        </p:grpSpPr>
+        <p:pic>
+          <p:nvPicPr>
+            <p:cNvPr id="3074" name="Picture 2" descr="Activision Support">
+              <a:extLst>
+                <a:ext uri="{FF2B5EF4-FFF2-40B4-BE49-F238E27FC236}">
+                  <a16:creationId xmlns:a16="http://schemas.microsoft.com/office/drawing/2014/main" id="{CB62EAE8-B4C8-48BA-8367-100EA0EA7CA8}"/>
+                </a:ext>
+              </a:extLst>
+            </p:cNvPr>
+            <p:cNvPicPr>
+              <a:picLocks noChangeAspect="1" noChangeArrowheads="1"/>
+            </p:cNvPicPr>
+            <p:nvPr/>
+          </p:nvPicPr>
+          <p:blipFill>
+            <a:blip r:embed="rId3">
+              <a:extLst>
+                <a:ext uri="{28A0092B-C50C-407E-A947-70E740481C1C}">
+                  <a14:useLocalDpi xmlns:a14="http://schemas.microsoft.com/office/drawing/2010/main" val="0"/>
+                </a:ext>
+              </a:extLst>
+            </a:blip>
+            <a:srcRect/>
+            <a:stretch>
+              <a:fillRect/>
+            </a:stretch>
+          </p:blipFill>
+          <p:spPr bwMode="auto">
+            <a:xfrm>
+              <a:off x="366130" y="2986043"/>
+              <a:ext cx="3384776" cy="933251"/>
+            </a:xfrm>
+            <a:prstGeom prst="rect">
+              <a:avLst/>
+            </a:prstGeom>
+            <a:noFill/>
+            <a:extLst>
+              <a:ext uri="{909E8E84-426E-40DD-AFC4-6F175D3DCCD1}">
+                <a14:hiddenFill xmlns:a14="http://schemas.microsoft.com/office/drawing/2010/main">
+                  <a:solidFill>
+                    <a:srgbClr val="FFFFFF"/>
+                  </a:solidFill>
+                </a14:hiddenFill>
+              </a:ext>
+            </a:extLst>
+          </p:spPr>
+        </p:pic>
+        <p:pic>
+          <p:nvPicPr>
+            <p:cNvPr id="3078" name="Picture 6" descr="Call of Duty Logo : histoire, signification de l&amp;#39;emblème">
+              <a:extLst>
+                <a:ext uri="{FF2B5EF4-FFF2-40B4-BE49-F238E27FC236}">
+                  <a16:creationId xmlns:a16="http://schemas.microsoft.com/office/drawing/2014/main" id="{6AABB397-B6A4-42E3-9B96-C49F5D16CD11}"/>
+                </a:ext>
+              </a:extLst>
+            </p:cNvPr>
+            <p:cNvPicPr>
+              <a:picLocks noChangeAspect="1" noChangeArrowheads="1"/>
+            </p:cNvPicPr>
+            <p:nvPr/>
+          </p:nvPicPr>
+          <p:blipFill>
+            <a:blip r:embed="rId4">
+              <a:extLst>
+                <a:ext uri="{28A0092B-C50C-407E-A947-70E740481C1C}">
+                  <a14:useLocalDpi xmlns:a14="http://schemas.microsoft.com/office/drawing/2010/main" val="0"/>
+                </a:ext>
+              </a:extLst>
+            </a:blip>
+            <a:srcRect/>
+            <a:stretch>
+              <a:fillRect/>
+            </a:stretch>
+          </p:blipFill>
+          <p:spPr bwMode="auto">
+            <a:xfrm>
+              <a:off x="1222312" y="3581400"/>
+              <a:ext cx="1399592" cy="787270"/>
+            </a:xfrm>
+            <a:prstGeom prst="rect">
+              <a:avLst/>
+            </a:prstGeom>
+            <a:noFill/>
+            <a:extLst>
+              <a:ext uri="{909E8E84-426E-40DD-AFC4-6F175D3DCCD1}">
+                <a14:hiddenFill xmlns:a14="http://schemas.microsoft.com/office/drawing/2010/main">
+                  <a:solidFill>
+                    <a:srgbClr val="FFFFFF"/>
+                  </a:solidFill>
+                </a14:hiddenFill>
+              </a:ext>
+            </a:extLst>
+          </p:spPr>
+        </p:pic>
+      </p:grpSp>
+      <p:pic>
+        <p:nvPicPr>
+          <p:cNvPr id="3088" name="Picture 16" descr="Apple logo - Marques et logos: histoire et signification | PNG">
+            <a:extLst>
+              <a:ext uri="{FF2B5EF4-FFF2-40B4-BE49-F238E27FC236}">
+                <a16:creationId xmlns:a16="http://schemas.microsoft.com/office/drawing/2014/main" id="{A40679CA-DA98-42D4-9756-3E2D981B7C33}"/>
+              </a:ext>
+            </a:extLst>
+          </p:cNvPr>
+          <p:cNvPicPr>
+            <a:picLocks noChangeAspect="1" noChangeArrowheads="1"/>
+          </p:cNvPicPr>
+          <p:nvPr/>
+        </p:nvPicPr>
+        <p:blipFill>
+          <a:blip r:embed="rId5">
+            <a:extLst>
+              <a:ext uri="{28A0092B-C50C-407E-A947-70E740481C1C}">
+                <a14:useLocalDpi xmlns:a14="http://schemas.microsoft.com/office/drawing/2010/main" val="0"/>
+              </a:ext>
+            </a:extLst>
+          </a:blip>
+          <a:srcRect/>
+          <a:stretch>
+            <a:fillRect/>
+          </a:stretch>
+        </p:blipFill>
+        <p:spPr bwMode="auto">
+          <a:xfrm>
+            <a:off x="4607088" y="2789886"/>
+            <a:ext cx="1988344" cy="1325563"/>
+          </a:xfrm>
+          <a:prstGeom prst="rect">
+            <a:avLst/>
+          </a:prstGeom>
+          <a:noFill/>
+          <a:extLst>
+            <a:ext uri="{909E8E84-426E-40DD-AFC4-6F175D3DCCD1}">
+              <a14:hiddenFill xmlns:a14="http://schemas.microsoft.com/office/drawing/2010/main">
+                <a:solidFill>
+                  <a:srgbClr val="FFFFFF"/>
+                </a:solidFill>
+              </a14:hiddenFill>
+            </a:ext>
+          </a:extLst>
+        </p:spPr>
+      </p:pic>
+      <p:pic>
+        <p:nvPicPr>
+          <p:cNvPr id="3090" name="Picture 18" descr="Serveur Discord - Ouverture du serveur officiel de jeu.video !">
+            <a:extLst>
+              <a:ext uri="{FF2B5EF4-FFF2-40B4-BE49-F238E27FC236}">
+                <a16:creationId xmlns:a16="http://schemas.microsoft.com/office/drawing/2014/main" id="{439E8357-A2F2-450E-AF6C-558FC247EF6F}"/>
+              </a:ext>
+            </a:extLst>
+          </p:cNvPr>
+          <p:cNvPicPr>
+            <a:picLocks noChangeAspect="1" noChangeArrowheads="1"/>
+          </p:cNvPicPr>
+          <p:nvPr/>
+        </p:nvPicPr>
+        <p:blipFill>
+          <a:blip r:embed="rId6">
+            <a:extLst>
+              <a:ext uri="{28A0092B-C50C-407E-A947-70E740481C1C}">
+                <a14:useLocalDpi xmlns:a14="http://schemas.microsoft.com/office/drawing/2010/main" val="0"/>
+              </a:ext>
+            </a:extLst>
+          </a:blip>
+          <a:srcRect/>
+          <a:stretch>
+            <a:fillRect/>
+          </a:stretch>
+        </p:blipFill>
+        <p:spPr bwMode="auto">
+          <a:xfrm>
+            <a:off x="7451614" y="2625501"/>
+            <a:ext cx="1606998" cy="1606998"/>
+          </a:xfrm>
+          <a:prstGeom prst="rect">
+            <a:avLst/>
+          </a:prstGeom>
+          <a:noFill/>
+          <a:extLst>
+            <a:ext uri="{909E8E84-426E-40DD-AFC4-6F175D3DCCD1}">
+              <a14:hiddenFill xmlns:a14="http://schemas.microsoft.com/office/drawing/2010/main">
+                <a:solidFill>
+                  <a:srgbClr val="FFFFFF"/>
+                </a:solidFill>
+              </a14:hiddenFill>
+            </a:ext>
+          </a:extLst>
+        </p:spPr>
+      </p:pic>
+      <p:pic>
+        <p:nvPicPr>
+          <p:cNvPr id="3092" name="Picture 20" descr="Autocollant Logo Instagram | WebStickersMuraux.com">
+            <a:extLst>
+              <a:ext uri="{FF2B5EF4-FFF2-40B4-BE49-F238E27FC236}">
+                <a16:creationId xmlns:a16="http://schemas.microsoft.com/office/drawing/2014/main" id="{4CF65672-53CC-465E-B8BC-7EA2CB903C7C}"/>
+              </a:ext>
+            </a:extLst>
+          </p:cNvPr>
+          <p:cNvPicPr>
+            <a:picLocks noChangeAspect="1" noChangeArrowheads="1"/>
+          </p:cNvPicPr>
+          <p:nvPr/>
+        </p:nvPicPr>
+        <p:blipFill>
+          <a:blip r:embed="rId7">
+            <a:extLst>
+              <a:ext uri="{28A0092B-C50C-407E-A947-70E740481C1C}">
+                <a14:useLocalDpi xmlns:a14="http://schemas.microsoft.com/office/drawing/2010/main" val="0"/>
+              </a:ext>
+            </a:extLst>
+          </a:blip>
+          <a:srcRect/>
+          <a:stretch>
+            <a:fillRect/>
+          </a:stretch>
+        </p:blipFill>
+        <p:spPr bwMode="auto">
+          <a:xfrm>
+            <a:off x="9809534" y="2458495"/>
+            <a:ext cx="1988344" cy="1988344"/>
+          </a:xfrm>
+          <a:prstGeom prst="rect">
+            <a:avLst/>
+          </a:prstGeom>
+          <a:noFill/>
+          <a:extLst>
+            <a:ext uri="{909E8E84-426E-40DD-AFC4-6F175D3DCCD1}">
+              <a14:hiddenFill xmlns:a14="http://schemas.microsoft.com/office/drawing/2010/main">
+                <a:solidFill>
+                  <a:srgbClr val="FFFFFF"/>
+                </a:solidFill>
+              </a14:hiddenFill>
+            </a:ext>
+          </a:extLst>
+        </p:spPr>
+      </p:pic>
+      <p:pic>
+        <p:nvPicPr>
+          <p:cNvPr id="3094" name="Picture 22" descr="Netflix logo - Marques et logos: histoire et signification | PNG">
+            <a:extLst>
+              <a:ext uri="{FF2B5EF4-FFF2-40B4-BE49-F238E27FC236}">
+                <a16:creationId xmlns:a16="http://schemas.microsoft.com/office/drawing/2014/main" id="{A35E57E3-DF90-4587-9A1E-492AA02E54DB}"/>
+              </a:ext>
+            </a:extLst>
+          </p:cNvPr>
+          <p:cNvPicPr>
+            <a:picLocks noChangeAspect="1" noChangeArrowheads="1"/>
+          </p:cNvPicPr>
+          <p:nvPr/>
+        </p:nvPicPr>
+        <p:blipFill>
+          <a:blip r:embed="rId8">
+            <a:extLst>
+              <a:ext uri="{28A0092B-C50C-407E-A947-70E740481C1C}">
+                <a14:useLocalDpi xmlns:a14="http://schemas.microsoft.com/office/drawing/2010/main" val="0"/>
+              </a:ext>
+            </a:extLst>
+          </a:blip>
+          <a:srcRect/>
+          <a:stretch>
+            <a:fillRect/>
+          </a:stretch>
+        </p:blipFill>
+        <p:spPr bwMode="auto">
+          <a:xfrm>
+            <a:off x="3793194" y="5214647"/>
+            <a:ext cx="1808066" cy="1017037"/>
+          </a:xfrm>
+          <a:prstGeom prst="rect">
+            <a:avLst/>
+          </a:prstGeom>
+          <a:noFill/>
+          <a:extLst>
+            <a:ext uri="{909E8E84-426E-40DD-AFC4-6F175D3DCCD1}">
+              <a14:hiddenFill xmlns:a14="http://schemas.microsoft.com/office/drawing/2010/main">
+                <a:solidFill>
+                  <a:srgbClr val="FFFFFF"/>
+                </a:solidFill>
+              </a14:hiddenFill>
+            </a:ext>
+          </a:extLst>
+        </p:spPr>
+      </p:pic>
+      <p:pic>
+        <p:nvPicPr>
+          <p:cNvPr id="3096" name="Picture 24">
+            <a:extLst>
+              <a:ext uri="{FF2B5EF4-FFF2-40B4-BE49-F238E27FC236}">
+                <a16:creationId xmlns:a16="http://schemas.microsoft.com/office/drawing/2014/main" id="{7FEA2988-D4EC-496F-A0D7-704CE034D43F}"/>
+              </a:ext>
+            </a:extLst>
+          </p:cNvPr>
+          <p:cNvPicPr>
+            <a:picLocks noChangeAspect="1" noChangeArrowheads="1"/>
+          </p:cNvPicPr>
+          <p:nvPr/>
+        </p:nvPicPr>
+        <p:blipFill>
+          <a:blip r:embed="rId9">
+            <a:extLst>
+              <a:ext uri="{28A0092B-C50C-407E-A947-70E740481C1C}">
+                <a14:useLocalDpi xmlns:a14="http://schemas.microsoft.com/office/drawing/2010/main" val="0"/>
+              </a:ext>
+            </a:extLst>
+          </a:blip>
+          <a:srcRect/>
+          <a:stretch>
+            <a:fillRect/>
+          </a:stretch>
+        </p:blipFill>
+        <p:spPr bwMode="auto">
+          <a:xfrm>
+            <a:off x="6412919" y="5331697"/>
+            <a:ext cx="2645693" cy="795775"/>
+          </a:xfrm>
+          <a:prstGeom prst="rect">
+            <a:avLst/>
+          </a:prstGeom>
+          <a:noFill/>
+          <a:extLst>
+            <a:ext uri="{909E8E84-426E-40DD-AFC4-6F175D3DCCD1}">
+              <a14:hiddenFill xmlns:a14="http://schemas.microsoft.com/office/drawing/2010/main">
+                <a:solidFill>
+                  <a:srgbClr val="FFFFFF"/>
+                </a:solidFill>
+              </a14:hiddenFill>
+            </a:ext>
+          </a:extLst>
+        </p:spPr>
+      </p:pic>
+    </p:spTree>
+    <p:extLst>
+      <p:ext uri="{BB962C8B-B14F-4D97-AF65-F5344CB8AC3E}">
+        <p14:creationId xmlns:p14="http://schemas.microsoft.com/office/powerpoint/2010/main" val="1822991284"/>
+      </p:ext>
+    </p:extLst>
+  </p:cSld>
+  <p:clrMapOvr>
+    <a:masterClrMapping/>
+  </p:clrMapOvr>
+</p:sld>
+</file>
+
+<file path=ppt/slides/slide15.xml><?xml version="1.0" encoding="utf-8"?>
+<p:sld xmlns:a="http://schemas.openxmlformats.org/drawingml/2006/main" xmlns:r="http://schemas.openxmlformats.org/officeDocument/2006/relationships" xmlns:p="http://schemas.openxmlformats.org/presentationml/2006/main">
+  <p:cSld>
+    <p:spTree>
+      <p:nvGrpSpPr>
+        <p:cNvPr id="1" name=""/>
+        <p:cNvGrpSpPr/>
+        <p:nvPr/>
+      </p:nvGrpSpPr>
+      <p:grpSpPr>
+        <a:xfrm>
+          <a:off x="0" y="0"/>
+          <a:ext cx="0" cy="0"/>
+          <a:chOff x="0" y="0"/>
+          <a:chExt cx="0" cy="0"/>
+        </a:xfrm>
+      </p:grpSpPr>
+      <p:sp>
+        <p:nvSpPr>
+          <p:cNvPr id="2" name="Titre 1">
+            <a:extLst>
+              <a:ext uri="{FF2B5EF4-FFF2-40B4-BE49-F238E27FC236}">
+                <a16:creationId xmlns:a16="http://schemas.microsoft.com/office/drawing/2014/main" id="{D20846F5-8CE6-4D0E-8E33-67E82FC9101C}"/>
+              </a:ext>
+            </a:extLst>
+          </p:cNvPr>
+          <p:cNvSpPr>
+            <a:spLocks noGrp="1"/>
+          </p:cNvSpPr>
+          <p:nvPr>
+            <p:ph type="title"/>
+          </p:nvPr>
+        </p:nvSpPr>
+        <p:spPr/>
+        <p:txBody>
+          <a:bodyPr/>
+          <a:lstStyle/>
+          <a:p>
+            <a:r>
+              <a:rPr lang="fr-FR" dirty="0"/>
+              <a:t>Pour résumer sur Cassandra</a:t>
+            </a:r>
+          </a:p>
+        </p:txBody>
+      </p:sp>
+      <p:sp>
+        <p:nvSpPr>
+          <p:cNvPr id="3" name="Espace réservé du contenu 2">
+            <a:extLst>
+              <a:ext uri="{FF2B5EF4-FFF2-40B4-BE49-F238E27FC236}">
+                <a16:creationId xmlns:a16="http://schemas.microsoft.com/office/drawing/2014/main" id="{222FFEC1-E0AA-4520-956D-8078540E0F7C}"/>
+              </a:ext>
+            </a:extLst>
+          </p:cNvPr>
+          <p:cNvSpPr>
+            <a:spLocks noGrp="1"/>
+          </p:cNvSpPr>
+          <p:nvPr>
+            <p:ph idx="1"/>
+          </p:nvPr>
+        </p:nvSpPr>
+        <p:spPr/>
+        <p:txBody>
+          <a:bodyPr/>
+          <a:lstStyle/>
+          <a:p>
+            <a:endParaRPr lang="fr-FR"/>
+          </a:p>
+        </p:txBody>
+      </p:sp>
+    </p:spTree>
+    <p:extLst>
+      <p:ext uri="{BB962C8B-B14F-4D97-AF65-F5344CB8AC3E}">
+        <p14:creationId xmlns:p14="http://schemas.microsoft.com/office/powerpoint/2010/main" val="2101011637"/>
+      </p:ext>
+    </p:extLst>
+  </p:cSld>
+  <p:clrMapOvr>
+    <a:masterClrMapping/>
+  </p:clrMapOvr>
+</p:sld>
+</file>
+
+<file path=ppt/slides/slide16.xml><?xml version="1.0" encoding="utf-8"?>
+<p:sld xmlns:a="http://schemas.openxmlformats.org/drawingml/2006/main" xmlns:r="http://schemas.openxmlformats.org/officeDocument/2006/relationships" xmlns:p="http://schemas.openxmlformats.org/presentationml/2006/main">
+  <p:cSld>
+    <p:spTree>
+      <p:nvGrpSpPr>
+        <p:cNvPr id="1" name=""/>
+        <p:cNvGrpSpPr/>
+        <p:nvPr/>
+      </p:nvGrpSpPr>
+      <p:grpSpPr>
+        <a:xfrm>
+          <a:off x="0" y="0"/>
+          <a:ext cx="0" cy="0"/>
+          <a:chOff x="0" y="0"/>
+          <a:chExt cx="0" cy="0"/>
+        </a:xfrm>
+      </p:grpSpPr>
+      <p:sp>
+        <p:nvSpPr>
+          <p:cNvPr id="2" name="Titre 1">
+            <a:extLst>
+              <a:ext uri="{FF2B5EF4-FFF2-40B4-BE49-F238E27FC236}">
+                <a16:creationId xmlns:a16="http://schemas.microsoft.com/office/drawing/2014/main" id="{E9B6083C-1ADE-4E1C-A560-F7B75C0C00C2}"/>
+              </a:ext>
+            </a:extLst>
+          </p:cNvPr>
+          <p:cNvSpPr>
+            <a:spLocks noGrp="1"/>
+          </p:cNvSpPr>
+          <p:nvPr>
+            <p:ph type="title"/>
+          </p:nvPr>
+        </p:nvSpPr>
+        <p:spPr/>
+        <p:txBody>
+          <a:bodyPr/>
+          <a:lstStyle/>
+          <a:p>
+            <a:r>
+              <a:rPr lang="fr-FR" dirty="0"/>
+              <a:t>Comparaison</a:t>
+            </a:r>
+          </a:p>
+        </p:txBody>
+      </p:sp>
+      <p:sp>
+        <p:nvSpPr>
+          <p:cNvPr id="3" name="Espace réservé du contenu 2">
+            <a:extLst>
+              <a:ext uri="{FF2B5EF4-FFF2-40B4-BE49-F238E27FC236}">
+                <a16:creationId xmlns:a16="http://schemas.microsoft.com/office/drawing/2014/main" id="{8A20FEC5-E2AD-44E5-AD91-D259768B7AE7}"/>
+              </a:ext>
+            </a:extLst>
+          </p:cNvPr>
+          <p:cNvSpPr>
+            <a:spLocks noGrp="1"/>
+          </p:cNvSpPr>
+          <p:nvPr>
+            <p:ph idx="1"/>
+          </p:nvPr>
+        </p:nvSpPr>
+        <p:spPr/>
+        <p:txBody>
+          <a:bodyPr/>
+          <a:lstStyle/>
+          <a:p>
+            <a:endParaRPr lang="fr-FR"/>
+          </a:p>
+        </p:txBody>
+      </p:sp>
+    </p:spTree>
+    <p:extLst>
+      <p:ext uri="{BB962C8B-B14F-4D97-AF65-F5344CB8AC3E}">
+        <p14:creationId xmlns:p14="http://schemas.microsoft.com/office/powerpoint/2010/main" val="3301844615"/>
+      </p:ext>
+    </p:extLst>
+  </p:cSld>
+  <p:clrMapOvr>
+    <a:masterClrMapping/>
+  </p:clrMapOvr>
+</p:sld>
+</file>
+
+<file path=ppt/slides/slide17.xml><?xml version="1.0" encoding="utf-8"?>
+<p:sld xmlns:a="http://schemas.openxmlformats.org/drawingml/2006/main" xmlns:r="http://schemas.openxmlformats.org/officeDocument/2006/relationships" xmlns:p="http://schemas.openxmlformats.org/presentationml/2006/main">
+  <p:cSld>
+    <p:spTree>
+      <p:nvGrpSpPr>
+        <p:cNvPr id="1" name=""/>
+        <p:cNvGrpSpPr/>
+        <p:nvPr/>
+      </p:nvGrpSpPr>
+      <p:grpSpPr>
+        <a:xfrm>
+          <a:off x="0" y="0"/>
+          <a:ext cx="0" cy="0"/>
+          <a:chOff x="0" y="0"/>
+          <a:chExt cx="0" cy="0"/>
+        </a:xfrm>
+      </p:grpSpPr>
+      <p:sp>
+        <p:nvSpPr>
+          <p:cNvPr id="2" name="Titre 1">
+            <a:extLst>
+              <a:ext uri="{FF2B5EF4-FFF2-40B4-BE49-F238E27FC236}">
+                <a16:creationId xmlns:a16="http://schemas.microsoft.com/office/drawing/2014/main" id="{083EE924-F9A7-41BA-BE8F-6E9C49CB1167}"/>
+              </a:ext>
+            </a:extLst>
+          </p:cNvPr>
+          <p:cNvSpPr>
+            <a:spLocks noGrp="1"/>
+          </p:cNvSpPr>
+          <p:nvPr>
+            <p:ph type="title"/>
+          </p:nvPr>
+        </p:nvSpPr>
+        <p:spPr/>
+        <p:txBody>
+          <a:bodyPr/>
+          <a:lstStyle/>
+          <a:p>
+            <a:r>
+              <a:rPr lang="fr-FR"/>
+              <a:t>Bibliographie</a:t>
+            </a:r>
+          </a:p>
+        </p:txBody>
+      </p:sp>
+      <p:sp>
+        <p:nvSpPr>
+          <p:cNvPr id="3" name="Espace réservé du contenu 2">
+            <a:extLst>
+              <a:ext uri="{FF2B5EF4-FFF2-40B4-BE49-F238E27FC236}">
+                <a16:creationId xmlns:a16="http://schemas.microsoft.com/office/drawing/2014/main" id="{034CE527-4280-4FFB-A8C6-38352CF0DD6A}"/>
+              </a:ext>
+            </a:extLst>
+          </p:cNvPr>
+          <p:cNvSpPr>
+            <a:spLocks noGrp="1"/>
+          </p:cNvSpPr>
+          <p:nvPr>
+            <p:ph idx="1"/>
+          </p:nvPr>
+        </p:nvSpPr>
+        <p:spPr/>
+        <p:txBody>
+          <a:bodyPr>
+            <a:normAutofit lnSpcReduction="10000"/>
+          </a:bodyPr>
+          <a:lstStyle/>
+          <a:p>
+            <a:r>
+              <a:rPr lang="fr-FR">
+                <a:hlinkClick r:id="rId2"/>
+              </a:rPr>
+              <a:t>https://data-flair.training/blogs/hadoop-vs-cassandra/</a:t>
+            </a:r>
+            <a:endParaRPr lang="fr-FR"/>
+          </a:p>
+          <a:p>
+            <a:r>
+              <a:rPr lang="fr-FR">
+                <a:hlinkClick r:id="rId3"/>
+              </a:rPr>
+              <a:t>https://www.datastax.com/compare/hadoop-cassandra-architecture-comparison</a:t>
+            </a:r>
+            <a:endParaRPr lang="fr-FR"/>
+          </a:p>
+          <a:p>
+            <a:r>
+              <a:rPr lang="fr-FR">
+                <a:hlinkClick r:id="rId4"/>
+              </a:rPr>
+              <a:t>https://www.qubole.com/blog/cassandra-vs-hadoop/</a:t>
+            </a:r>
+            <a:endParaRPr lang="fr-FR"/>
+          </a:p>
+          <a:p>
+            <a:r>
+              <a:rPr lang="fr-FR">
+                <a:hlinkClick r:id="rId5"/>
+              </a:rPr>
+              <a:t>https://www.geeksforgeeks.org/difference-between-hadoop-and-cassandra/</a:t>
+            </a:r>
+            <a:endParaRPr lang="fr-FR"/>
+          </a:p>
+          <a:p>
+            <a:r>
+              <a:rPr lang="fr-FR">
+                <a:hlinkClick r:id="rId6"/>
+              </a:rPr>
+              <a:t>https://www.lebigdata.fr/apache-cassandra-definition</a:t>
+            </a:r>
+            <a:endParaRPr lang="fr-FR"/>
+          </a:p>
+          <a:p>
+            <a:r>
+              <a:rPr lang="fr-FR">
+                <a:hlinkClick r:id="rId7"/>
+              </a:rPr>
+              <a:t>https://www.talend.com/fr/resources/what-is-hadoop/</a:t>
+            </a:r>
+            <a:endParaRPr lang="fr-FR"/>
+          </a:p>
+          <a:p>
+            <a:r>
+              <a:rPr lang="fr-FR">
+                <a:hlinkClick r:id="rId8"/>
+              </a:rPr>
+              <a:t>https://www.theseattledataguy.com/5-great-big-data-tools-for-the-future-from-hadoop-to-cassandra/#page-content</a:t>
+            </a:r>
+            <a:endParaRPr lang="fr-FR"/>
+          </a:p>
+          <a:p>
+            <a:endParaRPr lang="fr-FR"/>
+          </a:p>
+          <a:p>
+            <a:endParaRPr lang="fr-FR"/>
+          </a:p>
+          <a:p>
+            <a:endParaRPr lang="fr-FR"/>
+          </a:p>
+        </p:txBody>
+      </p:sp>
+    </p:spTree>
+    <p:extLst>
+      <p:ext uri="{BB962C8B-B14F-4D97-AF65-F5344CB8AC3E}">
+        <p14:creationId xmlns:p14="http://schemas.microsoft.com/office/powerpoint/2010/main" val="109891231"/>
+      </p:ext>
+    </p:extLst>
+  </p:cSld>
+  <p:clrMapOvr>
+    <a:masterClrMapping/>
+  </p:clrMapOvr>
+</p:sld>
+</file>
+
 <file path=ppt/slides/slide2.xml><?xml version="1.0" encoding="utf-8"?>
 <p:sld xmlns:a="http://schemas.openxmlformats.org/drawingml/2006/main" xmlns:r="http://schemas.openxmlformats.org/officeDocument/2006/relationships" xmlns:p="http://schemas.openxmlformats.org/presentationml/2006/main">
   <p:cSld>
@@ -3672,10 +7183,10 @@
       </p:grpSpPr>
       <p:sp>
         <p:nvSpPr>
-          <p:cNvPr id="2" name="Titre 1">
-            <a:extLst>
-              <a:ext uri="{FF2B5EF4-FFF2-40B4-BE49-F238E27FC236}">
-                <a16:creationId xmlns:a16="http://schemas.microsoft.com/office/drawing/2014/main" id="{10929B96-28DC-4754-A26E-E8B92ED1CEBC}"/>
+          <p:cNvPr id="4" name="Titre 3">
+            <a:extLst>
+              <a:ext uri="{FF2B5EF4-FFF2-40B4-BE49-F238E27FC236}">
+                <a16:creationId xmlns:a16="http://schemas.microsoft.com/office/drawing/2014/main" id="{52905993-A4FA-4150-8CD8-3A5C97ED2BDC}"/>
               </a:ext>
             </a:extLst>
           </p:cNvPr>
@@ -3691,19 +7202,16 @@
           <a:bodyPr/>
           <a:lstStyle/>
           <a:p>
-            <a:r>
-              <a:rPr lang="fr-FR" dirty="0"/>
-              <a:t>Transition Big Data -&gt; Hadoop</a:t>
-            </a:r>
-          </a:p>
-        </p:txBody>
-      </p:sp>
-      <p:sp>
-        <p:nvSpPr>
-          <p:cNvPr id="3" name="Espace réservé du contenu 2">
-            <a:extLst>
-              <a:ext uri="{FF2B5EF4-FFF2-40B4-BE49-F238E27FC236}">
-                <a16:creationId xmlns:a16="http://schemas.microsoft.com/office/drawing/2014/main" id="{3527D2A5-A5DD-4013-99D8-6B622FB788C7}"/>
+            <a:endParaRPr lang="fr-FR"/>
+          </a:p>
+        </p:txBody>
+      </p:sp>
+      <p:sp>
+        <p:nvSpPr>
+          <p:cNvPr id="5" name="Espace réservé du contenu 4">
+            <a:extLst>
+              <a:ext uri="{FF2B5EF4-FFF2-40B4-BE49-F238E27FC236}">
+                <a16:creationId xmlns:a16="http://schemas.microsoft.com/office/drawing/2014/main" id="{619C3853-7FF9-4800-A9D4-6A869CA6C257}"/>
               </a:ext>
             </a:extLst>
           </p:cNvPr>
@@ -3721,67 +7229,30 @@
           <a:p>
             <a:r>
               <a:rPr lang="fr-FR" dirty="0"/>
-              <a:t> </a:t>
-            </a:r>
-            <a:r>
-              <a:rPr lang="fr-FR" dirty="0">
-                <a:solidFill>
-                  <a:srgbClr val="FF0000"/>
-                </a:solidFill>
-              </a:rPr>
-              <a:t>Pas</a:t>
-            </a:r>
+              <a:t>Big Data </a:t>
+            </a:r>
+            <a:r>
+              <a:rPr lang="fr-FR"/>
+              <a:t>= Introduction</a:t>
+            </a:r>
+            <a:endParaRPr lang="fr-FR" dirty="0"/>
+          </a:p>
+          <a:p>
             <a:r>
               <a:rPr lang="fr-FR" dirty="0"/>
-              <a:t> une technologie mais </a:t>
-            </a:r>
-            <a:r>
-              <a:rPr lang="fr-FR" b="1" dirty="0">
-                <a:solidFill>
-                  <a:srgbClr val="FF0000"/>
-                </a:solidFill>
-              </a:rPr>
-              <a:t>des</a:t>
-            </a:r>
+              <a:t>Hadoop</a:t>
+            </a:r>
+          </a:p>
+          <a:p>
             <a:r>
               <a:rPr lang="fr-FR" dirty="0"/>
-              <a:t> technologies Big Data</a:t>
-            </a:r>
-          </a:p>
-          <a:p>
-            <a:pPr lvl="1"/>
+              <a:t>Cassandra</a:t>
+            </a:r>
+          </a:p>
+          <a:p>
             <a:r>
               <a:rPr lang="fr-FR" dirty="0"/>
-              <a:t>Hadoop est une technologie Big Data</a:t>
-            </a:r>
-          </a:p>
-          <a:p>
-            <a:pPr lvl="1"/>
-            <a:r>
-              <a:rPr lang="fr-FR" dirty="0"/>
-              <a:t>Mais </a:t>
-            </a:r>
-            <a:r>
-              <a:rPr lang="fr-FR" b="1" dirty="0"/>
-              <a:t>le Big Data ne se résume pas à Hadoop</a:t>
-            </a:r>
-            <a:r>
-              <a:rPr lang="fr-FR" dirty="0"/>
-              <a:t> et son </a:t>
-            </a:r>
-            <a:r>
-              <a:rPr lang="fr-FR" dirty="0" err="1"/>
-              <a:t>éco-système</a:t>
-            </a:r>
-            <a:endParaRPr lang="fr-FR" dirty="0"/>
-          </a:p>
-          <a:p>
-            <a:endParaRPr lang="fr-FR" dirty="0"/>
-          </a:p>
-          <a:p>
-            <a:r>
-              <a:rPr lang="fr-FR" dirty="0"/>
-              <a:t>Des outils spécifiques pour des cas d’usages précis</a:t>
+              <a:t>Comparaison = Conclusion</a:t>
             </a:r>
           </a:p>
         </p:txBody>
@@ -3789,7 +7260,7 @@
     </p:spTree>
     <p:extLst>
       <p:ext uri="{BB962C8B-B14F-4D97-AF65-F5344CB8AC3E}">
-        <p14:creationId xmlns:p14="http://schemas.microsoft.com/office/powerpoint/2010/main" val="2014102630"/>
+        <p14:creationId xmlns:p14="http://schemas.microsoft.com/office/powerpoint/2010/main" val="2431344950"/>
       </p:ext>
     </p:extLst>
   </p:cSld>
@@ -3821,7 +7292,7 @@
           <p:cNvPr id="2" name="Titre 1">
             <a:extLst>
               <a:ext uri="{FF2B5EF4-FFF2-40B4-BE49-F238E27FC236}">
-                <a16:creationId xmlns:a16="http://schemas.microsoft.com/office/drawing/2014/main" id="{6A7AB70A-D6C5-4D08-964C-FC050B1AEE56}"/>
+                <a16:creationId xmlns:a16="http://schemas.microsoft.com/office/drawing/2014/main" id="{10929B96-28DC-4754-A26E-E8B92ED1CEBC}"/>
               </a:ext>
             </a:extLst>
           </p:cNvPr>
@@ -3838,8 +7309,8 @@
           <a:lstStyle/>
           <a:p>
             <a:r>
-              <a:rPr lang="fr-FR" dirty="0"/>
-              <a:t>Hadoop</a:t>
+              <a:rPr lang="fr-FR"/>
+              <a:t>Transition Big Data -&gt; Hadoop</a:t>
             </a:r>
           </a:p>
         </p:txBody>
@@ -3849,7 +7320,7 @@
           <p:cNvPr id="3" name="Espace réservé du contenu 2">
             <a:extLst>
               <a:ext uri="{FF2B5EF4-FFF2-40B4-BE49-F238E27FC236}">
-                <a16:creationId xmlns:a16="http://schemas.microsoft.com/office/drawing/2014/main" id="{B9368BF7-E070-4825-AF5F-458412986657}"/>
+                <a16:creationId xmlns:a16="http://schemas.microsoft.com/office/drawing/2014/main" id="{3527D2A5-A5DD-4013-99D8-6B622FB788C7}"/>
               </a:ext>
             </a:extLst>
           </p:cNvPr>
@@ -3865,14 +7336,77 @@
           <a:bodyPr/>
           <a:lstStyle/>
           <a:p>
+            <a:r>
+              <a:rPr lang="fr-FR"/>
+              <a:t> </a:t>
+            </a:r>
+            <a:r>
+              <a:rPr lang="fr-FR">
+                <a:solidFill>
+                  <a:srgbClr val="FF0000"/>
+                </a:solidFill>
+              </a:rPr>
+              <a:t>Pas</a:t>
+            </a:r>
+            <a:r>
+              <a:rPr lang="fr-FR"/>
+              <a:t> une technologie mais </a:t>
+            </a:r>
+            <a:r>
+              <a:rPr lang="fr-FR" b="1">
+                <a:solidFill>
+                  <a:srgbClr val="FF0000"/>
+                </a:solidFill>
+              </a:rPr>
+              <a:t>des</a:t>
+            </a:r>
+            <a:r>
+              <a:rPr lang="fr-FR"/>
+              <a:t> technologies Big Data</a:t>
+            </a:r>
+          </a:p>
+          <a:p>
+            <a:pPr lvl="1"/>
+            <a:r>
+              <a:rPr lang="fr-FR"/>
+              <a:t>Hadoop est une technologie Big Data</a:t>
+            </a:r>
+          </a:p>
+          <a:p>
+            <a:pPr lvl="1"/>
+            <a:r>
+              <a:rPr lang="fr-FR"/>
+              <a:t>Mais </a:t>
+            </a:r>
+            <a:r>
+              <a:rPr lang="fr-FR" b="1"/>
+              <a:t>le Big Data ne se résume pas à Hadoop</a:t>
+            </a:r>
+            <a:r>
+              <a:rPr lang="fr-FR"/>
+              <a:t> et son </a:t>
+            </a:r>
+            <a:r>
+              <a:rPr lang="fr-FR" err="1"/>
+              <a:t>éco-système</a:t>
+            </a:r>
             <a:endParaRPr lang="fr-FR"/>
+          </a:p>
+          <a:p>
+            <a:endParaRPr lang="fr-FR"/>
+          </a:p>
+          <a:p>
+            <a:r>
+              <a:rPr lang="fr-FR"/>
+              <a:t>Des outils spécifiques pour des cas d’usages précis</a:t>
+            </a:r>
           </a:p>
         </p:txBody>
       </p:sp>
     </p:spTree>
     <p:extLst>
       <p:ext uri="{BB962C8B-B14F-4D97-AF65-F5344CB8AC3E}">
-        <p14:creationId xmlns:p14="http://schemas.microsoft.com/office/powerpoint/2010/main" val="2392552207"/>
+        <p14:creationId xmlns:p14="http://schemas.microsoft.com/office/powerpoint/2010/main" val="2014102630"/>
       </p:ext>
     </p:extLst>
   </p:cSld>
@@ -3904,7 +7438,7 @@
           <p:cNvPr id="2" name="Titre 1">
             <a:extLst>
               <a:ext uri="{FF2B5EF4-FFF2-40B4-BE49-F238E27FC236}">
-                <a16:creationId xmlns:a16="http://schemas.microsoft.com/office/drawing/2014/main" id="{9E9E0FB2-74C2-4D42-993E-9D9047EDC010}"/>
+                <a16:creationId xmlns:a16="http://schemas.microsoft.com/office/drawing/2014/main" id="{6A7AB70A-D6C5-4D08-964C-FC050B1AEE56}"/>
               </a:ext>
             </a:extLst>
           </p:cNvPr>
@@ -3929,6 +7463,308 @@
             </a:br>
             <a:r>
               <a:rPr lang="fr-FR" dirty="0"/>
+              <a:t>Qu’est-ce que c’est ?</a:t>
+            </a:r>
+          </a:p>
+        </p:txBody>
+      </p:sp>
+      <p:sp>
+        <p:nvSpPr>
+          <p:cNvPr id="3" name="Espace réservé du contenu 2">
+            <a:extLst>
+              <a:ext uri="{FF2B5EF4-FFF2-40B4-BE49-F238E27FC236}">
+                <a16:creationId xmlns:a16="http://schemas.microsoft.com/office/drawing/2014/main" id="{B9368BF7-E070-4825-AF5F-458412986657}"/>
+              </a:ext>
+            </a:extLst>
+          </p:cNvPr>
+          <p:cNvSpPr>
+            <a:spLocks noGrp="1"/>
+          </p:cNvSpPr>
+          <p:nvPr>
+            <p:ph idx="1"/>
+          </p:nvPr>
+        </p:nvSpPr>
+        <p:spPr/>
+        <p:txBody>
+          <a:bodyPr/>
+          <a:lstStyle/>
+          <a:p>
+            <a:endParaRPr lang="fr-FR"/>
+          </a:p>
+        </p:txBody>
+      </p:sp>
+    </p:spTree>
+    <p:extLst>
+      <p:ext uri="{BB962C8B-B14F-4D97-AF65-F5344CB8AC3E}">
+        <p14:creationId xmlns:p14="http://schemas.microsoft.com/office/powerpoint/2010/main" val="2392552207"/>
+      </p:ext>
+    </p:extLst>
+  </p:cSld>
+  <p:clrMapOvr>
+    <a:masterClrMapping/>
+  </p:clrMapOvr>
+</p:sld>
+</file>
+
+<file path=ppt/slides/slide5.xml><?xml version="1.0" encoding="utf-8"?>
+<p:sld xmlns:a="http://schemas.openxmlformats.org/drawingml/2006/main" xmlns:r="http://schemas.openxmlformats.org/officeDocument/2006/relationships" xmlns:p="http://schemas.openxmlformats.org/presentationml/2006/main">
+  <p:cSld>
+    <p:spTree>
+      <p:nvGrpSpPr>
+        <p:cNvPr id="1" name=""/>
+        <p:cNvGrpSpPr/>
+        <p:nvPr/>
+      </p:nvGrpSpPr>
+      <p:grpSpPr>
+        <a:xfrm>
+          <a:off x="0" y="0"/>
+          <a:ext cx="0" cy="0"/>
+          <a:chOff x="0" y="0"/>
+          <a:chExt cx="0" cy="0"/>
+        </a:xfrm>
+      </p:grpSpPr>
+      <p:sp>
+        <p:nvSpPr>
+          <p:cNvPr id="2" name="Titre 1">
+            <a:extLst>
+              <a:ext uri="{FF2B5EF4-FFF2-40B4-BE49-F238E27FC236}">
+                <a16:creationId xmlns:a16="http://schemas.microsoft.com/office/drawing/2014/main" id="{6A7AB70A-D6C5-4D08-964C-FC050B1AEE56}"/>
+              </a:ext>
+            </a:extLst>
+          </p:cNvPr>
+          <p:cNvSpPr>
+            <a:spLocks noGrp="1"/>
+          </p:cNvSpPr>
+          <p:nvPr>
+            <p:ph type="title"/>
+          </p:nvPr>
+        </p:nvSpPr>
+        <p:spPr/>
+        <p:txBody>
+          <a:bodyPr>
+            <a:normAutofit fontScale="90000"/>
+          </a:bodyPr>
+          <a:lstStyle/>
+          <a:p>
+            <a:r>
+              <a:rPr lang="fr-FR" dirty="0"/>
+              <a:t>Hadoop</a:t>
+            </a:r>
+            <a:br>
+              <a:rPr lang="fr-FR" dirty="0"/>
+            </a:br>
+            <a:r>
+              <a:rPr lang="fr-FR" sz="4000" dirty="0"/>
+              <a:t>Comment Hadoop résout le problème du Big Data ?</a:t>
+            </a:r>
+            <a:endParaRPr lang="fr-FR" dirty="0"/>
+          </a:p>
+        </p:txBody>
+      </p:sp>
+      <p:sp>
+        <p:nvSpPr>
+          <p:cNvPr id="3" name="Espace réservé du contenu 2">
+            <a:extLst>
+              <a:ext uri="{FF2B5EF4-FFF2-40B4-BE49-F238E27FC236}">
+                <a16:creationId xmlns:a16="http://schemas.microsoft.com/office/drawing/2014/main" id="{B9368BF7-E070-4825-AF5F-458412986657}"/>
+              </a:ext>
+            </a:extLst>
+          </p:cNvPr>
+          <p:cNvSpPr>
+            <a:spLocks noGrp="1"/>
+          </p:cNvSpPr>
+          <p:nvPr>
+            <p:ph idx="1"/>
+          </p:nvPr>
+        </p:nvSpPr>
+        <p:spPr/>
+        <p:txBody>
+          <a:bodyPr/>
+          <a:lstStyle/>
+          <a:p>
+            <a:endParaRPr lang="fr-FR" dirty="0"/>
+          </a:p>
+        </p:txBody>
+      </p:sp>
+      <p:pic>
+        <p:nvPicPr>
+          <p:cNvPr id="4" name="Image 3">
+            <a:extLst>
+              <a:ext uri="{FF2B5EF4-FFF2-40B4-BE49-F238E27FC236}">
+                <a16:creationId xmlns:a16="http://schemas.microsoft.com/office/drawing/2014/main" id="{84FD3F71-9DB1-4C8F-B04B-1DC655ABD6B6}"/>
+              </a:ext>
+            </a:extLst>
+          </p:cNvPr>
+          <p:cNvPicPr>
+            <a:picLocks noChangeAspect="1"/>
+          </p:cNvPicPr>
+          <p:nvPr/>
+        </p:nvPicPr>
+        <p:blipFill rotWithShape="1">
+          <a:blip r:embed="rId2"/>
+          <a:srcRect l="3568" b="8196"/>
+          <a:stretch/>
+        </p:blipFill>
+        <p:spPr>
+          <a:xfrm>
+            <a:off x="8251764" y="2433749"/>
+            <a:ext cx="3036198" cy="2216194"/>
+          </a:xfrm>
+          <a:prstGeom prst="rect">
+            <a:avLst/>
+          </a:prstGeom>
+        </p:spPr>
+      </p:pic>
+    </p:spTree>
+    <p:extLst>
+      <p:ext uri="{BB962C8B-B14F-4D97-AF65-F5344CB8AC3E}">
+        <p14:creationId xmlns:p14="http://schemas.microsoft.com/office/powerpoint/2010/main" val="116375540"/>
+      </p:ext>
+    </p:extLst>
+  </p:cSld>
+  <p:clrMapOvr>
+    <a:masterClrMapping/>
+  </p:clrMapOvr>
+</p:sld>
+</file>
+
+<file path=ppt/slides/slide6.xml><?xml version="1.0" encoding="utf-8"?>
+<p:sld xmlns:a="http://schemas.openxmlformats.org/drawingml/2006/main" xmlns:r="http://schemas.openxmlformats.org/officeDocument/2006/relationships" xmlns:p="http://schemas.openxmlformats.org/presentationml/2006/main">
+  <p:cSld>
+    <p:spTree>
+      <p:nvGrpSpPr>
+        <p:cNvPr id="1" name=""/>
+        <p:cNvGrpSpPr/>
+        <p:nvPr/>
+      </p:nvGrpSpPr>
+      <p:grpSpPr>
+        <a:xfrm>
+          <a:off x="0" y="0"/>
+          <a:ext cx="0" cy="0"/>
+          <a:chOff x="0" y="0"/>
+          <a:chExt cx="0" cy="0"/>
+        </a:xfrm>
+      </p:grpSpPr>
+      <p:sp>
+        <p:nvSpPr>
+          <p:cNvPr id="2" name="Titre 1">
+            <a:extLst>
+              <a:ext uri="{FF2B5EF4-FFF2-40B4-BE49-F238E27FC236}">
+                <a16:creationId xmlns:a16="http://schemas.microsoft.com/office/drawing/2014/main" id="{19A02FB1-7624-4110-BBC7-2E5CB8FC3E8C}"/>
+              </a:ext>
+            </a:extLst>
+          </p:cNvPr>
+          <p:cNvSpPr>
+            <a:spLocks noGrp="1"/>
+          </p:cNvSpPr>
+          <p:nvPr>
+            <p:ph type="title"/>
+          </p:nvPr>
+        </p:nvSpPr>
+        <p:spPr/>
+        <p:txBody>
+          <a:bodyPr/>
+          <a:lstStyle/>
+          <a:p>
+            <a:r>
+              <a:rPr lang="fr-FR" dirty="0"/>
+              <a:t>Hadoop</a:t>
+            </a:r>
+            <a:br>
+              <a:rPr lang="fr-FR" dirty="0"/>
+            </a:br>
+            <a:r>
+              <a:rPr lang="fr-FR" dirty="0"/>
+              <a:t>HDFS</a:t>
+            </a:r>
+          </a:p>
+        </p:txBody>
+      </p:sp>
+      <p:sp>
+        <p:nvSpPr>
+          <p:cNvPr id="3" name="Espace réservé du contenu 2">
+            <a:extLst>
+              <a:ext uri="{FF2B5EF4-FFF2-40B4-BE49-F238E27FC236}">
+                <a16:creationId xmlns:a16="http://schemas.microsoft.com/office/drawing/2014/main" id="{7116DF0B-81B4-4534-923D-EDF831F8B56A}"/>
+              </a:ext>
+            </a:extLst>
+          </p:cNvPr>
+          <p:cNvSpPr>
+            <a:spLocks noGrp="1"/>
+          </p:cNvSpPr>
+          <p:nvPr>
+            <p:ph idx="1"/>
+          </p:nvPr>
+        </p:nvSpPr>
+        <p:spPr/>
+        <p:txBody>
+          <a:bodyPr/>
+          <a:lstStyle/>
+          <a:p>
+            <a:endParaRPr lang="fr-FR"/>
+          </a:p>
+        </p:txBody>
+      </p:sp>
+    </p:spTree>
+    <p:extLst>
+      <p:ext uri="{BB962C8B-B14F-4D97-AF65-F5344CB8AC3E}">
+        <p14:creationId xmlns:p14="http://schemas.microsoft.com/office/powerpoint/2010/main" val="603308321"/>
+      </p:ext>
+    </p:extLst>
+  </p:cSld>
+  <p:clrMapOvr>
+    <a:masterClrMapping/>
+  </p:clrMapOvr>
+</p:sld>
+</file>
+
+<file path=ppt/slides/slide7.xml><?xml version="1.0" encoding="utf-8"?>
+<p:sld xmlns:a="http://schemas.openxmlformats.org/drawingml/2006/main" xmlns:r="http://schemas.openxmlformats.org/officeDocument/2006/relationships" xmlns:p="http://schemas.openxmlformats.org/presentationml/2006/main">
+  <p:cSld>
+    <p:spTree>
+      <p:nvGrpSpPr>
+        <p:cNvPr id="1" name=""/>
+        <p:cNvGrpSpPr/>
+        <p:nvPr/>
+      </p:nvGrpSpPr>
+      <p:grpSpPr>
+        <a:xfrm>
+          <a:off x="0" y="0"/>
+          <a:ext cx="0" cy="0"/>
+          <a:chOff x="0" y="0"/>
+          <a:chExt cx="0" cy="0"/>
+        </a:xfrm>
+      </p:grpSpPr>
+      <p:sp>
+        <p:nvSpPr>
+          <p:cNvPr id="2" name="Titre 1">
+            <a:extLst>
+              <a:ext uri="{FF2B5EF4-FFF2-40B4-BE49-F238E27FC236}">
+                <a16:creationId xmlns:a16="http://schemas.microsoft.com/office/drawing/2014/main" id="{9E9E0FB2-74C2-4D42-993E-9D9047EDC010}"/>
+              </a:ext>
+            </a:extLst>
+          </p:cNvPr>
+          <p:cNvSpPr>
+            <a:spLocks noGrp="1"/>
+          </p:cNvSpPr>
+          <p:nvPr>
+            <p:ph type="title"/>
+          </p:nvPr>
+        </p:nvSpPr>
+        <p:spPr/>
+        <p:txBody>
+          <a:bodyPr/>
+          <a:lstStyle/>
+          <a:p>
+            <a:r>
+              <a:rPr lang="fr-FR"/>
+              <a:t>Hadoop</a:t>
+            </a:r>
+            <a:br>
+              <a:rPr lang="fr-FR"/>
+            </a:br>
+            <a:r>
+              <a:rPr lang="fr-FR"/>
               <a:t>MapReduce</a:t>
             </a:r>
           </a:p>
@@ -4004,7 +7840,7 @@
           <a:p>
             <a:pPr algn="ctr"/>
             <a:r>
-              <a:rPr lang="fr-FR" dirty="0"/>
+              <a:rPr lang="fr-FR"/>
               <a:t>Input</a:t>
             </a:r>
           </a:p>
@@ -4080,7 +7916,7 @@
           <a:p>
             <a:pPr algn="ctr"/>
             <a:r>
-              <a:rPr lang="fr-FR" dirty="0"/>
+              <a:rPr lang="fr-FR"/>
               <a:t>Split</a:t>
             </a:r>
           </a:p>
@@ -4156,10 +7992,10 @@
           <a:p>
             <a:pPr algn="ctr"/>
             <a:r>
-              <a:rPr lang="fr-FR" dirty="0" err="1"/>
+              <a:rPr lang="fr-FR" err="1"/>
               <a:t>Map</a:t>
             </a:r>
-            <a:endParaRPr lang="fr-FR" dirty="0"/>
+            <a:endParaRPr lang="fr-FR"/>
           </a:p>
         </p:txBody>
       </p:sp>
@@ -4233,10 +8069,10 @@
           <a:p>
             <a:pPr algn="ctr"/>
             <a:r>
-              <a:rPr lang="fr-FR" dirty="0" err="1"/>
+              <a:rPr lang="fr-FR" err="1"/>
               <a:t>Shuffle</a:t>
             </a:r>
-            <a:endParaRPr lang="fr-FR" dirty="0"/>
+            <a:endParaRPr lang="fr-FR"/>
           </a:p>
         </p:txBody>
       </p:sp>
@@ -4310,10 +8146,10 @@
           <a:p>
             <a:pPr algn="ctr"/>
             <a:r>
-              <a:rPr lang="fr-FR" dirty="0" err="1"/>
+              <a:rPr lang="fr-FR" err="1"/>
               <a:t>Reduce</a:t>
             </a:r>
-            <a:endParaRPr lang="fr-FR" dirty="0"/>
+            <a:endParaRPr lang="fr-FR"/>
           </a:p>
         </p:txBody>
       </p:sp>
@@ -4387,10 +8223,10 @@
           <a:p>
             <a:pPr algn="ctr"/>
             <a:r>
-              <a:rPr lang="fr-FR" dirty="0" err="1"/>
+              <a:rPr lang="fr-FR" err="1"/>
               <a:t>Resultat</a:t>
             </a:r>
-            <a:endParaRPr lang="fr-FR" dirty="0"/>
+            <a:endParaRPr lang="fr-FR"/>
           </a:p>
         </p:txBody>
       </p:sp>
@@ -4440,29 +8276,29 @@
           <a:p>
             <a:pPr algn="ctr"/>
             <a:r>
-              <a:rPr lang="fr-FR" sz="1100" dirty="0"/>
+              <a:rPr lang="fr-FR" sz="1100"/>
               <a:t>Bravo Alpha Delta</a:t>
             </a:r>
           </a:p>
           <a:p>
             <a:pPr algn="ctr"/>
             <a:r>
-              <a:rPr lang="fr-FR" sz="1100" dirty="0"/>
+              <a:rPr lang="fr-FR" sz="1100"/>
               <a:t>Charlie </a:t>
             </a:r>
             <a:r>
-              <a:rPr lang="fr-FR" sz="1100" dirty="0" err="1"/>
+              <a:rPr lang="fr-FR" sz="1100" err="1"/>
               <a:t>Charlie</a:t>
             </a:r>
             <a:r>
-              <a:rPr lang="fr-FR" sz="1100" dirty="0"/>
+              <a:rPr lang="fr-FR" sz="1100"/>
               <a:t> Delta</a:t>
             </a:r>
           </a:p>
           <a:p>
             <a:pPr algn="ctr"/>
             <a:r>
-              <a:rPr lang="fr-FR" sz="1100" dirty="0"/>
+              <a:rPr lang="fr-FR" sz="1100"/>
               <a:t>Bravo Charlie Alpha</a:t>
             </a:r>
           </a:p>
@@ -4514,7 +8350,7 @@
           <a:p>
             <a:pPr algn="ctr"/>
             <a:r>
-              <a:rPr lang="fr-FR" sz="1100" dirty="0"/>
+              <a:rPr lang="fr-FR" sz="1100"/>
               <a:t>Bravo Alpha Delta</a:t>
             </a:r>
           </a:p>
@@ -4566,15 +8402,15 @@
           <a:p>
             <a:pPr algn="ctr"/>
             <a:r>
-              <a:rPr lang="fr-FR" sz="1100" dirty="0"/>
+              <a:rPr lang="fr-FR" sz="1100"/>
               <a:t>Charlie </a:t>
             </a:r>
             <a:r>
-              <a:rPr lang="fr-FR" sz="1100" dirty="0" err="1"/>
+              <a:rPr lang="fr-FR" sz="1100" err="1"/>
               <a:t>Charlie</a:t>
             </a:r>
             <a:r>
-              <a:rPr lang="fr-FR" sz="1100" dirty="0"/>
+              <a:rPr lang="fr-FR" sz="1100"/>
               <a:t> Delta</a:t>
             </a:r>
           </a:p>
@@ -4635,7 +8471,7 @@
           <a:p>
             <a:pPr algn="ctr"/>
             <a:r>
-              <a:rPr lang="fr-FR" sz="1100" dirty="0"/>
+              <a:rPr lang="fr-FR" sz="1100"/>
               <a:t>Bravo Charlie Alpha</a:t>
             </a:r>
           </a:p>
@@ -4696,21 +8532,21 @@
           <a:p>
             <a:pPr algn="ctr"/>
             <a:r>
-              <a:rPr lang="fr-FR" sz="1100" dirty="0"/>
+              <a:rPr lang="fr-FR" sz="1100"/>
               <a:t>Bravo, 1 </a:t>
             </a:r>
           </a:p>
           <a:p>
             <a:pPr algn="ctr"/>
             <a:r>
-              <a:rPr lang="fr-FR" sz="1100" dirty="0"/>
+              <a:rPr lang="fr-FR" sz="1100"/>
               <a:t>Charlie, 1 </a:t>
             </a:r>
           </a:p>
           <a:p>
             <a:pPr algn="ctr"/>
             <a:r>
-              <a:rPr lang="fr-FR" sz="1100" dirty="0"/>
+              <a:rPr lang="fr-FR" sz="1100"/>
               <a:t>Alpha, 1</a:t>
             </a:r>
           </a:p>
@@ -4762,21 +8598,21 @@
           <a:p>
             <a:pPr algn="ctr"/>
             <a:r>
-              <a:rPr lang="fr-FR" sz="1100" dirty="0"/>
+              <a:rPr lang="fr-FR" sz="1100"/>
               <a:t>Charlie, 1 </a:t>
             </a:r>
           </a:p>
           <a:p>
             <a:pPr algn="ctr"/>
             <a:r>
-              <a:rPr lang="fr-FR" sz="1100" dirty="0"/>
+              <a:rPr lang="fr-FR" sz="1100"/>
               <a:t>Charlie, 1 </a:t>
             </a:r>
           </a:p>
           <a:p>
             <a:pPr algn="ctr"/>
             <a:r>
-              <a:rPr lang="fr-FR" sz="1100" dirty="0"/>
+              <a:rPr lang="fr-FR" sz="1100"/>
               <a:t>Delta, 1</a:t>
             </a:r>
           </a:p>
@@ -4828,21 +8664,21 @@
           <a:p>
             <a:pPr algn="ctr"/>
             <a:r>
-              <a:rPr lang="fr-FR" sz="1100" dirty="0"/>
+              <a:rPr lang="fr-FR" sz="1100"/>
               <a:t>Bravo, 1 </a:t>
             </a:r>
           </a:p>
           <a:p>
             <a:pPr algn="ctr"/>
             <a:r>
-              <a:rPr lang="fr-FR" sz="1100" dirty="0"/>
+              <a:rPr lang="fr-FR" sz="1100"/>
               <a:t>Alpha, 1 </a:t>
             </a:r>
           </a:p>
           <a:p>
             <a:pPr algn="ctr"/>
             <a:r>
-              <a:rPr lang="fr-FR" sz="1100" dirty="0"/>
+              <a:rPr lang="fr-FR" sz="1100"/>
               <a:t>Delta, 1</a:t>
             </a:r>
           </a:p>
@@ -4903,14 +8739,14 @@
           <a:p>
             <a:pPr algn="ctr"/>
             <a:r>
-              <a:rPr lang="fr-FR" sz="1100" dirty="0"/>
+              <a:rPr lang="fr-FR" sz="1100"/>
               <a:t>Delta, 1 </a:t>
             </a:r>
           </a:p>
           <a:p>
             <a:pPr algn="ctr"/>
             <a:r>
-              <a:rPr lang="fr-FR" sz="1100" dirty="0"/>
+              <a:rPr lang="fr-FR" sz="1100"/>
               <a:t>Delta, 1</a:t>
             </a:r>
           </a:p>
@@ -4962,14 +8798,14 @@
           <a:p>
             <a:pPr algn="ctr"/>
             <a:r>
-              <a:rPr lang="fr-FR" sz="1100" dirty="0"/>
+              <a:rPr lang="fr-FR" sz="1100"/>
               <a:t>Bravo, 1</a:t>
             </a:r>
           </a:p>
           <a:p>
             <a:pPr algn="ctr"/>
             <a:r>
-              <a:rPr lang="fr-FR" sz="1100" dirty="0"/>
+              <a:rPr lang="fr-FR" sz="1100"/>
               <a:t>Bravo, 1</a:t>
             </a:r>
           </a:p>
@@ -5021,14 +8857,14 @@
           <a:p>
             <a:pPr algn="ctr"/>
             <a:r>
-              <a:rPr lang="fr-FR" sz="1100" dirty="0"/>
+              <a:rPr lang="fr-FR" sz="1100"/>
               <a:t>Alpha, 1</a:t>
             </a:r>
           </a:p>
           <a:p>
             <a:pPr algn="ctr"/>
             <a:r>
-              <a:rPr lang="fr-FR" sz="1100" dirty="0"/>
+              <a:rPr lang="fr-FR" sz="1100"/>
               <a:t>Alpha, 1</a:t>
             </a:r>
           </a:p>
@@ -5080,21 +8916,21 @@
           <a:p>
             <a:pPr algn="ctr"/>
             <a:r>
-              <a:rPr lang="fr-FR" sz="1100" dirty="0"/>
+              <a:rPr lang="fr-FR" sz="1100"/>
               <a:t>Charlie, 1 </a:t>
             </a:r>
           </a:p>
           <a:p>
             <a:pPr algn="ctr"/>
             <a:r>
-              <a:rPr lang="fr-FR" sz="1100" dirty="0"/>
+              <a:rPr lang="fr-FR" sz="1100"/>
               <a:t>Charlie, 1 </a:t>
             </a:r>
           </a:p>
           <a:p>
             <a:pPr algn="ctr"/>
             <a:r>
-              <a:rPr lang="fr-FR" sz="1100" dirty="0"/>
+              <a:rPr lang="fr-FR" sz="1100"/>
               <a:t>Charlie, 1</a:t>
             </a:r>
           </a:p>
@@ -5155,7 +8991,7 @@
           <a:p>
             <a:pPr algn="ctr"/>
             <a:r>
-              <a:rPr lang="fr-FR" sz="1100" dirty="0"/>
+              <a:rPr lang="fr-FR" sz="1100"/>
               <a:t>Delta, 2</a:t>
             </a:r>
           </a:p>
@@ -5207,7 +9043,7 @@
           <a:p>
             <a:pPr algn="ctr"/>
             <a:r>
-              <a:rPr lang="fr-FR" sz="1100" dirty="0"/>
+              <a:rPr lang="fr-FR" sz="1100"/>
               <a:t>Bravo, 2</a:t>
             </a:r>
           </a:p>
@@ -5259,7 +9095,7 @@
           <a:p>
             <a:pPr algn="ctr"/>
             <a:r>
-              <a:rPr lang="fr-FR" sz="1100" dirty="0"/>
+              <a:rPr lang="fr-FR" sz="1100"/>
               <a:t>Alpha, 2</a:t>
             </a:r>
           </a:p>
@@ -5311,7 +9147,7 @@
           <a:p>
             <a:pPr algn="ctr"/>
             <a:r>
-              <a:rPr lang="fr-FR" sz="1100" dirty="0"/>
+              <a:rPr lang="fr-FR" sz="1100"/>
               <a:t>Charlie, 3</a:t>
             </a:r>
           </a:p>
@@ -5360,28 +9196,28 @@
           <a:p>
             <a:pPr algn="ctr"/>
             <a:r>
-              <a:rPr lang="fr-FR" sz="1100" dirty="0"/>
+              <a:rPr lang="fr-FR" sz="1100"/>
               <a:t>Alpha, 2</a:t>
             </a:r>
           </a:p>
           <a:p>
             <a:pPr algn="ctr"/>
             <a:r>
-              <a:rPr lang="fr-FR" sz="1100" dirty="0"/>
+              <a:rPr lang="fr-FR" sz="1100"/>
               <a:t>Bravo, 2</a:t>
             </a:r>
           </a:p>
           <a:p>
             <a:pPr algn="ctr"/>
             <a:r>
-              <a:rPr lang="fr-FR" sz="1100" dirty="0"/>
+              <a:rPr lang="fr-FR" sz="1100"/>
               <a:t>Charlie, 3</a:t>
             </a:r>
           </a:p>
           <a:p>
             <a:pPr algn="ctr"/>
             <a:r>
-              <a:rPr lang="fr-FR" sz="1100" dirty="0"/>
+              <a:rPr lang="fr-FR" sz="1100"/>
               <a:t>Delta, 2</a:t>
             </a:r>
           </a:p>
@@ -8492,513 +12328,7 @@
 </p:sld>
 </file>
 
-<file path=ppt/slides/slide5.xml><?xml version="1.0" encoding="utf-8"?>
-<p:sld xmlns:a="http://schemas.openxmlformats.org/drawingml/2006/main" xmlns:r="http://schemas.openxmlformats.org/officeDocument/2006/relationships" xmlns:p="http://schemas.openxmlformats.org/presentationml/2006/main">
-  <p:cSld>
-    <p:bg>
-      <p:bgPr>
-        <a:solidFill>
-          <a:schemeClr val="bg1"/>
-        </a:solidFill>
-        <a:effectLst/>
-      </p:bgPr>
-    </p:bg>
-    <p:spTree>
-      <p:nvGrpSpPr>
-        <p:cNvPr id="1" name=""/>
-        <p:cNvGrpSpPr/>
-        <p:nvPr/>
-      </p:nvGrpSpPr>
-      <p:grpSpPr>
-        <a:xfrm>
-          <a:off x="0" y="0"/>
-          <a:ext cx="0" cy="0"/>
-          <a:chOff x="0" y="0"/>
-          <a:chExt cx="0" cy="0"/>
-        </a:xfrm>
-      </p:grpSpPr>
-      <p:pic>
-        <p:nvPicPr>
-          <p:cNvPr id="4" name="Image 4" descr="Une image contenant objet d’extérieur, toile&#10;&#10;Description générée automatiquement">
-            <a:extLst>
-              <a:ext uri="{FF2B5EF4-FFF2-40B4-BE49-F238E27FC236}">
-                <a16:creationId xmlns:a16="http://schemas.microsoft.com/office/drawing/2014/main" id="{A311D790-5329-4CF7-8839-869A143415D9}"/>
-              </a:ext>
-            </a:extLst>
-          </p:cNvPr>
-          <p:cNvPicPr>
-            <a:picLocks noGrp="1" noChangeAspect="1"/>
-          </p:cNvPicPr>
-          <p:nvPr>
-            <p:ph idx="1"/>
-          </p:nvPr>
-        </p:nvPicPr>
-        <p:blipFill rotWithShape="1">
-          <a:blip r:embed="rId2"/>
-          <a:srcRect b="10000"/>
-          <a:stretch/>
-        </p:blipFill>
-        <p:spPr>
-          <a:xfrm>
-            <a:off x="20" y="10"/>
-            <a:ext cx="12191980" cy="6857990"/>
-          </a:xfrm>
-          <a:prstGeom prst="rect">
-            <a:avLst/>
-          </a:prstGeom>
-        </p:spPr>
-      </p:pic>
-      <p:sp>
-        <p:nvSpPr>
-          <p:cNvPr id="15" name="Freeform 5">
-            <a:extLst>
-              <a:ext uri="{FF2B5EF4-FFF2-40B4-BE49-F238E27FC236}">
-                <a16:creationId xmlns:a16="http://schemas.microsoft.com/office/drawing/2014/main" id="{87CC2527-562A-4F69-B487-4371E5B243E7}"/>
-              </a:ext>
-              <a:ext uri="{C183D7F6-B498-43B3-948B-1728B52AA6E4}">
-                <adec:decorative xmlns:adec="http://schemas.microsoft.com/office/drawing/2017/decorative" val="1"/>
-              </a:ext>
-            </a:extLst>
-          </p:cNvPr>
-          <p:cNvSpPr>
-            <a:spLocks noGrp="1" noRot="1" noChangeAspect="1" noMove="1" noResize="1" noEditPoints="1" noAdjustHandles="1" noChangeArrowheads="1" noChangeShapeType="1" noTextEdit="1"/>
-          </p:cNvSpPr>
-          <p:nvPr>
-            <p:extLst>
-              <p:ext uri="{386F3935-93C4-4BCD-93E2-E3B085C9AB24}">
-                <p16:designElem xmlns:p16="http://schemas.microsoft.com/office/powerpoint/2015/main" val="1"/>
-              </p:ext>
-            </p:extLst>
-          </p:nvPr>
-        </p:nvSpPr>
-        <p:spPr bwMode="grayWhite">
-          <a:xfrm>
-            <a:off x="7488621" y="2277613"/>
-            <a:ext cx="4703379" cy="4580387"/>
-          </a:xfrm>
-          <a:custGeom>
-            <a:avLst/>
-            <a:gdLst>
-              <a:gd name="T0" fmla="*/ 1333 w 1333"/>
-              <a:gd name="T1" fmla="*/ 1031 h 1298"/>
-              <a:gd name="T2" fmla="*/ 1333 w 1333"/>
-              <a:gd name="T3" fmla="*/ 380 h 1298"/>
-              <a:gd name="T4" fmla="*/ 706 w 1333"/>
-              <a:gd name="T5" fmla="*/ 0 h 1298"/>
-              <a:gd name="T6" fmla="*/ 0 w 1333"/>
-              <a:gd name="T7" fmla="*/ 706 h 1298"/>
-              <a:gd name="T8" fmla="*/ 323 w 1333"/>
-              <a:gd name="T9" fmla="*/ 1298 h 1298"/>
-              <a:gd name="T10" fmla="*/ 1090 w 1333"/>
-              <a:gd name="T11" fmla="*/ 1298 h 1298"/>
-              <a:gd name="T12" fmla="*/ 1333 w 1333"/>
-              <a:gd name="T13" fmla="*/ 1031 h 1298"/>
-            </a:gdLst>
-            <a:ahLst/>
-            <a:cxnLst>
-              <a:cxn ang="0">
-                <a:pos x="T0" y="T1"/>
-              </a:cxn>
-              <a:cxn ang="0">
-                <a:pos x="T2" y="T3"/>
-              </a:cxn>
-              <a:cxn ang="0">
-                <a:pos x="T4" y="T5"/>
-              </a:cxn>
-              <a:cxn ang="0">
-                <a:pos x="T6" y="T7"/>
-              </a:cxn>
-              <a:cxn ang="0">
-                <a:pos x="T8" y="T9"/>
-              </a:cxn>
-              <a:cxn ang="0">
-                <a:pos x="T10" y="T11"/>
-              </a:cxn>
-              <a:cxn ang="0">
-                <a:pos x="T12" y="T13"/>
-              </a:cxn>
-            </a:cxnLst>
-            <a:rect l="0" t="0" r="r" b="b"/>
-            <a:pathLst>
-              <a:path w="1333" h="1298">
-                <a:moveTo>
-                  <a:pt x="1333" y="1031"/>
-                </a:moveTo>
-                <a:cubicBezTo>
-                  <a:pt x="1333" y="380"/>
-                  <a:pt x="1333" y="380"/>
-                  <a:pt x="1333" y="380"/>
-                </a:cubicBezTo>
-                <a:cubicBezTo>
-                  <a:pt x="1215" y="154"/>
-                  <a:pt x="979" y="0"/>
-                  <a:pt x="706" y="0"/>
-                </a:cubicBezTo>
-                <a:cubicBezTo>
-                  <a:pt x="317" y="0"/>
-                  <a:pt x="0" y="316"/>
-                  <a:pt x="0" y="706"/>
-                </a:cubicBezTo>
-                <a:cubicBezTo>
-                  <a:pt x="0" y="954"/>
-                  <a:pt x="129" y="1172"/>
-                  <a:pt x="323" y="1298"/>
-                </a:cubicBezTo>
-                <a:cubicBezTo>
-                  <a:pt x="1090" y="1298"/>
-                  <a:pt x="1090" y="1298"/>
-                  <a:pt x="1090" y="1298"/>
-                </a:cubicBezTo>
-                <a:cubicBezTo>
-                  <a:pt x="1193" y="1232"/>
-                  <a:pt x="1276" y="1140"/>
-                  <a:pt x="1333" y="1031"/>
-                </a:cubicBezTo>
-                <a:close/>
-              </a:path>
-            </a:pathLst>
-          </a:custGeom>
-          <a:solidFill>
-            <a:schemeClr val="bg1">
-              <a:alpha val="70000"/>
-            </a:schemeClr>
-          </a:solidFill>
-          <a:ln w="50800" cap="sq" cmpd="dbl">
-            <a:noFill/>
-            <a:miter lim="800000"/>
-          </a:ln>
-          <a:effectLst/>
-        </p:spPr>
-        <p:txBody>
-          <a:bodyPr vert="horz" lIns="91440" tIns="45720" rIns="91440" bIns="45720" rtlCol="0" anchor="t">
-            <a:normAutofit/>
-          </a:bodyPr>
-          <a:lstStyle/>
-          <a:p>
-            <a:pPr algn="ctr">
-              <a:spcAft>
-                <a:spcPts val="1000"/>
-              </a:spcAft>
-              <a:buClr>
-                <a:schemeClr val="tx1"/>
-              </a:buClr>
-              <a:buSzPct val="100000"/>
-              <a:buFont typeface="Arial"/>
-              <a:buNone/>
-            </a:pPr>
-            <a:endParaRPr lang="en-US" sz="1600" cap="all"/>
-          </a:p>
-        </p:txBody>
-      </p:sp>
-      <p:sp>
-        <p:nvSpPr>
-          <p:cNvPr id="2" name="Titre 1">
-            <a:extLst>
-              <a:ext uri="{FF2B5EF4-FFF2-40B4-BE49-F238E27FC236}">
-                <a16:creationId xmlns:a16="http://schemas.microsoft.com/office/drawing/2014/main" id="{6705B72D-40AE-481D-A571-2EDA853E73B8}"/>
-              </a:ext>
-            </a:extLst>
-          </p:cNvPr>
-          <p:cNvSpPr>
-            <a:spLocks noGrp="1"/>
-          </p:cNvSpPr>
-          <p:nvPr>
-            <p:ph type="title"/>
-          </p:nvPr>
-        </p:nvSpPr>
-        <p:spPr>
-          <a:xfrm>
-            <a:off x="8022021" y="3231931"/>
-            <a:ext cx="3852041" cy="1834056"/>
-          </a:xfrm>
-        </p:spPr>
-        <p:txBody>
-          <a:bodyPr vert="horz" lIns="91440" tIns="45720" rIns="91440" bIns="45720" rtlCol="0" anchor="b">
-            <a:normAutofit/>
-          </a:bodyPr>
-          <a:lstStyle/>
-          <a:p>
-            <a:pPr algn="ctr"/>
-            <a:r>
-              <a:rPr lang="en-US" sz="4000"/>
-              <a:t>Cassandra</a:t>
-            </a:r>
-          </a:p>
-        </p:txBody>
-      </p:sp>
-      <p:cxnSp>
-        <p:nvCxnSpPr>
-          <p:cNvPr id="16" name="Straight Connector 10">
-            <a:extLst>
-              <a:ext uri="{FF2B5EF4-FFF2-40B4-BE49-F238E27FC236}">
-                <a16:creationId xmlns:a16="http://schemas.microsoft.com/office/drawing/2014/main" id="{BCDAEC91-5BCE-4B55-9CC0-43EF94CB734B}"/>
-              </a:ext>
-              <a:ext uri="{C183D7F6-B498-43B3-948B-1728B52AA6E4}">
-                <adec:decorative xmlns:adec="http://schemas.microsoft.com/office/drawing/2017/decorative" val="1"/>
-              </a:ext>
-            </a:extLst>
-          </p:cNvPr>
-          <p:cNvCxnSpPr>
-            <a:cxnSpLocks noGrp="1" noRot="1" noChangeAspect="1" noMove="1" noResize="1" noEditPoints="1" noAdjustHandles="1" noChangeArrowheads="1" noChangeShapeType="1"/>
-          </p:cNvCxnSpPr>
-          <p:nvPr>
-            <p:extLst>
-              <p:ext uri="{386F3935-93C4-4BCD-93E2-E3B085C9AB24}">
-                <p16:designElem xmlns:p16="http://schemas.microsoft.com/office/powerpoint/2015/main" val="1"/>
-              </p:ext>
-            </p:extLst>
-          </p:nvPr>
-        </p:nvCxnSpPr>
-        <p:spPr>
-          <a:xfrm>
-            <a:off x="9480331" y="5123793"/>
-            <a:ext cx="935420" cy="0"/>
-          </a:xfrm>
-          <a:prstGeom prst="line">
-            <a:avLst/>
-          </a:prstGeom>
-          <a:ln w="25400" cap="sq">
-            <a:solidFill>
-              <a:schemeClr val="tx1">
-                <a:lumMod val="85000"/>
-                <a:lumOff val="15000"/>
-              </a:schemeClr>
-            </a:solidFill>
-            <a:bevel/>
-          </a:ln>
-        </p:spPr>
-        <p:style>
-          <a:lnRef idx="1">
-            <a:schemeClr val="accent1"/>
-          </a:lnRef>
-          <a:fillRef idx="0">
-            <a:schemeClr val="accent1"/>
-          </a:fillRef>
-          <a:effectRef idx="0">
-            <a:schemeClr val="accent1"/>
-          </a:effectRef>
-          <a:fontRef idx="minor">
-            <a:schemeClr val="tx1"/>
-          </a:fontRef>
-        </p:style>
-      </p:cxnSp>
-    </p:spTree>
-    <p:extLst>
-      <p:ext uri="{BB962C8B-B14F-4D97-AF65-F5344CB8AC3E}">
-        <p14:creationId xmlns:p14="http://schemas.microsoft.com/office/powerpoint/2010/main" val="2351652036"/>
-      </p:ext>
-    </p:extLst>
-  </p:cSld>
-  <p:clrMapOvr>
-    <a:masterClrMapping/>
-  </p:clrMapOvr>
-</p:sld>
-</file>
-
-<file path=ppt/slides/slide6.xml><?xml version="1.0" encoding="utf-8"?>
-<p:sld xmlns:a="http://schemas.openxmlformats.org/drawingml/2006/main" xmlns:r="http://schemas.openxmlformats.org/officeDocument/2006/relationships" xmlns:p="http://schemas.openxmlformats.org/presentationml/2006/main">
-  <p:cSld>
-    <p:bg>
-      <p:bgPr>
-        <a:solidFill>
-          <a:schemeClr val="bg1"/>
-        </a:solidFill>
-        <a:effectLst/>
-      </p:bgPr>
-    </p:bg>
-    <p:spTree>
-      <p:nvGrpSpPr>
-        <p:cNvPr id="1" name=""/>
-        <p:cNvGrpSpPr/>
-        <p:nvPr/>
-      </p:nvGrpSpPr>
-      <p:grpSpPr>
-        <a:xfrm>
-          <a:off x="0" y="0"/>
-          <a:ext cx="0" cy="0"/>
-          <a:chOff x="0" y="0"/>
-          <a:chExt cx="0" cy="0"/>
-        </a:xfrm>
-      </p:grpSpPr>
-      <p:sp>
-        <p:nvSpPr>
-          <p:cNvPr id="11" name="Down Arrow 7">
-            <a:extLst>
-              <a:ext uri="{FF2B5EF4-FFF2-40B4-BE49-F238E27FC236}">
-                <a16:creationId xmlns:a16="http://schemas.microsoft.com/office/drawing/2014/main" id="{73DE2CFE-42F2-48F0-8706-5264E012B10C}"/>
-              </a:ext>
-              <a:ext uri="{C183D7F6-B498-43B3-948B-1728B52AA6E4}">
-                <adec:decorative xmlns:adec="http://schemas.microsoft.com/office/drawing/2017/decorative" val="1"/>
-              </a:ext>
-            </a:extLst>
-          </p:cNvPr>
-          <p:cNvSpPr>
-            <a:spLocks noGrp="1" noRot="1" noChangeAspect="1" noMove="1" noResize="1" noEditPoints="1" noAdjustHandles="1" noChangeArrowheads="1" noChangeShapeType="1" noTextEdit="1"/>
-          </p:cNvSpPr>
-          <p:nvPr>
-            <p:extLst>
-              <p:ext uri="{386F3935-93C4-4BCD-93E2-E3B085C9AB24}">
-                <p16:designElem xmlns:p16="http://schemas.microsoft.com/office/powerpoint/2015/main" val="1"/>
-              </p:ext>
-            </p:extLst>
-          </p:nvPr>
-        </p:nvSpPr>
-        <p:spPr>
-          <a:xfrm rot="16200000">
-            <a:off x="1288521" y="381403"/>
-            <a:ext cx="2200313" cy="3342508"/>
-          </a:xfrm>
-          <a:prstGeom prst="downArrow">
-            <a:avLst>
-              <a:gd name="adj1" fmla="val 100000"/>
-              <a:gd name="adj2" fmla="val 15788"/>
-            </a:avLst>
-          </a:prstGeom>
-          <a:solidFill>
-            <a:srgbClr val="404040"/>
-          </a:solidFill>
-          <a:ln w="53975">
-            <a:noFill/>
-          </a:ln>
-        </p:spPr>
-        <p:style>
-          <a:lnRef idx="2">
-            <a:schemeClr val="accent1">
-              <a:shade val="50000"/>
-            </a:schemeClr>
-          </a:lnRef>
-          <a:fillRef idx="1">
-            <a:schemeClr val="accent1"/>
-          </a:fillRef>
-          <a:effectRef idx="0">
-            <a:schemeClr val="accent1"/>
-          </a:effectRef>
-          <a:fontRef idx="minor">
-            <a:schemeClr val="lt1"/>
-          </a:fontRef>
-        </p:style>
-        <p:txBody>
-          <a:bodyPr rtlCol="0" anchor="ctr"/>
-          <a:lstStyle/>
-          <a:p>
-            <a:pPr marL="0" marR="0" lvl="0" indent="0" algn="ctr" defTabSz="914400" rtl="0" eaLnBrk="1" fontAlgn="auto" latinLnBrk="0" hangingPunct="1">
-              <a:lnSpc>
-                <a:spcPct val="100000"/>
-              </a:lnSpc>
-              <a:spcBef>
-                <a:spcPts val="0"/>
-              </a:spcBef>
-              <a:spcAft>
-                <a:spcPts val="0"/>
-              </a:spcAft>
-              <a:buClrTx/>
-              <a:buSzTx/>
-              <a:buFontTx/>
-              <a:buNone/>
-              <a:tabLst/>
-              <a:defRPr/>
-            </a:pPr>
-            <a:endParaRPr kumimoji="0" lang="en-US" sz="1800" b="0" i="0" u="none" strike="noStrike" kern="1200" cap="none" spc="0" normalizeH="0" baseline="0" noProof="0">
-              <a:ln>
-                <a:noFill/>
-              </a:ln>
-              <a:solidFill>
-                <a:prstClr val="white"/>
-              </a:solidFill>
-              <a:effectLst/>
-              <a:uLnTx/>
-              <a:uFillTx/>
-              <a:latin typeface="Calibri" panose="020F0502020204030204"/>
-              <a:ea typeface="+mn-ea"/>
-              <a:cs typeface="+mn-cs"/>
-            </a:endParaRPr>
-          </a:p>
-        </p:txBody>
-      </p:sp>
-      <p:sp>
-        <p:nvSpPr>
-          <p:cNvPr id="2" name="Titre 1">
-            <a:extLst>
-              <a:ext uri="{FF2B5EF4-FFF2-40B4-BE49-F238E27FC236}">
-                <a16:creationId xmlns:a16="http://schemas.microsoft.com/office/drawing/2014/main" id="{833D933A-55E0-4D93-95EF-B7F94E2BC1FD}"/>
-              </a:ext>
-            </a:extLst>
-          </p:cNvPr>
-          <p:cNvSpPr>
-            <a:spLocks noGrp="1"/>
-          </p:cNvSpPr>
-          <p:nvPr>
-            <p:ph type="title"/>
-          </p:nvPr>
-        </p:nvSpPr>
-        <p:spPr>
-          <a:xfrm>
-            <a:off x="966952" y="1204108"/>
-            <a:ext cx="2669406" cy="1781175"/>
-          </a:xfrm>
-        </p:spPr>
-        <p:txBody>
-          <a:bodyPr>
-            <a:normAutofit/>
-          </a:bodyPr>
-          <a:lstStyle/>
-          <a:p>
-            <a:r>
-              <a:rPr lang="fr-FR" sz="3200">
-                <a:solidFill>
-                  <a:srgbClr val="FFFFFF"/>
-                </a:solidFill>
-                <a:cs typeface="Calibri Light"/>
-              </a:rPr>
-              <a:t>Architecture</a:t>
-            </a:r>
-          </a:p>
-        </p:txBody>
-      </p:sp>
-      <p:pic>
-        <p:nvPicPr>
-          <p:cNvPr id="4" name="Image 4">
-            <a:extLst>
-              <a:ext uri="{FF2B5EF4-FFF2-40B4-BE49-F238E27FC236}">
-                <a16:creationId xmlns:a16="http://schemas.microsoft.com/office/drawing/2014/main" id="{55593217-E1D0-486F-93F0-E4D3CCB679BB}"/>
-              </a:ext>
-            </a:extLst>
-          </p:cNvPr>
-          <p:cNvPicPr>
-            <a:picLocks noChangeAspect="1"/>
-          </p:cNvPicPr>
-          <p:nvPr/>
-        </p:nvPicPr>
-        <p:blipFill>
-          <a:blip r:embed="rId2"/>
-          <a:stretch>
-            <a:fillRect/>
-          </a:stretch>
-        </p:blipFill>
-        <p:spPr>
-          <a:xfrm>
-            <a:off x="1090227" y="3843941"/>
-            <a:ext cx="2969898" cy="1580731"/>
-          </a:xfrm>
-          <a:prstGeom prst="rect">
-            <a:avLst/>
-          </a:prstGeom>
-        </p:spPr>
-      </p:pic>
-    </p:spTree>
-    <p:extLst>
-      <p:ext uri="{BB962C8B-B14F-4D97-AF65-F5344CB8AC3E}">
-        <p14:creationId xmlns:p14="http://schemas.microsoft.com/office/powerpoint/2010/main" val="1310415595"/>
-      </p:ext>
-    </p:extLst>
-  </p:cSld>
-  <p:clrMapOvr>
-    <a:masterClrMapping/>
-  </p:clrMapOvr>
-</p:sld>
-</file>
-
-<file path=ppt/slides/slide7.xml><?xml version="1.0" encoding="utf-8"?>
+<file path=ppt/slides/slide8.xml><?xml version="1.0" encoding="utf-8"?>
 <p:sld xmlns:a="http://schemas.openxmlformats.org/drawingml/2006/main" xmlns:r="http://schemas.openxmlformats.org/officeDocument/2006/relationships" xmlns:p="http://schemas.openxmlformats.org/presentationml/2006/main">
   <p:cSld>
     <p:spTree>
@@ -9020,7 +12350,7 @@
           <p:cNvPr id="2" name="Titre 1">
             <a:extLst>
               <a:ext uri="{FF2B5EF4-FFF2-40B4-BE49-F238E27FC236}">
-                <a16:creationId xmlns:a16="http://schemas.microsoft.com/office/drawing/2014/main" id="{9A66BE55-6C9B-48D5-8CA8-B86554821A96}"/>
+                <a16:creationId xmlns:a16="http://schemas.microsoft.com/office/drawing/2014/main" id="{EDEB0E77-1DD8-4117-82EB-AA0C3BD0D665}"/>
               </a:ext>
             </a:extLst>
           </p:cNvPr>
@@ -9036,7 +12366,17 @@
           <a:bodyPr/>
           <a:lstStyle/>
           <a:p>
-            <a:endParaRPr lang="fr-FR"/>
+            <a:r>
+              <a:rPr lang="fr-FR" dirty="0"/>
+              <a:t>Hadoop </a:t>
+            </a:r>
+            <a:br>
+              <a:rPr lang="fr-FR" dirty="0"/>
+            </a:br>
+            <a:r>
+              <a:rPr lang="fr-FR" dirty="0"/>
+              <a:t>YARN</a:t>
+            </a:r>
           </a:p>
         </p:txBody>
       </p:sp>
@@ -9045,7 +12385,7 @@
           <p:cNvPr id="3" name="Espace réservé du contenu 2">
             <a:extLst>
               <a:ext uri="{FF2B5EF4-FFF2-40B4-BE49-F238E27FC236}">
-                <a16:creationId xmlns:a16="http://schemas.microsoft.com/office/drawing/2014/main" id="{CDE5F054-7DEF-4B6E-B7CA-1E1607D71410}"/>
+                <a16:creationId xmlns:a16="http://schemas.microsoft.com/office/drawing/2014/main" id="{316D9660-7E87-4FFE-872D-63B37873779E}"/>
               </a:ext>
             </a:extLst>
           </p:cNvPr>
@@ -9068,7 +12408,236 @@
     </p:spTree>
     <p:extLst>
       <p:ext uri="{BB962C8B-B14F-4D97-AF65-F5344CB8AC3E}">
-        <p14:creationId xmlns:p14="http://schemas.microsoft.com/office/powerpoint/2010/main" val="2939758651"/>
+        <p14:creationId xmlns:p14="http://schemas.microsoft.com/office/powerpoint/2010/main" val="3846511396"/>
+      </p:ext>
+    </p:extLst>
+  </p:cSld>
+  <p:clrMapOvr>
+    <a:masterClrMapping/>
+  </p:clrMapOvr>
+</p:sld>
+</file>
+
+<file path=ppt/slides/slide9.xml><?xml version="1.0" encoding="utf-8"?>
+<p:sld xmlns:a="http://schemas.openxmlformats.org/drawingml/2006/main" xmlns:r="http://schemas.openxmlformats.org/officeDocument/2006/relationships" xmlns:p="http://schemas.openxmlformats.org/presentationml/2006/main">
+  <p:cSld>
+    <p:spTree>
+      <p:nvGrpSpPr>
+        <p:cNvPr id="1" name=""/>
+        <p:cNvGrpSpPr/>
+        <p:nvPr/>
+      </p:nvGrpSpPr>
+      <p:grpSpPr>
+        <a:xfrm>
+          <a:off x="0" y="0"/>
+          <a:ext cx="0" cy="0"/>
+          <a:chOff x="0" y="0"/>
+          <a:chExt cx="0" cy="0"/>
+        </a:xfrm>
+      </p:grpSpPr>
+      <p:sp>
+        <p:nvSpPr>
+          <p:cNvPr id="2" name="Titre 1">
+            <a:extLst>
+              <a:ext uri="{FF2B5EF4-FFF2-40B4-BE49-F238E27FC236}">
+                <a16:creationId xmlns:a16="http://schemas.microsoft.com/office/drawing/2014/main" id="{00605C71-B032-4029-9951-64DC6A954947}"/>
+              </a:ext>
+            </a:extLst>
+          </p:cNvPr>
+          <p:cNvSpPr>
+            <a:spLocks noGrp="1"/>
+          </p:cNvSpPr>
+          <p:nvPr>
+            <p:ph type="title"/>
+          </p:nvPr>
+        </p:nvSpPr>
+        <p:spPr/>
+        <p:txBody>
+          <a:bodyPr/>
+          <a:lstStyle/>
+          <a:p>
+            <a:r>
+              <a:rPr lang="fr-FR" dirty="0"/>
+              <a:t>Pour résumé sur Hadoop</a:t>
+            </a:r>
+          </a:p>
+        </p:txBody>
+      </p:sp>
+      <p:sp>
+        <p:nvSpPr>
+          <p:cNvPr id="3" name="Espace réservé du contenu 2">
+            <a:extLst>
+              <a:ext uri="{FF2B5EF4-FFF2-40B4-BE49-F238E27FC236}">
+                <a16:creationId xmlns:a16="http://schemas.microsoft.com/office/drawing/2014/main" id="{0F9C28D6-2E4C-45D1-AB8E-C0A76F100C81}"/>
+              </a:ext>
+            </a:extLst>
+          </p:cNvPr>
+          <p:cNvSpPr>
+            <a:spLocks noGrp="1"/>
+          </p:cNvSpPr>
+          <p:nvPr>
+            <p:ph idx="1"/>
+          </p:nvPr>
+        </p:nvSpPr>
+        <p:spPr/>
+        <p:txBody>
+          <a:bodyPr/>
+          <a:lstStyle/>
+          <a:p>
+            <a:pPr>
+              <a:lnSpc>
+                <a:spcPct val="107000"/>
+              </a:lnSpc>
+              <a:spcAft>
+                <a:spcPts val="800"/>
+              </a:spcAft>
+            </a:pPr>
+            <a:r>
+              <a:rPr lang="fr-FR" sz="1800" dirty="0">
+                <a:latin typeface="Calibri" panose="020F0502020204030204" pitchFamily="34" charset="0"/>
+                <a:ea typeface="Calibri" panose="020F0502020204030204" pitchFamily="34" charset="0"/>
+                <a:cs typeface="Times New Roman" panose="02020603050405020304" pitchFamily="18" charset="0"/>
+              </a:rPr>
+              <a:t>F</a:t>
+            </a:r>
+            <a:r>
+              <a:rPr lang="fr-FR" sz="1800" dirty="0">
+                <a:effectLst/>
+                <a:latin typeface="Calibri" panose="020F0502020204030204" pitchFamily="34" charset="0"/>
+                <a:ea typeface="Calibri" panose="020F0502020204030204" pitchFamily="34" charset="0"/>
+                <a:cs typeface="Times New Roman" panose="02020603050405020304" pitchFamily="18" charset="0"/>
+              </a:rPr>
+              <a:t>ramework open-source</a:t>
+            </a:r>
+          </a:p>
+          <a:p>
+            <a:pPr>
+              <a:lnSpc>
+                <a:spcPct val="107000"/>
+              </a:lnSpc>
+              <a:spcAft>
+                <a:spcPts val="800"/>
+              </a:spcAft>
+            </a:pPr>
+            <a:r>
+              <a:rPr lang="fr-FR" sz="1800" dirty="0">
+                <a:latin typeface="Calibri" panose="020F0502020204030204" pitchFamily="34" charset="0"/>
+                <a:ea typeface="Calibri" panose="020F0502020204030204" pitchFamily="34" charset="0"/>
+                <a:cs typeface="Times New Roman" panose="02020603050405020304" pitchFamily="18" charset="0"/>
+              </a:rPr>
+              <a:t>C</a:t>
+            </a:r>
+            <a:r>
+              <a:rPr lang="fr-FR" sz="1800" dirty="0">
+                <a:effectLst/>
+                <a:latin typeface="Calibri" panose="020F0502020204030204" pitchFamily="34" charset="0"/>
+                <a:ea typeface="Calibri" panose="020F0502020204030204" pitchFamily="34" charset="0"/>
+                <a:cs typeface="Times New Roman" panose="02020603050405020304" pitchFamily="18" charset="0"/>
+              </a:rPr>
+              <a:t>onnu pour sa tolérance aux pannes et sa fonctionnalité de haute disponibilité</a:t>
+            </a:r>
+          </a:p>
+          <a:p>
+            <a:pPr>
+              <a:lnSpc>
+                <a:spcPct val="107000"/>
+              </a:lnSpc>
+              <a:spcAft>
+                <a:spcPts val="800"/>
+              </a:spcAft>
+            </a:pPr>
+            <a:r>
+              <a:rPr lang="fr-FR" sz="1800" dirty="0">
+                <a:effectLst/>
+                <a:latin typeface="Calibri" panose="020F0502020204030204" pitchFamily="34" charset="0"/>
+                <a:ea typeface="Calibri" panose="020F0502020204030204" pitchFamily="34" charset="0"/>
+                <a:cs typeface="Times New Roman" panose="02020603050405020304" pitchFamily="18" charset="0"/>
+              </a:rPr>
+              <a:t>Les clusters Hadoop sont évolutifs</a:t>
+            </a:r>
+          </a:p>
+          <a:p>
+            <a:pPr>
+              <a:lnSpc>
+                <a:spcPct val="107000"/>
+              </a:lnSpc>
+              <a:spcAft>
+                <a:spcPts val="800"/>
+              </a:spcAft>
+            </a:pPr>
+            <a:r>
+              <a:rPr lang="fr-FR" sz="1800" dirty="0">
+                <a:effectLst/>
+                <a:latin typeface="Calibri" panose="020F0502020204030204" pitchFamily="34" charset="0"/>
+                <a:ea typeface="Calibri" panose="020F0502020204030204" pitchFamily="34" charset="0"/>
+                <a:cs typeface="Times New Roman" panose="02020603050405020304" pitchFamily="18" charset="0"/>
+              </a:rPr>
+              <a:t>Facile à utiliser</a:t>
+            </a:r>
+          </a:p>
+          <a:p>
+            <a:pPr>
+              <a:lnSpc>
+                <a:spcPct val="107000"/>
+              </a:lnSpc>
+              <a:spcAft>
+                <a:spcPts val="800"/>
+              </a:spcAft>
+            </a:pPr>
+            <a:r>
+              <a:rPr lang="fr-FR" sz="1800" dirty="0">
+                <a:effectLst/>
+                <a:latin typeface="Calibri" panose="020F0502020204030204" pitchFamily="34" charset="0"/>
+                <a:ea typeface="Calibri" panose="020F0502020204030204" pitchFamily="34" charset="0"/>
+                <a:cs typeface="Times New Roman" panose="02020603050405020304" pitchFamily="18" charset="0"/>
+              </a:rPr>
+              <a:t>Il assure un traitement rapide des données grâce au traitement distribué</a:t>
+            </a:r>
+          </a:p>
+          <a:p>
+            <a:pPr>
+              <a:lnSpc>
+                <a:spcPct val="107000"/>
+              </a:lnSpc>
+              <a:spcAft>
+                <a:spcPts val="800"/>
+              </a:spcAft>
+            </a:pPr>
+            <a:r>
+              <a:rPr lang="fr-FR" sz="1800" dirty="0">
+                <a:effectLst/>
+                <a:latin typeface="Calibri" panose="020F0502020204030204" pitchFamily="34" charset="0"/>
+                <a:ea typeface="Calibri" panose="020F0502020204030204" pitchFamily="34" charset="0"/>
+                <a:cs typeface="Times New Roman" panose="02020603050405020304" pitchFamily="18" charset="0"/>
+              </a:rPr>
+              <a:t>Hadoop est rentable</a:t>
+            </a:r>
+          </a:p>
+          <a:p>
+            <a:pPr>
+              <a:lnSpc>
+                <a:spcPct val="107000"/>
+              </a:lnSpc>
+              <a:spcAft>
+                <a:spcPts val="800"/>
+              </a:spcAft>
+            </a:pPr>
+            <a:r>
+              <a:rPr lang="fr-FR" sz="1800" dirty="0">
+                <a:effectLst/>
+                <a:latin typeface="Calibri" panose="020F0502020204030204" pitchFamily="34" charset="0"/>
+                <a:ea typeface="Calibri" panose="020F0502020204030204" pitchFamily="34" charset="0"/>
+                <a:cs typeface="Times New Roman" panose="02020603050405020304" pitchFamily="18" charset="0"/>
+              </a:rPr>
+              <a:t>La fonctionnalité de localisation des données Hadoop réduit l'utilisation de la bande passante du système</a:t>
+            </a:r>
+          </a:p>
+        </p:txBody>
+      </p:sp>
+    </p:spTree>
+    <p:extLst>
+      <p:ext uri="{BB962C8B-B14F-4D97-AF65-F5344CB8AC3E}">
+        <p14:creationId xmlns:p14="http://schemas.microsoft.com/office/powerpoint/2010/main" val="2103059348"/>
       </p:ext>
     </p:extLst>
   </p:cSld>
@@ -9373,7 +12942,308 @@
 </a:theme>
 </file>
 
+<file path=ppt/theme/theme2.xml><?xml version="1.0" encoding="utf-8"?>
+<a:theme xmlns:a="http://schemas.openxmlformats.org/drawingml/2006/main" name="Thème Office">
+  <a:themeElements>
+    <a:clrScheme name="Office">
+      <a:dk1>
+        <a:sysClr val="windowText" lastClr="000000"/>
+      </a:dk1>
+      <a:lt1>
+        <a:sysClr val="window" lastClr="FFFFFF"/>
+      </a:lt1>
+      <a:dk2>
+        <a:srgbClr val="44546A"/>
+      </a:dk2>
+      <a:lt2>
+        <a:srgbClr val="E7E6E6"/>
+      </a:lt2>
+      <a:accent1>
+        <a:srgbClr val="4472C4"/>
+      </a:accent1>
+      <a:accent2>
+        <a:srgbClr val="ED7D31"/>
+      </a:accent2>
+      <a:accent3>
+        <a:srgbClr val="A5A5A5"/>
+      </a:accent3>
+      <a:accent4>
+        <a:srgbClr val="FFC000"/>
+      </a:accent4>
+      <a:accent5>
+        <a:srgbClr val="5B9BD5"/>
+      </a:accent5>
+      <a:accent6>
+        <a:srgbClr val="70AD47"/>
+      </a:accent6>
+      <a:hlink>
+        <a:srgbClr val="0563C1"/>
+      </a:hlink>
+      <a:folHlink>
+        <a:srgbClr val="954F72"/>
+      </a:folHlink>
+    </a:clrScheme>
+    <a:fontScheme name="Office">
+      <a:majorFont>
+        <a:latin typeface="Calibri Light" panose="020F0302020204030204"/>
+        <a:ea typeface=""/>
+        <a:cs typeface=""/>
+        <a:font script="Jpan" typeface="游ゴシック Light"/>
+        <a:font script="Hang" typeface="맑은 고딕"/>
+        <a:font script="Hans" typeface="等线 Light"/>
+        <a:font script="Hant" typeface="新細明體"/>
+        <a:font script="Arab" typeface="Times New Roman"/>
+        <a:font script="Hebr" typeface="Times New Roman"/>
+        <a:font script="Thai" typeface="Angsana New"/>
+        <a:font script="Ethi" typeface="Nyala"/>
+        <a:font script="Beng" typeface="Vrinda"/>
+        <a:font script="Gujr" typeface="Shruti"/>
+        <a:font script="Khmr" typeface="MoolBoran"/>
+        <a:font script="Knda" typeface="Tunga"/>
+        <a:font script="Guru" typeface="Raavi"/>
+        <a:font script="Cans" typeface="Euphemia"/>
+        <a:font script="Cher" typeface="Plantagenet Cherokee"/>
+        <a:font script="Yiii" typeface="Microsoft Yi Baiti"/>
+        <a:font script="Tibt" typeface="Microsoft Himalaya"/>
+        <a:font script="Thaa" typeface="MV Boli"/>
+        <a:font script="Deva" typeface="Mangal"/>
+        <a:font script="Telu" typeface="Gautami"/>
+        <a:font script="Taml" typeface="Latha"/>
+        <a:font script="Syrc" typeface="Estrangelo Edessa"/>
+        <a:font script="Orya" typeface="Kalinga"/>
+        <a:font script="Mlym" typeface="Kartika"/>
+        <a:font script="Laoo" typeface="DokChampa"/>
+        <a:font script="Sinh" typeface="Iskoola Pota"/>
+        <a:font script="Mong" typeface="Mongolian Baiti"/>
+        <a:font script="Viet" typeface="Times New Roman"/>
+        <a:font script="Uigh" typeface="Microsoft Uighur"/>
+        <a:font script="Geor" typeface="Sylfaen"/>
+        <a:font script="Armn" typeface="Arial"/>
+        <a:font script="Bugi" typeface="Leelawadee UI"/>
+        <a:font script="Bopo" typeface="Microsoft JhengHei"/>
+        <a:font script="Java" typeface="Javanese Text"/>
+        <a:font script="Lisu" typeface="Segoe UI"/>
+        <a:font script="Mymr" typeface="Myanmar Text"/>
+        <a:font script="Nkoo" typeface="Ebrima"/>
+        <a:font script="Olck" typeface="Nirmala UI"/>
+        <a:font script="Osma" typeface="Ebrima"/>
+        <a:font script="Phag" typeface="Phagspa"/>
+        <a:font script="Syrn" typeface="Estrangelo Edessa"/>
+        <a:font script="Syrj" typeface="Estrangelo Edessa"/>
+        <a:font script="Syre" typeface="Estrangelo Edessa"/>
+        <a:font script="Sora" typeface="Nirmala UI"/>
+        <a:font script="Tale" typeface="Microsoft Tai Le"/>
+        <a:font script="Talu" typeface="Microsoft New Tai Lue"/>
+        <a:font script="Tfng" typeface="Ebrima"/>
+      </a:majorFont>
+      <a:minorFont>
+        <a:latin typeface="Calibri" panose="020F0502020204030204"/>
+        <a:ea typeface=""/>
+        <a:cs typeface=""/>
+        <a:font script="Jpan" typeface="游ゴシック"/>
+        <a:font script="Hang" typeface="맑은 고딕"/>
+        <a:font script="Hans" typeface="等线"/>
+        <a:font script="Hant" typeface="新細明體"/>
+        <a:font script="Arab" typeface="Arial"/>
+        <a:font script="Hebr" typeface="Arial"/>
+        <a:font script="Thai" typeface="Cordia New"/>
+        <a:font script="Ethi" typeface="Nyala"/>
+        <a:font script="Beng" typeface="Vrinda"/>
+        <a:font script="Gujr" typeface="Shruti"/>
+        <a:font script="Khmr" typeface="DaunPenh"/>
+        <a:font script="Knda" typeface="Tunga"/>
+        <a:font script="Guru" typeface="Raavi"/>
+        <a:font script="Cans" typeface="Euphemia"/>
+        <a:font script="Cher" typeface="Plantagenet Cherokee"/>
+        <a:font script="Yiii" typeface="Microsoft Yi Baiti"/>
+        <a:font script="Tibt" typeface="Microsoft Himalaya"/>
+        <a:font script="Thaa" typeface="MV Boli"/>
+        <a:font script="Deva" typeface="Mangal"/>
+        <a:font script="Telu" typeface="Gautami"/>
+        <a:font script="Taml" typeface="Latha"/>
+        <a:font script="Syrc" typeface="Estrangelo Edessa"/>
+        <a:font script="Orya" typeface="Kalinga"/>
+        <a:font script="Mlym" typeface="Kartika"/>
+        <a:font script="Laoo" typeface="DokChampa"/>
+        <a:font script="Sinh" typeface="Iskoola Pota"/>
+        <a:font script="Mong" typeface="Mongolian Baiti"/>
+        <a:font script="Viet" typeface="Arial"/>
+        <a:font script="Uigh" typeface="Microsoft Uighur"/>
+        <a:font script="Geor" typeface="Sylfaen"/>
+        <a:font script="Armn" typeface="Arial"/>
+        <a:font script="Bugi" typeface="Leelawadee UI"/>
+        <a:font script="Bopo" typeface="Microsoft JhengHei"/>
+        <a:font script="Java" typeface="Javanese Text"/>
+        <a:font script="Lisu" typeface="Segoe UI"/>
+        <a:font script="Mymr" typeface="Myanmar Text"/>
+        <a:font script="Nkoo" typeface="Ebrima"/>
+        <a:font script="Olck" typeface="Nirmala UI"/>
+        <a:font script="Osma" typeface="Ebrima"/>
+        <a:font script="Phag" typeface="Phagspa"/>
+        <a:font script="Syrn" typeface="Estrangelo Edessa"/>
+        <a:font script="Syrj" typeface="Estrangelo Edessa"/>
+        <a:font script="Syre" typeface="Estrangelo Edessa"/>
+        <a:font script="Sora" typeface="Nirmala UI"/>
+        <a:font script="Tale" typeface="Microsoft Tai Le"/>
+        <a:font script="Talu" typeface="Microsoft New Tai Lue"/>
+        <a:font script="Tfng" typeface="Ebrima"/>
+      </a:minorFont>
+    </a:fontScheme>
+    <a:fmtScheme name="Office">
+      <a:fillStyleLst>
+        <a:solidFill>
+          <a:schemeClr val="phClr"/>
+        </a:solidFill>
+        <a:gradFill rotWithShape="1">
+          <a:gsLst>
+            <a:gs pos="0">
+              <a:schemeClr val="phClr">
+                <a:lumMod val="110000"/>
+                <a:satMod val="105000"/>
+                <a:tint val="67000"/>
+              </a:schemeClr>
+            </a:gs>
+            <a:gs pos="50000">
+              <a:schemeClr val="phClr">
+                <a:lumMod val="105000"/>
+                <a:satMod val="103000"/>
+                <a:tint val="73000"/>
+              </a:schemeClr>
+            </a:gs>
+            <a:gs pos="100000">
+              <a:schemeClr val="phClr">
+                <a:lumMod val="105000"/>
+                <a:satMod val="109000"/>
+                <a:tint val="81000"/>
+              </a:schemeClr>
+            </a:gs>
+          </a:gsLst>
+          <a:lin ang="5400000" scaled="0"/>
+        </a:gradFill>
+        <a:gradFill rotWithShape="1">
+          <a:gsLst>
+            <a:gs pos="0">
+              <a:schemeClr val="phClr">
+                <a:satMod val="103000"/>
+                <a:lumMod val="102000"/>
+                <a:tint val="94000"/>
+              </a:schemeClr>
+            </a:gs>
+            <a:gs pos="50000">
+              <a:schemeClr val="phClr">
+                <a:satMod val="110000"/>
+                <a:lumMod val="100000"/>
+                <a:shade val="100000"/>
+              </a:schemeClr>
+            </a:gs>
+            <a:gs pos="100000">
+              <a:schemeClr val="phClr">
+                <a:lumMod val="99000"/>
+                <a:satMod val="120000"/>
+                <a:shade val="78000"/>
+              </a:schemeClr>
+            </a:gs>
+          </a:gsLst>
+          <a:lin ang="5400000" scaled="0"/>
+        </a:gradFill>
+      </a:fillStyleLst>
+      <a:lnStyleLst>
+        <a:ln w="6350" cap="flat" cmpd="sng" algn="ctr">
+          <a:solidFill>
+            <a:schemeClr val="phClr"/>
+          </a:solidFill>
+          <a:prstDash val="solid"/>
+          <a:miter lim="800000"/>
+        </a:ln>
+        <a:ln w="12700" cap="flat" cmpd="sng" algn="ctr">
+          <a:solidFill>
+            <a:schemeClr val="phClr"/>
+          </a:solidFill>
+          <a:prstDash val="solid"/>
+          <a:miter lim="800000"/>
+        </a:ln>
+        <a:ln w="19050" cap="flat" cmpd="sng" algn="ctr">
+          <a:solidFill>
+            <a:schemeClr val="phClr"/>
+          </a:solidFill>
+          <a:prstDash val="solid"/>
+          <a:miter lim="800000"/>
+        </a:ln>
+      </a:lnStyleLst>
+      <a:effectStyleLst>
+        <a:effectStyle>
+          <a:effectLst/>
+        </a:effectStyle>
+        <a:effectStyle>
+          <a:effectLst/>
+        </a:effectStyle>
+        <a:effectStyle>
+          <a:effectLst>
+            <a:outerShdw blurRad="57150" dist="19050" dir="5400000" algn="ctr" rotWithShape="0">
+              <a:srgbClr val="000000">
+                <a:alpha val="63000"/>
+              </a:srgbClr>
+            </a:outerShdw>
+          </a:effectLst>
+        </a:effectStyle>
+      </a:effectStyleLst>
+      <a:bgFillStyleLst>
+        <a:solidFill>
+          <a:schemeClr val="phClr"/>
+        </a:solidFill>
+        <a:solidFill>
+          <a:schemeClr val="phClr">
+            <a:tint val="95000"/>
+            <a:satMod val="170000"/>
+          </a:schemeClr>
+        </a:solidFill>
+        <a:gradFill rotWithShape="1">
+          <a:gsLst>
+            <a:gs pos="0">
+              <a:schemeClr val="phClr">
+                <a:tint val="93000"/>
+                <a:satMod val="150000"/>
+                <a:shade val="98000"/>
+                <a:lumMod val="102000"/>
+              </a:schemeClr>
+            </a:gs>
+            <a:gs pos="50000">
+              <a:schemeClr val="phClr">
+                <a:tint val="98000"/>
+                <a:satMod val="130000"/>
+                <a:shade val="90000"/>
+                <a:lumMod val="103000"/>
+              </a:schemeClr>
+            </a:gs>
+            <a:gs pos="100000">
+              <a:schemeClr val="phClr">
+                <a:shade val="63000"/>
+                <a:satMod val="120000"/>
+              </a:schemeClr>
+            </a:gs>
+          </a:gsLst>
+          <a:lin ang="5400000" scaled="0"/>
+        </a:gradFill>
+      </a:bgFillStyleLst>
+    </a:fmtScheme>
+  </a:themeElements>
+  <a:objectDefaults/>
+  <a:extraClrSchemeLst/>
+  <a:extLst>
+    <a:ext uri="{05A4C25C-085E-4340-85A3-A5531E510DB2}">
+      <thm15:themeFamily xmlns:thm15="http://schemas.microsoft.com/office/thememl/2012/main" name="Office Theme" id="{62F939B6-93AF-4DB8-9C6B-D6C7DFDC589F}" vid="{4A3C46E8-61CC-4603-A589-7422A47A8E4A}"/>
+    </a:ext>
+  </a:extLst>
+</a:theme>
+</file>
+
 <file path=customXml/item1.xml><?xml version="1.0" encoding="utf-8"?>
+<p:properties xmlns:p="http://schemas.microsoft.com/office/2006/metadata/properties" xmlns:xsi="http://www.w3.org/2001/XMLSchema-instance" xmlns:pc="http://schemas.microsoft.com/office/infopath/2007/PartnerControls">
+  <documentManagement/>
+</p:properties>
+</file>
+
+<file path=customXml/item2.xml><?xml version="1.0" encoding="utf-8"?>
 <?mso-contentType ?>
 <FormTemplates xmlns="http://schemas.microsoft.com/sharepoint/v3/contenttype/forms">
   <Display>DocumentLibraryForm</Display>
@@ -9382,7 +13252,7 @@
 </FormTemplates>
 </file>
 
-<file path=customXml/item2.xml><?xml version="1.0" encoding="utf-8"?>
+<file path=customXml/item3.xml><?xml version="1.0" encoding="utf-8"?>
 <ct:contentTypeSchema xmlns:ct="http://schemas.microsoft.com/office/2006/metadata/contentType" xmlns:ma="http://schemas.microsoft.com/office/2006/metadata/properties/metaAttributes" ct:_="" ma:_="" ma:contentTypeName="Document" ma:contentTypeID="0x010100EC6BB2BD5132D849B57E88A32FC07E6A" ma:contentTypeVersion="11" ma:contentTypeDescription="Crée un document." ma:contentTypeScope="" ma:versionID="0b389082927354434f713da123a39882">
   <xsd:schema xmlns:xsd="http://www.w3.org/2001/XMLSchema" xmlns:xs="http://www.w3.org/2001/XMLSchema" xmlns:p="http://schemas.microsoft.com/office/2006/metadata/properties" xmlns:ns3="325b7feb-1bcc-4842-a273-58fcc14ca473" xmlns:ns4="47ed633b-5d6f-487c-9fe5-6092b821535a" targetNamespace="http://schemas.microsoft.com/office/2006/metadata/properties" ma:root="true" ma:fieldsID="4c3eef76ddfc7decaa330b1af6e3ad52" ns3:_="" ns4:_="">
     <xsd:import namespace="325b7feb-1bcc-4842-a273-58fcc14ca473"/>
@@ -9593,13 +13463,24 @@
 </ct:contentTypeSchema>
 </file>
 
-<file path=customXml/item3.xml><?xml version="1.0" encoding="utf-8"?>
-<p:properties xmlns:p="http://schemas.microsoft.com/office/2006/metadata/properties" xmlns:xsi="http://www.w3.org/2001/XMLSchema-instance" xmlns:pc="http://schemas.microsoft.com/office/infopath/2007/PartnerControls">
-  <documentManagement/>
-</p:properties>
+<file path=customXml/itemProps1.xml><?xml version="1.0" encoding="utf-8"?>
+<ds:datastoreItem xmlns:ds="http://schemas.openxmlformats.org/officeDocument/2006/customXml" ds:itemID="{DBE7C3BF-5353-421B-96DF-1BB5AE28A877}">
+  <ds:schemaRefs>
+    <ds:schemaRef ds:uri="http://schemas.microsoft.com/office/2006/documentManagement/types"/>
+    <ds:schemaRef ds:uri="http://schemas.microsoft.com/office/infopath/2007/PartnerControls"/>
+    <ds:schemaRef ds:uri="http://purl.org/dc/dcmitype/"/>
+    <ds:schemaRef ds:uri="http://schemas.microsoft.com/office/2006/metadata/properties"/>
+    <ds:schemaRef ds:uri="http://purl.org/dc/terms/"/>
+    <ds:schemaRef ds:uri="http://www.w3.org/XML/1998/namespace"/>
+    <ds:schemaRef ds:uri="47ed633b-5d6f-487c-9fe5-6092b821535a"/>
+    <ds:schemaRef ds:uri="http://schemas.openxmlformats.org/package/2006/metadata/core-properties"/>
+    <ds:schemaRef ds:uri="325b7feb-1bcc-4842-a273-58fcc14ca473"/>
+    <ds:schemaRef ds:uri="http://purl.org/dc/elements/1.1/"/>
+  </ds:schemaRefs>
+</ds:datastoreItem>
 </file>
 
-<file path=customXml/itemProps1.xml><?xml version="1.0" encoding="utf-8"?>
+<file path=customXml/itemProps2.xml><?xml version="1.0" encoding="utf-8"?>
 <ds:datastoreItem xmlns:ds="http://schemas.openxmlformats.org/officeDocument/2006/customXml" ds:itemID="{128B87FD-7750-42F2-B931-E1ED2D3A7A85}">
   <ds:schemaRefs>
     <ds:schemaRef ds:uri="http://schemas.microsoft.com/sharepoint/v3/contenttype/forms"/>
@@ -9607,7 +13488,7 @@
 </ds:datastoreItem>
 </file>
 
-<file path=customXml/itemProps2.xml><?xml version="1.0" encoding="utf-8"?>
+<file path=customXml/itemProps3.xml><?xml version="1.0" encoding="utf-8"?>
 <ds:datastoreItem xmlns:ds="http://schemas.openxmlformats.org/officeDocument/2006/customXml" ds:itemID="{E96B0783-0D04-4246-8E45-E87DF767C07A}">
   <ds:schemaRefs>
     <ds:schemaRef ds:uri="325b7feb-1bcc-4842-a273-58fcc14ca473"/>
@@ -9624,21 +13505,4 @@
     <ds:schemaRef ds:uri="http://www.w3.org/2001/XMLSchema"/>
   </ds:schemaRefs>
 </ds:datastoreItem>
-</file>
-
-<file path=customXml/itemProps3.xml><?xml version="1.0" encoding="utf-8"?>
-<ds:datastoreItem xmlns:ds="http://schemas.openxmlformats.org/officeDocument/2006/customXml" ds:itemID="{DBE7C3BF-5353-421B-96DF-1BB5AE28A877}">
-  <ds:schemaRefs>
-    <ds:schemaRef ds:uri="325b7feb-1bcc-4842-a273-58fcc14ca473"/>
-    <ds:schemaRef ds:uri="47ed633b-5d6f-487c-9fe5-6092b821535a"/>
-    <ds:schemaRef ds:uri="http://purl.org/dc/dcmitype/"/>
-    <ds:schemaRef ds:uri="http://purl.org/dc/elements/1.1/"/>
-    <ds:schemaRef ds:uri="http://purl.org/dc/terms/"/>
-    <ds:schemaRef ds:uri="http://schemas.microsoft.com/office/2006/documentManagement/types"/>
-    <ds:schemaRef ds:uri="http://schemas.microsoft.com/office/2006/metadata/properties"/>
-    <ds:schemaRef ds:uri="http://schemas.microsoft.com/office/infopath/2007/PartnerControls"/>
-    <ds:schemaRef ds:uri="http://schemas.openxmlformats.org/package/2006/metadata/core-properties"/>
-    <ds:schemaRef ds:uri="http://www.w3.org/XML/1998/namespace"/>
-  </ds:schemaRefs>
-</ds:datastoreItem>
 </file>